--- a/models/car_simulator/test/obj/map.pptx
+++ b/models/car_simulator/test/obj/map.pptx
@@ -5,8 +5,7 @@
     <p:sldMasterId id="2147483684" r:id="rId1"/>
   </p:sldMasterIdLst>
   <p:sldIdLst>
-    <p:sldId id="256" r:id="rId2"/>
-    <p:sldId id="258" r:id="rId3"/>
+    <p:sldId id="258" r:id="rId2"/>
   </p:sldIdLst>
   <p:sldSz cx="18000663" cy="18000663"/>
   <p:notesSz cx="6858000" cy="9144000"/>
@@ -105,6 +104,11 @@
       </a:defRPr>
     </a:lvl9pPr>
   </p:defaultTextStyle>
+  <p:extLst>
+    <p:ext uri="{EFAFB233-063F-42B5-8137-9DF3F51BA10A}">
+      <p15:sldGuideLst xmlns:p15="http://schemas.microsoft.com/office/powerpoint/2012/main"/>
+    </p:ext>
+  </p:extLst>
 </p:presentation>
 </file>
 
@@ -255,7 +259,7 @@
           <a:p>
             <a:fld id="{6F6208B2-DA1B-4689-A3F7-4DE663932C7D}" type="datetimeFigureOut">
               <a:rPr kumimoji="1" lang="ja-JP" altLang="en-US" smtClean="0"/>
-              <a:t>2021/5/4</a:t>
+              <a:t>2021/5/5</a:t>
             </a:fld>
             <a:endParaRPr kumimoji="1" lang="ja-JP" altLang="en-US"/>
           </a:p>
@@ -485,7 +489,7 @@
           <a:p>
             <a:fld id="{6F6208B2-DA1B-4689-A3F7-4DE663932C7D}" type="datetimeFigureOut">
               <a:rPr kumimoji="1" lang="ja-JP" altLang="en-US" smtClean="0"/>
-              <a:t>2021/5/4</a:t>
+              <a:t>2021/5/5</a:t>
             </a:fld>
             <a:endParaRPr kumimoji="1" lang="ja-JP" altLang="en-US"/>
           </a:p>
@@ -725,7 +729,7 @@
           <a:p>
             <a:fld id="{6F6208B2-DA1B-4689-A3F7-4DE663932C7D}" type="datetimeFigureOut">
               <a:rPr kumimoji="1" lang="ja-JP" altLang="en-US" smtClean="0"/>
-              <a:t>2021/5/4</a:t>
+              <a:t>2021/5/5</a:t>
             </a:fld>
             <a:endParaRPr kumimoji="1" lang="ja-JP" altLang="en-US"/>
           </a:p>
@@ -955,7 +959,7 @@
           <a:p>
             <a:fld id="{6F6208B2-DA1B-4689-A3F7-4DE663932C7D}" type="datetimeFigureOut">
               <a:rPr kumimoji="1" lang="ja-JP" altLang="en-US" smtClean="0"/>
-              <a:t>2021/5/4</a:t>
+              <a:t>2021/5/5</a:t>
             </a:fld>
             <a:endParaRPr kumimoji="1" lang="ja-JP" altLang="en-US"/>
           </a:p>
@@ -1230,7 +1234,7 @@
           <a:p>
             <a:fld id="{6F6208B2-DA1B-4689-A3F7-4DE663932C7D}" type="datetimeFigureOut">
               <a:rPr kumimoji="1" lang="ja-JP" altLang="en-US" smtClean="0"/>
-              <a:t>2021/5/4</a:t>
+              <a:t>2021/5/5</a:t>
             </a:fld>
             <a:endParaRPr kumimoji="1" lang="ja-JP" altLang="en-US"/>
           </a:p>
@@ -1559,7 +1563,7 @@
           <a:p>
             <a:fld id="{6F6208B2-DA1B-4689-A3F7-4DE663932C7D}" type="datetimeFigureOut">
               <a:rPr kumimoji="1" lang="ja-JP" altLang="en-US" smtClean="0"/>
-              <a:t>2021/5/4</a:t>
+              <a:t>2021/5/5</a:t>
             </a:fld>
             <a:endParaRPr kumimoji="1" lang="ja-JP" altLang="en-US"/>
           </a:p>
@@ -2035,7 +2039,7 @@
           <a:p>
             <a:fld id="{6F6208B2-DA1B-4689-A3F7-4DE663932C7D}" type="datetimeFigureOut">
               <a:rPr kumimoji="1" lang="ja-JP" altLang="en-US" smtClean="0"/>
-              <a:t>2021/5/4</a:t>
+              <a:t>2021/5/5</a:t>
             </a:fld>
             <a:endParaRPr kumimoji="1" lang="ja-JP" altLang="en-US"/>
           </a:p>
@@ -2176,7 +2180,7 @@
           <a:p>
             <a:fld id="{6F6208B2-DA1B-4689-A3F7-4DE663932C7D}" type="datetimeFigureOut">
               <a:rPr kumimoji="1" lang="ja-JP" altLang="en-US" smtClean="0"/>
-              <a:t>2021/5/4</a:t>
+              <a:t>2021/5/5</a:t>
             </a:fld>
             <a:endParaRPr kumimoji="1" lang="ja-JP" altLang="en-US"/>
           </a:p>
@@ -2289,7 +2293,7 @@
           <a:p>
             <a:fld id="{6F6208B2-DA1B-4689-A3F7-4DE663932C7D}" type="datetimeFigureOut">
               <a:rPr kumimoji="1" lang="ja-JP" altLang="en-US" smtClean="0"/>
-              <a:t>2021/5/4</a:t>
+              <a:t>2021/5/5</a:t>
             </a:fld>
             <a:endParaRPr kumimoji="1" lang="ja-JP" altLang="en-US"/>
           </a:p>
@@ -2632,7 +2636,7 @@
           <a:p>
             <a:fld id="{6F6208B2-DA1B-4689-A3F7-4DE663932C7D}" type="datetimeFigureOut">
               <a:rPr kumimoji="1" lang="ja-JP" altLang="en-US" smtClean="0"/>
-              <a:t>2021/5/4</a:t>
+              <a:t>2021/5/5</a:t>
             </a:fld>
             <a:endParaRPr kumimoji="1" lang="ja-JP" altLang="en-US"/>
           </a:p>
@@ -2920,7 +2924,7 @@
           <a:p>
             <a:fld id="{6F6208B2-DA1B-4689-A3F7-4DE663932C7D}" type="datetimeFigureOut">
               <a:rPr kumimoji="1" lang="ja-JP" altLang="en-US" smtClean="0"/>
-              <a:t>2021/5/4</a:t>
+              <a:t>2021/5/5</a:t>
             </a:fld>
             <a:endParaRPr kumimoji="1" lang="ja-JP" altLang="en-US"/>
           </a:p>
@@ -3193,7 +3197,7 @@
           <a:p>
             <a:fld id="{6F6208B2-DA1B-4689-A3F7-4DE663932C7D}" type="datetimeFigureOut">
               <a:rPr kumimoji="1" lang="ja-JP" altLang="en-US" smtClean="0"/>
-              <a:t>2021/5/4</a:t>
+              <a:t>2021/5/5</a:t>
             </a:fld>
             <a:endParaRPr kumimoji="1" lang="ja-JP" altLang="en-US"/>
           </a:p>
@@ -3621,47 +3625,6 @@
           <a:chExt cx="0" cy="0"/>
         </a:xfrm>
       </p:grpSpPr>
-    </p:spTree>
-    <p:extLst>
-      <p:ext uri="{BB962C8B-B14F-4D97-AF65-F5344CB8AC3E}">
-        <p14:creationId xmlns:p14="http://schemas.microsoft.com/office/powerpoint/2010/main" val="1392075186"/>
-      </p:ext>
-    </p:extLst>
-  </p:cSld>
-  <p:clrMapOvr>
-    <a:masterClrMapping/>
-  </p:clrMapOvr>
-</p:sld>
-</file>
-
-<file path=ppt/slides/slide2.xml><?xml version="1.0" encoding="utf-8"?>
-<p:sld xmlns:a="http://schemas.openxmlformats.org/drawingml/2006/main" xmlns:r="http://schemas.openxmlformats.org/officeDocument/2006/relationships" xmlns:p="http://schemas.openxmlformats.org/presentationml/2006/main">
-  <p:cSld>
-    <p:bg>
-      <p:bgPr>
-        <a:solidFill>
-          <a:schemeClr val="tx1">
-            <a:lumMod val="75000"/>
-            <a:lumOff val="25000"/>
-          </a:schemeClr>
-        </a:solidFill>
-        <a:effectLst/>
-      </p:bgPr>
-    </p:bg>
-    <p:spTree>
-      <p:nvGrpSpPr>
-        <p:cNvPr id="1" name=""/>
-        <p:cNvGrpSpPr/>
-        <p:nvPr/>
-      </p:nvGrpSpPr>
-      <p:grpSpPr>
-        <a:xfrm>
-          <a:off x="0" y="0"/>
-          <a:ext cx="0" cy="0"/>
-          <a:chOff x="0" y="0"/>
-          <a:chExt cx="0" cy="0"/>
-        </a:xfrm>
-      </p:grpSpPr>
       <p:sp>
         <p:nvSpPr>
           <p:cNvPr id="5" name="四角形: 角を丸くする 4">
@@ -3676,12 +3639,12 @@
         </p:nvSpPr>
         <p:spPr>
           <a:xfrm>
-            <a:off x="103981" y="104775"/>
+            <a:off x="103981" y="104774"/>
             <a:ext cx="17792699" cy="17791112"/>
           </a:xfrm>
           <a:prstGeom prst="roundRect">
             <a:avLst>
-              <a:gd name="adj" fmla="val 6203"/>
+              <a:gd name="adj" fmla="val 9433"/>
             </a:avLst>
           </a:prstGeom>
           <a:solidFill>
@@ -3741,7 +3704,9 @@
             <a:ext cx="4038182" cy="4058697"/>
           </a:xfrm>
           <a:prstGeom prst="roundRect">
-            <a:avLst/>
+            <a:avLst>
+              <a:gd name="adj" fmla="val 6797"/>
+            </a:avLst>
           </a:prstGeom>
           <a:solidFill>
             <a:schemeClr val="accent6">
@@ -3801,7 +3766,9 @@
             <a:ext cx="4038182" cy="4058697"/>
           </a:xfrm>
           <a:prstGeom prst="roundRect">
-            <a:avLst/>
+            <a:avLst>
+              <a:gd name="adj" fmla="val 7087"/>
+            </a:avLst>
           </a:prstGeom>
           <a:solidFill>
             <a:schemeClr val="tx1">
@@ -3861,7 +3828,9 @@
             <a:ext cx="4038182" cy="4120751"/>
           </a:xfrm>
           <a:prstGeom prst="roundRect">
-            <a:avLst/>
+            <a:avLst>
+              <a:gd name="adj" fmla="val 6216"/>
+            </a:avLst>
           </a:prstGeom>
           <a:solidFill>
             <a:schemeClr val="bg1">
@@ -3920,7 +3889,9 @@
             <a:ext cx="4038182" cy="4058697"/>
           </a:xfrm>
           <a:prstGeom prst="roundRect">
-            <a:avLst/>
+            <a:avLst>
+              <a:gd name="adj" fmla="val 5635"/>
+            </a:avLst>
           </a:prstGeom>
           <a:solidFill>
             <a:schemeClr val="tx1">
@@ -3980,7 +3951,9 @@
             <a:ext cx="4038182" cy="4058697"/>
           </a:xfrm>
           <a:prstGeom prst="roundRect">
-            <a:avLst/>
+            <a:avLst>
+              <a:gd name="adj" fmla="val 5345"/>
+            </a:avLst>
           </a:prstGeom>
           <a:solidFill>
             <a:schemeClr val="tx1">
@@ -4040,7 +4013,9 @@
             <a:ext cx="4038182" cy="4120751"/>
           </a:xfrm>
           <a:prstGeom prst="roundRect">
-            <a:avLst/>
+            <a:avLst>
+              <a:gd name="adj" fmla="val 4184"/>
+            </a:avLst>
           </a:prstGeom>
           <a:solidFill>
             <a:schemeClr val="accent6">
@@ -4100,7 +4075,9 @@
             <a:ext cx="4038182" cy="4058697"/>
           </a:xfrm>
           <a:prstGeom prst="roundRect">
-            <a:avLst/>
+            <a:avLst>
+              <a:gd name="adj" fmla="val 6506"/>
+            </a:avLst>
           </a:prstGeom>
           <a:solidFill>
             <a:schemeClr val="accent3">
@@ -4160,7 +4137,9 @@
             <a:ext cx="4038182" cy="4058697"/>
           </a:xfrm>
           <a:prstGeom prst="roundRect">
-            <a:avLst/>
+            <a:avLst>
+              <a:gd name="adj" fmla="val 5676"/>
+            </a:avLst>
           </a:prstGeom>
           <a:solidFill>
             <a:schemeClr val="accent6">
@@ -4220,7 +4199,9 @@
             <a:ext cx="4038182" cy="4120751"/>
           </a:xfrm>
           <a:prstGeom prst="roundRect">
-            <a:avLst/>
+            <a:avLst>
+              <a:gd name="adj" fmla="val 7668"/>
+            </a:avLst>
           </a:prstGeom>
           <a:solidFill>
             <a:schemeClr val="tx1">
@@ -4262,6 +4243,9675 @@
           </a:p>
         </p:txBody>
       </p:sp>
+      <p:cxnSp>
+        <p:nvCxnSpPr>
+          <p:cNvPr id="3" name="直線コネクタ 2">
+            <a:extLst>
+              <a:ext uri="{FF2B5EF4-FFF2-40B4-BE49-F238E27FC236}">
+                <a16:creationId xmlns:a16="http://schemas.microsoft.com/office/drawing/2014/main" id="{FED85997-9A70-4396-ADB6-593CD1626D72}"/>
+              </a:ext>
+            </a:extLst>
+          </p:cNvPr>
+          <p:cNvCxnSpPr>
+            <a:cxnSpLocks/>
+            <a:stCxn id="46" idx="0"/>
+            <a:endCxn id="8" idx="2"/>
+          </p:cNvCxnSpPr>
+          <p:nvPr/>
+        </p:nvCxnSpPr>
+        <p:spPr>
+          <a:xfrm flipH="1">
+            <a:off x="911592" y="1931833"/>
+            <a:ext cx="1" cy="14211452"/>
+          </a:xfrm>
+          <a:prstGeom prst="line">
+            <a:avLst/>
+          </a:prstGeom>
+          <a:ln w="57150">
+            <a:solidFill>
+              <a:schemeClr val="bg1">
+                <a:lumMod val="95000"/>
+              </a:schemeClr>
+            </a:solidFill>
+          </a:ln>
+        </p:spPr>
+        <p:style>
+          <a:lnRef idx="1">
+            <a:schemeClr val="accent1"/>
+          </a:lnRef>
+          <a:fillRef idx="0">
+            <a:schemeClr val="accent1"/>
+          </a:fillRef>
+          <a:effectRef idx="0">
+            <a:schemeClr val="accent1"/>
+          </a:effectRef>
+          <a:fontRef idx="minor">
+            <a:schemeClr val="tx1"/>
+          </a:fontRef>
+        </p:style>
+      </p:cxnSp>
+      <p:sp>
+        <p:nvSpPr>
+          <p:cNvPr id="8" name="円弧 7">
+            <a:extLst>
+              <a:ext uri="{FF2B5EF4-FFF2-40B4-BE49-F238E27FC236}">
+                <a16:creationId xmlns:a16="http://schemas.microsoft.com/office/drawing/2014/main" id="{BF9D8ABD-C815-4AFF-9114-4C4197545137}"/>
+              </a:ext>
+            </a:extLst>
+          </p:cNvPr>
+          <p:cNvSpPr/>
+          <p:nvPr/>
+        </p:nvSpPr>
+        <p:spPr>
+          <a:xfrm rot="10800000">
+            <a:off x="911588" y="15043354"/>
+            <a:ext cx="2325675" cy="2205863"/>
+          </a:xfrm>
+          <a:prstGeom prst="arc">
+            <a:avLst>
+              <a:gd name="adj1" fmla="val 16122030"/>
+              <a:gd name="adj2" fmla="val 8870"/>
+            </a:avLst>
+          </a:prstGeom>
+          <a:ln w="57150">
+            <a:solidFill>
+              <a:schemeClr val="bg1">
+                <a:lumMod val="95000"/>
+              </a:schemeClr>
+            </a:solidFill>
+          </a:ln>
+        </p:spPr>
+        <p:style>
+          <a:lnRef idx="1">
+            <a:schemeClr val="accent1"/>
+          </a:lnRef>
+          <a:fillRef idx="0">
+            <a:schemeClr val="accent1"/>
+          </a:fillRef>
+          <a:effectRef idx="0">
+            <a:schemeClr val="accent1"/>
+          </a:effectRef>
+          <a:fontRef idx="minor">
+            <a:schemeClr val="tx1"/>
+          </a:fontRef>
+        </p:style>
+        <p:txBody>
+          <a:bodyPr rtlCol="0" anchor="ctr"/>
+          <a:lstStyle/>
+          <a:p>
+            <a:pPr algn="ctr"/>
+            <a:endParaRPr kumimoji="1" lang="ja-JP" altLang="en-US"/>
+          </a:p>
+        </p:txBody>
+      </p:sp>
+      <p:cxnSp>
+        <p:nvCxnSpPr>
+          <p:cNvPr id="20" name="直線コネクタ 19">
+            <a:extLst>
+              <a:ext uri="{FF2B5EF4-FFF2-40B4-BE49-F238E27FC236}">
+                <a16:creationId xmlns:a16="http://schemas.microsoft.com/office/drawing/2014/main" id="{7EA8217A-058C-40D1-97A9-651DF3A4CE23}"/>
+              </a:ext>
+            </a:extLst>
+          </p:cNvPr>
+          <p:cNvCxnSpPr>
+            <a:cxnSpLocks/>
+          </p:cNvCxnSpPr>
+          <p:nvPr/>
+        </p:nvCxnSpPr>
+        <p:spPr>
+          <a:xfrm>
+            <a:off x="6490313" y="1746738"/>
+            <a:ext cx="0" cy="14760908"/>
+          </a:xfrm>
+          <a:prstGeom prst="line">
+            <a:avLst/>
+          </a:prstGeom>
+          <a:ln w="57150">
+            <a:solidFill>
+              <a:schemeClr val="bg1">
+                <a:lumMod val="95000"/>
+              </a:schemeClr>
+            </a:solidFill>
+          </a:ln>
+        </p:spPr>
+        <p:style>
+          <a:lnRef idx="1">
+            <a:schemeClr val="accent1"/>
+          </a:lnRef>
+          <a:fillRef idx="0">
+            <a:schemeClr val="accent1"/>
+          </a:fillRef>
+          <a:effectRef idx="0">
+            <a:schemeClr val="accent1"/>
+          </a:effectRef>
+          <a:fontRef idx="minor">
+            <a:schemeClr val="tx1"/>
+          </a:fontRef>
+        </p:style>
+      </p:cxnSp>
+      <p:cxnSp>
+        <p:nvCxnSpPr>
+          <p:cNvPr id="21" name="直線コネクタ 20">
+            <a:extLst>
+              <a:ext uri="{FF2B5EF4-FFF2-40B4-BE49-F238E27FC236}">
+                <a16:creationId xmlns:a16="http://schemas.microsoft.com/office/drawing/2014/main" id="{BFACC4BF-0ADB-4098-A7C4-099924121558}"/>
+              </a:ext>
+            </a:extLst>
+          </p:cNvPr>
+          <p:cNvCxnSpPr>
+            <a:cxnSpLocks/>
+          </p:cNvCxnSpPr>
+          <p:nvPr/>
+        </p:nvCxnSpPr>
+        <p:spPr>
+          <a:xfrm>
+            <a:off x="11947923" y="1746738"/>
+            <a:ext cx="0" cy="14372823"/>
+          </a:xfrm>
+          <a:prstGeom prst="line">
+            <a:avLst/>
+          </a:prstGeom>
+          <a:ln w="57150">
+            <a:solidFill>
+              <a:schemeClr val="bg1">
+                <a:lumMod val="95000"/>
+              </a:schemeClr>
+            </a:solidFill>
+          </a:ln>
+        </p:spPr>
+        <p:style>
+          <a:lnRef idx="1">
+            <a:schemeClr val="accent1"/>
+          </a:lnRef>
+          <a:fillRef idx="0">
+            <a:schemeClr val="accent1"/>
+          </a:fillRef>
+          <a:effectRef idx="0">
+            <a:schemeClr val="accent1"/>
+          </a:effectRef>
+          <a:fontRef idx="minor">
+            <a:schemeClr val="tx1"/>
+          </a:fontRef>
+        </p:style>
+      </p:cxnSp>
+      <p:cxnSp>
+        <p:nvCxnSpPr>
+          <p:cNvPr id="22" name="直線コネクタ 21">
+            <a:extLst>
+              <a:ext uri="{FF2B5EF4-FFF2-40B4-BE49-F238E27FC236}">
+                <a16:creationId xmlns:a16="http://schemas.microsoft.com/office/drawing/2014/main" id="{3162A2AD-7B10-4C68-85CD-5B6DD4CA1F19}"/>
+              </a:ext>
+            </a:extLst>
+          </p:cNvPr>
+          <p:cNvCxnSpPr>
+            <a:cxnSpLocks/>
+          </p:cNvCxnSpPr>
+          <p:nvPr/>
+        </p:nvCxnSpPr>
+        <p:spPr>
+          <a:xfrm flipH="1">
+            <a:off x="17271052" y="1852128"/>
+            <a:ext cx="29370" cy="14372823"/>
+          </a:xfrm>
+          <a:prstGeom prst="line">
+            <a:avLst/>
+          </a:prstGeom>
+          <a:ln w="57150">
+            <a:solidFill>
+              <a:schemeClr val="bg1">
+                <a:lumMod val="95000"/>
+              </a:schemeClr>
+            </a:solidFill>
+          </a:ln>
+        </p:spPr>
+        <p:style>
+          <a:lnRef idx="1">
+            <a:schemeClr val="accent1"/>
+          </a:lnRef>
+          <a:fillRef idx="0">
+            <a:schemeClr val="accent1"/>
+          </a:fillRef>
+          <a:effectRef idx="0">
+            <a:schemeClr val="accent1"/>
+          </a:effectRef>
+          <a:fontRef idx="minor">
+            <a:schemeClr val="tx1"/>
+          </a:fontRef>
+        </p:style>
+      </p:cxnSp>
+      <p:sp>
+        <p:nvSpPr>
+          <p:cNvPr id="23" name="正方形/長方形 22">
+            <a:extLst>
+              <a:ext uri="{FF2B5EF4-FFF2-40B4-BE49-F238E27FC236}">
+                <a16:creationId xmlns:a16="http://schemas.microsoft.com/office/drawing/2014/main" id="{8C6643F6-88E8-4986-BFC1-E44E8BDE0709}"/>
+              </a:ext>
+            </a:extLst>
+          </p:cNvPr>
+          <p:cNvSpPr/>
+          <p:nvPr/>
+        </p:nvSpPr>
+        <p:spPr>
+          <a:xfrm>
+            <a:off x="509345" y="10917044"/>
+            <a:ext cx="1177784" cy="1650379"/>
+          </a:xfrm>
+          <a:prstGeom prst="rect">
+            <a:avLst/>
+          </a:prstGeom>
+          <a:solidFill>
+            <a:srgbClr val="AFABAB"/>
+          </a:solidFill>
+          <a:ln>
+            <a:noFill/>
+          </a:ln>
+        </p:spPr>
+        <p:style>
+          <a:lnRef idx="2">
+            <a:schemeClr val="accent1">
+              <a:shade val="50000"/>
+            </a:schemeClr>
+          </a:lnRef>
+          <a:fillRef idx="1">
+            <a:schemeClr val="accent1"/>
+          </a:fillRef>
+          <a:effectRef idx="0">
+            <a:schemeClr val="accent1"/>
+          </a:effectRef>
+          <a:fontRef idx="minor">
+            <a:schemeClr val="lt1"/>
+          </a:fontRef>
+        </p:style>
+        <p:txBody>
+          <a:bodyPr rtlCol="0" anchor="ctr"/>
+          <a:lstStyle/>
+          <a:p>
+            <a:pPr algn="ctr"/>
+            <a:endParaRPr kumimoji="1" lang="ja-JP" altLang="en-US"/>
+          </a:p>
+        </p:txBody>
+      </p:sp>
+      <p:sp>
+        <p:nvSpPr>
+          <p:cNvPr id="27" name="正方形/長方形 26">
+            <a:extLst>
+              <a:ext uri="{FF2B5EF4-FFF2-40B4-BE49-F238E27FC236}">
+                <a16:creationId xmlns:a16="http://schemas.microsoft.com/office/drawing/2014/main" id="{2D3DC14C-0D80-405F-8CF8-6E1363BD5BB6}"/>
+              </a:ext>
+            </a:extLst>
+          </p:cNvPr>
+          <p:cNvSpPr/>
+          <p:nvPr/>
+        </p:nvSpPr>
+        <p:spPr>
+          <a:xfrm>
+            <a:off x="377147" y="5320603"/>
+            <a:ext cx="1177784" cy="1938841"/>
+          </a:xfrm>
+          <a:prstGeom prst="rect">
+            <a:avLst/>
+          </a:prstGeom>
+          <a:solidFill>
+            <a:srgbClr val="AFABAB"/>
+          </a:solidFill>
+          <a:ln>
+            <a:noFill/>
+          </a:ln>
+        </p:spPr>
+        <p:style>
+          <a:lnRef idx="2">
+            <a:schemeClr val="accent1">
+              <a:shade val="50000"/>
+            </a:schemeClr>
+          </a:lnRef>
+          <a:fillRef idx="1">
+            <a:schemeClr val="accent1"/>
+          </a:fillRef>
+          <a:effectRef idx="0">
+            <a:schemeClr val="accent1"/>
+          </a:effectRef>
+          <a:fontRef idx="minor">
+            <a:schemeClr val="lt1"/>
+          </a:fontRef>
+        </p:style>
+        <p:txBody>
+          <a:bodyPr rtlCol="0" anchor="ctr"/>
+          <a:lstStyle/>
+          <a:p>
+            <a:pPr algn="ctr"/>
+            <a:endParaRPr kumimoji="1" lang="ja-JP" altLang="en-US"/>
+          </a:p>
+        </p:txBody>
+      </p:sp>
+      <p:cxnSp>
+        <p:nvCxnSpPr>
+          <p:cNvPr id="29" name="直線コネクタ 28">
+            <a:extLst>
+              <a:ext uri="{FF2B5EF4-FFF2-40B4-BE49-F238E27FC236}">
+                <a16:creationId xmlns:a16="http://schemas.microsoft.com/office/drawing/2014/main" id="{81675D1A-F86A-427F-9BBB-F9FFB6E5661C}"/>
+              </a:ext>
+            </a:extLst>
+          </p:cNvPr>
+          <p:cNvCxnSpPr>
+            <a:cxnSpLocks/>
+          </p:cNvCxnSpPr>
+          <p:nvPr/>
+        </p:nvCxnSpPr>
+        <p:spPr>
+          <a:xfrm flipH="1">
+            <a:off x="2061290" y="17249219"/>
+            <a:ext cx="14156174" cy="0"/>
+          </a:xfrm>
+          <a:prstGeom prst="line">
+            <a:avLst/>
+          </a:prstGeom>
+          <a:ln w="57150">
+            <a:solidFill>
+              <a:schemeClr val="bg1">
+                <a:lumMod val="95000"/>
+              </a:schemeClr>
+            </a:solidFill>
+          </a:ln>
+        </p:spPr>
+        <p:style>
+          <a:lnRef idx="1">
+            <a:schemeClr val="accent1"/>
+          </a:lnRef>
+          <a:fillRef idx="0">
+            <a:schemeClr val="accent1"/>
+          </a:fillRef>
+          <a:effectRef idx="0">
+            <a:schemeClr val="accent1"/>
+          </a:effectRef>
+          <a:fontRef idx="minor">
+            <a:schemeClr val="tx1"/>
+          </a:fontRef>
+        </p:style>
+      </p:cxnSp>
+      <p:sp>
+        <p:nvSpPr>
+          <p:cNvPr id="32" name="円弧 31">
+            <a:extLst>
+              <a:ext uri="{FF2B5EF4-FFF2-40B4-BE49-F238E27FC236}">
+                <a16:creationId xmlns:a16="http://schemas.microsoft.com/office/drawing/2014/main" id="{6D320327-D7D4-4AA5-9FA7-43B33E880AFD}"/>
+              </a:ext>
+            </a:extLst>
+          </p:cNvPr>
+          <p:cNvSpPr/>
+          <p:nvPr/>
+        </p:nvSpPr>
+        <p:spPr>
+          <a:xfrm rot="5400000">
+            <a:off x="15038658" y="14991206"/>
+            <a:ext cx="2357614" cy="2158412"/>
+          </a:xfrm>
+          <a:prstGeom prst="arc">
+            <a:avLst>
+              <a:gd name="adj1" fmla="val 16187797"/>
+              <a:gd name="adj2" fmla="val 25046"/>
+            </a:avLst>
+          </a:prstGeom>
+          <a:ln w="57150">
+            <a:solidFill>
+              <a:schemeClr val="bg1">
+                <a:lumMod val="95000"/>
+              </a:schemeClr>
+            </a:solidFill>
+          </a:ln>
+        </p:spPr>
+        <p:style>
+          <a:lnRef idx="1">
+            <a:schemeClr val="accent1"/>
+          </a:lnRef>
+          <a:fillRef idx="0">
+            <a:schemeClr val="accent1"/>
+          </a:fillRef>
+          <a:effectRef idx="0">
+            <a:schemeClr val="accent1"/>
+          </a:effectRef>
+          <a:fontRef idx="minor">
+            <a:schemeClr val="tx1"/>
+          </a:fontRef>
+        </p:style>
+        <p:txBody>
+          <a:bodyPr rtlCol="0" anchor="ctr"/>
+          <a:lstStyle/>
+          <a:p>
+            <a:pPr algn="ctr"/>
+            <a:endParaRPr kumimoji="1" lang="ja-JP" altLang="en-US"/>
+          </a:p>
+        </p:txBody>
+      </p:sp>
+      <p:sp>
+        <p:nvSpPr>
+          <p:cNvPr id="36" name="正方形/長方形 35">
+            <a:extLst>
+              <a:ext uri="{FF2B5EF4-FFF2-40B4-BE49-F238E27FC236}">
+                <a16:creationId xmlns:a16="http://schemas.microsoft.com/office/drawing/2014/main" id="{A015507A-3C08-4B8E-8437-EB1BDB4CD49E}"/>
+              </a:ext>
+            </a:extLst>
+          </p:cNvPr>
+          <p:cNvSpPr/>
+          <p:nvPr/>
+        </p:nvSpPr>
+        <p:spPr>
+          <a:xfrm>
+            <a:off x="5631368" y="16700753"/>
+            <a:ext cx="1806495" cy="1096928"/>
+          </a:xfrm>
+          <a:prstGeom prst="rect">
+            <a:avLst/>
+          </a:prstGeom>
+          <a:solidFill>
+            <a:srgbClr val="AFABAB"/>
+          </a:solidFill>
+          <a:ln>
+            <a:noFill/>
+          </a:ln>
+        </p:spPr>
+        <p:style>
+          <a:lnRef idx="2">
+            <a:schemeClr val="accent1">
+              <a:shade val="50000"/>
+            </a:schemeClr>
+          </a:lnRef>
+          <a:fillRef idx="1">
+            <a:schemeClr val="accent1"/>
+          </a:fillRef>
+          <a:effectRef idx="0">
+            <a:schemeClr val="accent1"/>
+          </a:effectRef>
+          <a:fontRef idx="minor">
+            <a:schemeClr val="lt1"/>
+          </a:fontRef>
+        </p:style>
+        <p:txBody>
+          <a:bodyPr rtlCol="0" anchor="ctr"/>
+          <a:lstStyle/>
+          <a:p>
+            <a:pPr algn="ctr"/>
+            <a:endParaRPr kumimoji="1" lang="ja-JP" altLang="en-US"/>
+          </a:p>
+        </p:txBody>
+      </p:sp>
+      <p:sp>
+        <p:nvSpPr>
+          <p:cNvPr id="37" name="正方形/長方形 36">
+            <a:extLst>
+              <a:ext uri="{FF2B5EF4-FFF2-40B4-BE49-F238E27FC236}">
+                <a16:creationId xmlns:a16="http://schemas.microsoft.com/office/drawing/2014/main" id="{4375DBA6-6CA2-48B6-9101-140167AA89F8}"/>
+              </a:ext>
+            </a:extLst>
+          </p:cNvPr>
+          <p:cNvSpPr/>
+          <p:nvPr/>
+        </p:nvSpPr>
+        <p:spPr>
+          <a:xfrm>
+            <a:off x="11128919" y="16724519"/>
+            <a:ext cx="1806491" cy="1049395"/>
+          </a:xfrm>
+          <a:prstGeom prst="rect">
+            <a:avLst/>
+          </a:prstGeom>
+          <a:solidFill>
+            <a:srgbClr val="AFABAB"/>
+          </a:solidFill>
+          <a:ln>
+            <a:noFill/>
+          </a:ln>
+        </p:spPr>
+        <p:style>
+          <a:lnRef idx="2">
+            <a:schemeClr val="accent1">
+              <a:shade val="50000"/>
+            </a:schemeClr>
+          </a:lnRef>
+          <a:fillRef idx="1">
+            <a:schemeClr val="accent1"/>
+          </a:fillRef>
+          <a:effectRef idx="0">
+            <a:schemeClr val="accent1"/>
+          </a:effectRef>
+          <a:fontRef idx="minor">
+            <a:schemeClr val="lt1"/>
+          </a:fontRef>
+        </p:style>
+        <p:txBody>
+          <a:bodyPr rtlCol="0" anchor="ctr"/>
+          <a:lstStyle/>
+          <a:p>
+            <a:pPr algn="ctr"/>
+            <a:endParaRPr kumimoji="1" lang="ja-JP" altLang="en-US"/>
+          </a:p>
+        </p:txBody>
+      </p:sp>
+      <p:sp>
+        <p:nvSpPr>
+          <p:cNvPr id="42" name="正方形/長方形 41">
+            <a:extLst>
+              <a:ext uri="{FF2B5EF4-FFF2-40B4-BE49-F238E27FC236}">
+                <a16:creationId xmlns:a16="http://schemas.microsoft.com/office/drawing/2014/main" id="{1A2AB811-C0D4-43C5-B742-96A616A478A9}"/>
+              </a:ext>
+            </a:extLst>
+          </p:cNvPr>
+          <p:cNvSpPr/>
+          <p:nvPr/>
+        </p:nvSpPr>
+        <p:spPr>
+          <a:xfrm>
+            <a:off x="16763950" y="10822043"/>
+            <a:ext cx="1073978" cy="1745380"/>
+          </a:xfrm>
+          <a:prstGeom prst="rect">
+            <a:avLst/>
+          </a:prstGeom>
+          <a:solidFill>
+            <a:srgbClr val="AFABAB"/>
+          </a:solidFill>
+          <a:ln>
+            <a:noFill/>
+          </a:ln>
+        </p:spPr>
+        <p:style>
+          <a:lnRef idx="2">
+            <a:schemeClr val="accent1">
+              <a:shade val="50000"/>
+            </a:schemeClr>
+          </a:lnRef>
+          <a:fillRef idx="1">
+            <a:schemeClr val="accent1"/>
+          </a:fillRef>
+          <a:effectRef idx="0">
+            <a:schemeClr val="accent1"/>
+          </a:effectRef>
+          <a:fontRef idx="minor">
+            <a:schemeClr val="lt1"/>
+          </a:fontRef>
+        </p:style>
+        <p:txBody>
+          <a:bodyPr rtlCol="0" anchor="ctr"/>
+          <a:lstStyle/>
+          <a:p>
+            <a:pPr algn="ctr"/>
+            <a:endParaRPr kumimoji="1" lang="ja-JP" altLang="en-US"/>
+          </a:p>
+        </p:txBody>
+      </p:sp>
+      <p:sp>
+        <p:nvSpPr>
+          <p:cNvPr id="43" name="正方形/長方形 42">
+            <a:extLst>
+              <a:ext uri="{FF2B5EF4-FFF2-40B4-BE49-F238E27FC236}">
+                <a16:creationId xmlns:a16="http://schemas.microsoft.com/office/drawing/2014/main" id="{FF53123B-5666-4E89-9885-AB4857BFE734}"/>
+              </a:ext>
+            </a:extLst>
+          </p:cNvPr>
+          <p:cNvSpPr/>
+          <p:nvPr/>
+        </p:nvSpPr>
+        <p:spPr>
+          <a:xfrm>
+            <a:off x="16762684" y="5320602"/>
+            <a:ext cx="1073978" cy="1860783"/>
+          </a:xfrm>
+          <a:prstGeom prst="rect">
+            <a:avLst/>
+          </a:prstGeom>
+          <a:solidFill>
+            <a:srgbClr val="AFABAB"/>
+          </a:solidFill>
+          <a:ln>
+            <a:noFill/>
+          </a:ln>
+        </p:spPr>
+        <p:style>
+          <a:lnRef idx="2">
+            <a:schemeClr val="accent1">
+              <a:shade val="50000"/>
+            </a:schemeClr>
+          </a:lnRef>
+          <a:fillRef idx="1">
+            <a:schemeClr val="accent1"/>
+          </a:fillRef>
+          <a:effectRef idx="0">
+            <a:schemeClr val="accent1"/>
+          </a:effectRef>
+          <a:fontRef idx="minor">
+            <a:schemeClr val="lt1"/>
+          </a:fontRef>
+        </p:style>
+        <p:txBody>
+          <a:bodyPr rtlCol="0" anchor="ctr"/>
+          <a:lstStyle/>
+          <a:p>
+            <a:pPr algn="ctr"/>
+            <a:endParaRPr kumimoji="1" lang="ja-JP" altLang="en-US"/>
+          </a:p>
+        </p:txBody>
+      </p:sp>
+      <p:grpSp>
+        <p:nvGrpSpPr>
+          <p:cNvPr id="47" name="グループ化 46">
+            <a:extLst>
+              <a:ext uri="{FF2B5EF4-FFF2-40B4-BE49-F238E27FC236}">
+                <a16:creationId xmlns:a16="http://schemas.microsoft.com/office/drawing/2014/main" id="{11142D6E-302F-4C98-94D8-7FF889285005}"/>
+              </a:ext>
+            </a:extLst>
+          </p:cNvPr>
+          <p:cNvGrpSpPr/>
+          <p:nvPr/>
+        </p:nvGrpSpPr>
+        <p:grpSpPr>
+          <a:xfrm rot="10800000">
+            <a:off x="911587" y="749195"/>
+            <a:ext cx="16385083" cy="2357614"/>
+            <a:chOff x="1063988" y="15044005"/>
+            <a:chExt cx="16385083" cy="2357614"/>
+          </a:xfrm>
+        </p:grpSpPr>
+        <p:sp>
+          <p:nvSpPr>
+            <p:cNvPr id="44" name="円弧 43">
+              <a:extLst>
+                <a:ext uri="{FF2B5EF4-FFF2-40B4-BE49-F238E27FC236}">
+                  <a16:creationId xmlns:a16="http://schemas.microsoft.com/office/drawing/2014/main" id="{F3A09C84-5BD8-452C-9E8B-C699A0D28201}"/>
+                </a:ext>
+              </a:extLst>
+            </p:cNvPr>
+            <p:cNvSpPr/>
+            <p:nvPr/>
+          </p:nvSpPr>
+          <p:spPr>
+            <a:xfrm rot="10800000">
+              <a:off x="1063988" y="15195754"/>
+              <a:ext cx="2325675" cy="2205863"/>
+            </a:xfrm>
+            <a:prstGeom prst="arc">
+              <a:avLst>
+                <a:gd name="adj1" fmla="val 16122030"/>
+                <a:gd name="adj2" fmla="val 8870"/>
+              </a:avLst>
+            </a:prstGeom>
+            <a:ln w="57150">
+              <a:solidFill>
+                <a:schemeClr val="bg1">
+                  <a:lumMod val="95000"/>
+                </a:schemeClr>
+              </a:solidFill>
+            </a:ln>
+          </p:spPr>
+          <p:style>
+            <a:lnRef idx="1">
+              <a:schemeClr val="accent1"/>
+            </a:lnRef>
+            <a:fillRef idx="0">
+              <a:schemeClr val="accent1"/>
+            </a:fillRef>
+            <a:effectRef idx="0">
+              <a:schemeClr val="accent1"/>
+            </a:effectRef>
+            <a:fontRef idx="minor">
+              <a:schemeClr val="tx1"/>
+            </a:fontRef>
+          </p:style>
+          <p:txBody>
+            <a:bodyPr rtlCol="0" anchor="ctr"/>
+            <a:lstStyle/>
+            <a:p>
+              <a:pPr algn="ctr"/>
+              <a:endParaRPr kumimoji="1" lang="ja-JP" altLang="en-US"/>
+            </a:p>
+          </p:txBody>
+        </p:sp>
+        <p:cxnSp>
+          <p:nvCxnSpPr>
+            <p:cNvPr id="45" name="直線コネクタ 44">
+              <a:extLst>
+                <a:ext uri="{FF2B5EF4-FFF2-40B4-BE49-F238E27FC236}">
+                  <a16:creationId xmlns:a16="http://schemas.microsoft.com/office/drawing/2014/main" id="{7D864EE6-9AE4-4F4C-875C-3F8DFD9BAB65}"/>
+                </a:ext>
+              </a:extLst>
+            </p:cNvPr>
+            <p:cNvCxnSpPr>
+              <a:cxnSpLocks/>
+            </p:cNvCxnSpPr>
+            <p:nvPr/>
+          </p:nvCxnSpPr>
+          <p:spPr>
+            <a:xfrm flipH="1">
+              <a:off x="2213690" y="17401619"/>
+              <a:ext cx="14156174" cy="0"/>
+            </a:xfrm>
+            <a:prstGeom prst="line">
+              <a:avLst/>
+            </a:prstGeom>
+            <a:ln w="57150">
+              <a:solidFill>
+                <a:schemeClr val="bg1">
+                  <a:lumMod val="95000"/>
+                </a:schemeClr>
+              </a:solidFill>
+            </a:ln>
+          </p:spPr>
+          <p:style>
+            <a:lnRef idx="1">
+              <a:schemeClr val="accent1"/>
+            </a:lnRef>
+            <a:fillRef idx="0">
+              <a:schemeClr val="accent1"/>
+            </a:fillRef>
+            <a:effectRef idx="0">
+              <a:schemeClr val="accent1"/>
+            </a:effectRef>
+            <a:fontRef idx="minor">
+              <a:schemeClr val="tx1"/>
+            </a:fontRef>
+          </p:style>
+        </p:cxnSp>
+        <p:sp>
+          <p:nvSpPr>
+            <p:cNvPr id="46" name="円弧 45">
+              <a:extLst>
+                <a:ext uri="{FF2B5EF4-FFF2-40B4-BE49-F238E27FC236}">
+                  <a16:creationId xmlns:a16="http://schemas.microsoft.com/office/drawing/2014/main" id="{0457DC9D-2E47-42D4-B06E-8EBFF25EDB05}"/>
+                </a:ext>
+              </a:extLst>
+            </p:cNvPr>
+            <p:cNvSpPr/>
+            <p:nvPr/>
+          </p:nvSpPr>
+          <p:spPr>
+            <a:xfrm rot="5400000">
+              <a:off x="15191058" y="15143606"/>
+              <a:ext cx="2357614" cy="2158412"/>
+            </a:xfrm>
+            <a:prstGeom prst="arc">
+              <a:avLst>
+                <a:gd name="adj1" fmla="val 16187797"/>
+                <a:gd name="adj2" fmla="val 25046"/>
+              </a:avLst>
+            </a:prstGeom>
+            <a:ln w="57150">
+              <a:solidFill>
+                <a:schemeClr val="bg1">
+                  <a:lumMod val="95000"/>
+                </a:schemeClr>
+              </a:solidFill>
+            </a:ln>
+          </p:spPr>
+          <p:style>
+            <a:lnRef idx="1">
+              <a:schemeClr val="accent1"/>
+            </a:lnRef>
+            <a:fillRef idx="0">
+              <a:schemeClr val="accent1"/>
+            </a:fillRef>
+            <a:effectRef idx="0">
+              <a:schemeClr val="accent1"/>
+            </a:effectRef>
+            <a:fontRef idx="minor">
+              <a:schemeClr val="tx1"/>
+            </a:fontRef>
+          </p:style>
+          <p:txBody>
+            <a:bodyPr rtlCol="0" anchor="ctr"/>
+            <a:lstStyle/>
+            <a:p>
+              <a:pPr algn="ctr"/>
+              <a:endParaRPr kumimoji="1" lang="ja-JP" altLang="en-US"/>
+            </a:p>
+          </p:txBody>
+        </p:sp>
+      </p:grpSp>
+      <p:sp>
+        <p:nvSpPr>
+          <p:cNvPr id="50" name="正方形/長方形 49">
+            <a:extLst>
+              <a:ext uri="{FF2B5EF4-FFF2-40B4-BE49-F238E27FC236}">
+                <a16:creationId xmlns:a16="http://schemas.microsoft.com/office/drawing/2014/main" id="{9A3137D3-9AD9-4991-9F74-3366D4DB6C4F}"/>
+              </a:ext>
+            </a:extLst>
+          </p:cNvPr>
+          <p:cNvSpPr/>
+          <p:nvPr/>
+        </p:nvSpPr>
+        <p:spPr>
+          <a:xfrm>
+            <a:off x="5622774" y="370621"/>
+            <a:ext cx="1806495" cy="1096928"/>
+          </a:xfrm>
+          <a:prstGeom prst="rect">
+            <a:avLst/>
+          </a:prstGeom>
+          <a:solidFill>
+            <a:srgbClr val="AFABAB"/>
+          </a:solidFill>
+          <a:ln>
+            <a:noFill/>
+          </a:ln>
+        </p:spPr>
+        <p:style>
+          <a:lnRef idx="2">
+            <a:schemeClr val="accent1">
+              <a:shade val="50000"/>
+            </a:schemeClr>
+          </a:lnRef>
+          <a:fillRef idx="1">
+            <a:schemeClr val="accent1"/>
+          </a:fillRef>
+          <a:effectRef idx="0">
+            <a:schemeClr val="accent1"/>
+          </a:effectRef>
+          <a:fontRef idx="minor">
+            <a:schemeClr val="lt1"/>
+          </a:fontRef>
+        </p:style>
+        <p:txBody>
+          <a:bodyPr rtlCol="0" anchor="ctr"/>
+          <a:lstStyle/>
+          <a:p>
+            <a:pPr algn="ctr"/>
+            <a:endParaRPr kumimoji="1" lang="ja-JP" altLang="en-US"/>
+          </a:p>
+        </p:txBody>
+      </p:sp>
+      <p:sp>
+        <p:nvSpPr>
+          <p:cNvPr id="51" name="正方形/長方形 50">
+            <a:extLst>
+              <a:ext uri="{FF2B5EF4-FFF2-40B4-BE49-F238E27FC236}">
+                <a16:creationId xmlns:a16="http://schemas.microsoft.com/office/drawing/2014/main" id="{29DF8641-25DC-4564-8732-EEB0F16AEC9B}"/>
+              </a:ext>
+            </a:extLst>
+          </p:cNvPr>
+          <p:cNvSpPr/>
+          <p:nvPr/>
+        </p:nvSpPr>
+        <p:spPr>
+          <a:xfrm>
+            <a:off x="11120325" y="394387"/>
+            <a:ext cx="1806491" cy="1049395"/>
+          </a:xfrm>
+          <a:prstGeom prst="rect">
+            <a:avLst/>
+          </a:prstGeom>
+          <a:solidFill>
+            <a:srgbClr val="AFABAB"/>
+          </a:solidFill>
+          <a:ln>
+            <a:noFill/>
+          </a:ln>
+        </p:spPr>
+        <p:style>
+          <a:lnRef idx="2">
+            <a:schemeClr val="accent1">
+              <a:shade val="50000"/>
+            </a:schemeClr>
+          </a:lnRef>
+          <a:fillRef idx="1">
+            <a:schemeClr val="accent1"/>
+          </a:fillRef>
+          <a:effectRef idx="0">
+            <a:schemeClr val="accent1"/>
+          </a:effectRef>
+          <a:fontRef idx="minor">
+            <a:schemeClr val="lt1"/>
+          </a:fontRef>
+        </p:style>
+        <p:txBody>
+          <a:bodyPr rtlCol="0" anchor="ctr"/>
+          <a:lstStyle/>
+          <a:p>
+            <a:pPr algn="ctr"/>
+            <a:endParaRPr kumimoji="1" lang="ja-JP" altLang="en-US"/>
+          </a:p>
+        </p:txBody>
+      </p:sp>
+      <p:cxnSp>
+        <p:nvCxnSpPr>
+          <p:cNvPr id="52" name="直線コネクタ 51">
+            <a:extLst>
+              <a:ext uri="{FF2B5EF4-FFF2-40B4-BE49-F238E27FC236}">
+                <a16:creationId xmlns:a16="http://schemas.microsoft.com/office/drawing/2014/main" id="{CBC0D826-7444-4BB0-BB03-8FC686EF1F2B}"/>
+              </a:ext>
+            </a:extLst>
+          </p:cNvPr>
+          <p:cNvCxnSpPr>
+            <a:cxnSpLocks/>
+          </p:cNvCxnSpPr>
+          <p:nvPr/>
+        </p:nvCxnSpPr>
+        <p:spPr>
+          <a:xfrm>
+            <a:off x="1916821" y="6276860"/>
+            <a:ext cx="14625506" cy="0"/>
+          </a:xfrm>
+          <a:prstGeom prst="line">
+            <a:avLst/>
+          </a:prstGeom>
+          <a:ln w="57150">
+            <a:solidFill>
+              <a:schemeClr val="bg1">
+                <a:lumMod val="95000"/>
+              </a:schemeClr>
+            </a:solidFill>
+          </a:ln>
+        </p:spPr>
+        <p:style>
+          <a:lnRef idx="1">
+            <a:schemeClr val="accent1"/>
+          </a:lnRef>
+          <a:fillRef idx="0">
+            <a:schemeClr val="accent1"/>
+          </a:fillRef>
+          <a:effectRef idx="0">
+            <a:schemeClr val="accent1"/>
+          </a:effectRef>
+          <a:fontRef idx="minor">
+            <a:schemeClr val="tx1"/>
+          </a:fontRef>
+        </p:style>
+      </p:cxnSp>
+      <p:cxnSp>
+        <p:nvCxnSpPr>
+          <p:cNvPr id="55" name="直線コネクタ 54">
+            <a:extLst>
+              <a:ext uri="{FF2B5EF4-FFF2-40B4-BE49-F238E27FC236}">
+                <a16:creationId xmlns:a16="http://schemas.microsoft.com/office/drawing/2014/main" id="{8BD42CD5-F57A-4BFA-B22D-F4814D389796}"/>
+              </a:ext>
+            </a:extLst>
+          </p:cNvPr>
+          <p:cNvCxnSpPr>
+            <a:cxnSpLocks/>
+          </p:cNvCxnSpPr>
+          <p:nvPr/>
+        </p:nvCxnSpPr>
+        <p:spPr>
+          <a:xfrm>
+            <a:off x="1990794" y="11693987"/>
+            <a:ext cx="14625506" cy="0"/>
+          </a:xfrm>
+          <a:prstGeom prst="line">
+            <a:avLst/>
+          </a:prstGeom>
+          <a:ln w="57150">
+            <a:solidFill>
+              <a:schemeClr val="bg1">
+                <a:lumMod val="95000"/>
+              </a:schemeClr>
+            </a:solidFill>
+          </a:ln>
+        </p:spPr>
+        <p:style>
+          <a:lnRef idx="1">
+            <a:schemeClr val="accent1"/>
+          </a:lnRef>
+          <a:fillRef idx="0">
+            <a:schemeClr val="accent1"/>
+          </a:fillRef>
+          <a:effectRef idx="0">
+            <a:schemeClr val="accent1"/>
+          </a:effectRef>
+          <a:fontRef idx="minor">
+            <a:schemeClr val="tx1"/>
+          </a:fontRef>
+        </p:style>
+      </p:cxnSp>
+      <p:sp>
+        <p:nvSpPr>
+          <p:cNvPr id="25" name="正方形/長方形 24">
+            <a:extLst>
+              <a:ext uri="{FF2B5EF4-FFF2-40B4-BE49-F238E27FC236}">
+                <a16:creationId xmlns:a16="http://schemas.microsoft.com/office/drawing/2014/main" id="{11A66377-D278-4B0E-AB56-28E95E20CC67}"/>
+              </a:ext>
+            </a:extLst>
+          </p:cNvPr>
+          <p:cNvSpPr/>
+          <p:nvPr/>
+        </p:nvSpPr>
+        <p:spPr>
+          <a:xfrm>
+            <a:off x="11359593" y="10998653"/>
+            <a:ext cx="1177784" cy="1388242"/>
+          </a:xfrm>
+          <a:prstGeom prst="rect">
+            <a:avLst/>
+          </a:prstGeom>
+          <a:solidFill>
+            <a:srgbClr val="AFABAB"/>
+          </a:solidFill>
+          <a:ln>
+            <a:noFill/>
+          </a:ln>
+        </p:spPr>
+        <p:style>
+          <a:lnRef idx="2">
+            <a:schemeClr val="accent1">
+              <a:shade val="50000"/>
+            </a:schemeClr>
+          </a:lnRef>
+          <a:fillRef idx="1">
+            <a:schemeClr val="accent1"/>
+          </a:fillRef>
+          <a:effectRef idx="0">
+            <a:schemeClr val="accent1"/>
+          </a:effectRef>
+          <a:fontRef idx="minor">
+            <a:schemeClr val="lt1"/>
+          </a:fontRef>
+        </p:style>
+        <p:txBody>
+          <a:bodyPr rtlCol="0" anchor="ctr"/>
+          <a:lstStyle/>
+          <a:p>
+            <a:pPr algn="ctr"/>
+            <a:endParaRPr kumimoji="1" lang="ja-JP" altLang="en-US"/>
+          </a:p>
+        </p:txBody>
+      </p:sp>
+      <p:sp>
+        <p:nvSpPr>
+          <p:cNvPr id="24" name="正方形/長方形 23">
+            <a:extLst>
+              <a:ext uri="{FF2B5EF4-FFF2-40B4-BE49-F238E27FC236}">
+                <a16:creationId xmlns:a16="http://schemas.microsoft.com/office/drawing/2014/main" id="{6610A7C1-40A8-460C-A62E-96B7F74861A5}"/>
+              </a:ext>
+            </a:extLst>
+          </p:cNvPr>
+          <p:cNvSpPr/>
+          <p:nvPr/>
+        </p:nvSpPr>
+        <p:spPr>
+          <a:xfrm>
+            <a:off x="5967517" y="10998653"/>
+            <a:ext cx="1177784" cy="1388242"/>
+          </a:xfrm>
+          <a:prstGeom prst="rect">
+            <a:avLst/>
+          </a:prstGeom>
+          <a:solidFill>
+            <a:srgbClr val="AFABAB"/>
+          </a:solidFill>
+          <a:ln>
+            <a:noFill/>
+          </a:ln>
+        </p:spPr>
+        <p:style>
+          <a:lnRef idx="2">
+            <a:schemeClr val="accent1">
+              <a:shade val="50000"/>
+            </a:schemeClr>
+          </a:lnRef>
+          <a:fillRef idx="1">
+            <a:schemeClr val="accent1"/>
+          </a:fillRef>
+          <a:effectRef idx="0">
+            <a:schemeClr val="accent1"/>
+          </a:effectRef>
+          <a:fontRef idx="minor">
+            <a:schemeClr val="lt1"/>
+          </a:fontRef>
+        </p:style>
+        <p:txBody>
+          <a:bodyPr rtlCol="0" anchor="ctr"/>
+          <a:lstStyle/>
+          <a:p>
+            <a:pPr algn="ctr"/>
+            <a:endParaRPr kumimoji="1" lang="ja-JP" altLang="en-US"/>
+          </a:p>
+        </p:txBody>
+      </p:sp>
+      <p:sp>
+        <p:nvSpPr>
+          <p:cNvPr id="26" name="正方形/長方形 25">
+            <a:extLst>
+              <a:ext uri="{FF2B5EF4-FFF2-40B4-BE49-F238E27FC236}">
+                <a16:creationId xmlns:a16="http://schemas.microsoft.com/office/drawing/2014/main" id="{AFDA2A7B-85E3-4086-B4B6-3E317274F46A}"/>
+              </a:ext>
+            </a:extLst>
+          </p:cNvPr>
+          <p:cNvSpPr/>
+          <p:nvPr/>
+        </p:nvSpPr>
+        <p:spPr>
+          <a:xfrm>
+            <a:off x="4991712" y="5701644"/>
+            <a:ext cx="2997195" cy="1098698"/>
+          </a:xfrm>
+          <a:prstGeom prst="rect">
+            <a:avLst/>
+          </a:prstGeom>
+          <a:solidFill>
+            <a:srgbClr val="AFABAB"/>
+          </a:solidFill>
+          <a:ln>
+            <a:noFill/>
+          </a:ln>
+        </p:spPr>
+        <p:style>
+          <a:lnRef idx="2">
+            <a:schemeClr val="accent1">
+              <a:shade val="50000"/>
+            </a:schemeClr>
+          </a:lnRef>
+          <a:fillRef idx="1">
+            <a:schemeClr val="accent1"/>
+          </a:fillRef>
+          <a:effectRef idx="0">
+            <a:schemeClr val="accent1"/>
+          </a:effectRef>
+          <a:fontRef idx="minor">
+            <a:schemeClr val="lt1"/>
+          </a:fontRef>
+        </p:style>
+        <p:txBody>
+          <a:bodyPr rtlCol="0" anchor="ctr"/>
+          <a:lstStyle/>
+          <a:p>
+            <a:pPr algn="ctr"/>
+            <a:endParaRPr kumimoji="1" lang="ja-JP" altLang="en-US" dirty="0"/>
+          </a:p>
+        </p:txBody>
+      </p:sp>
+      <p:sp>
+        <p:nvSpPr>
+          <p:cNvPr id="28" name="正方形/長方形 27">
+            <a:extLst>
+              <a:ext uri="{FF2B5EF4-FFF2-40B4-BE49-F238E27FC236}">
+                <a16:creationId xmlns:a16="http://schemas.microsoft.com/office/drawing/2014/main" id="{D32ADA00-768D-42FF-A35F-A1C1C17ABDD9}"/>
+              </a:ext>
+            </a:extLst>
+          </p:cNvPr>
+          <p:cNvSpPr/>
+          <p:nvPr/>
+        </p:nvSpPr>
+        <p:spPr>
+          <a:xfrm>
+            <a:off x="11359032" y="5582740"/>
+            <a:ext cx="1177784" cy="1388242"/>
+          </a:xfrm>
+          <a:prstGeom prst="rect">
+            <a:avLst/>
+          </a:prstGeom>
+          <a:solidFill>
+            <a:srgbClr val="AFABAB"/>
+          </a:solidFill>
+          <a:ln>
+            <a:noFill/>
+          </a:ln>
+        </p:spPr>
+        <p:style>
+          <a:lnRef idx="2">
+            <a:schemeClr val="accent1">
+              <a:shade val="50000"/>
+            </a:schemeClr>
+          </a:lnRef>
+          <a:fillRef idx="1">
+            <a:schemeClr val="accent1"/>
+          </a:fillRef>
+          <a:effectRef idx="0">
+            <a:schemeClr val="accent1"/>
+          </a:effectRef>
+          <a:fontRef idx="minor">
+            <a:schemeClr val="lt1"/>
+          </a:fontRef>
+        </p:style>
+        <p:txBody>
+          <a:bodyPr rtlCol="0" anchor="ctr"/>
+          <a:lstStyle/>
+          <a:p>
+            <a:pPr algn="ctr"/>
+            <a:endParaRPr kumimoji="1" lang="ja-JP" altLang="en-US"/>
+          </a:p>
+        </p:txBody>
+      </p:sp>
+      <p:sp>
+        <p:nvSpPr>
+          <p:cNvPr id="56" name="正方形/長方形 55">
+            <a:extLst>
+              <a:ext uri="{FF2B5EF4-FFF2-40B4-BE49-F238E27FC236}">
+                <a16:creationId xmlns:a16="http://schemas.microsoft.com/office/drawing/2014/main" id="{3AF00F01-7189-4C17-AB4E-C1906C236A64}"/>
+              </a:ext>
+            </a:extLst>
+          </p:cNvPr>
+          <p:cNvSpPr/>
+          <p:nvPr/>
+        </p:nvSpPr>
+        <p:spPr>
+          <a:xfrm rot="5400000">
+            <a:off x="5038459" y="5756541"/>
+            <a:ext cx="2903703" cy="1098698"/>
+          </a:xfrm>
+          <a:prstGeom prst="rect">
+            <a:avLst/>
+          </a:prstGeom>
+          <a:solidFill>
+            <a:srgbClr val="AFABAB"/>
+          </a:solidFill>
+          <a:ln>
+            <a:noFill/>
+          </a:ln>
+        </p:spPr>
+        <p:style>
+          <a:lnRef idx="2">
+            <a:schemeClr val="accent1">
+              <a:shade val="50000"/>
+            </a:schemeClr>
+          </a:lnRef>
+          <a:fillRef idx="1">
+            <a:schemeClr val="accent1"/>
+          </a:fillRef>
+          <a:effectRef idx="0">
+            <a:schemeClr val="accent1"/>
+          </a:effectRef>
+          <a:fontRef idx="minor">
+            <a:schemeClr val="lt1"/>
+          </a:fontRef>
+        </p:style>
+        <p:txBody>
+          <a:bodyPr rtlCol="0" anchor="ctr"/>
+          <a:lstStyle/>
+          <a:p>
+            <a:pPr algn="ctr"/>
+            <a:endParaRPr kumimoji="1" lang="ja-JP" altLang="en-US" dirty="0"/>
+          </a:p>
+        </p:txBody>
+      </p:sp>
+      <p:grpSp>
+        <p:nvGrpSpPr>
+          <p:cNvPr id="59" name="グループ化 58">
+            <a:extLst>
+              <a:ext uri="{FF2B5EF4-FFF2-40B4-BE49-F238E27FC236}">
+                <a16:creationId xmlns:a16="http://schemas.microsoft.com/office/drawing/2014/main" id="{F4242993-6905-416C-A564-ADC945F4AE70}"/>
+              </a:ext>
+            </a:extLst>
+          </p:cNvPr>
+          <p:cNvGrpSpPr/>
+          <p:nvPr/>
+        </p:nvGrpSpPr>
+        <p:grpSpPr>
+          <a:xfrm>
+            <a:off x="10449886" y="4879904"/>
+            <a:ext cx="2997195" cy="2997195"/>
+            <a:chOff x="10449886" y="4879904"/>
+            <a:chExt cx="2997195" cy="2997195"/>
+          </a:xfrm>
+        </p:grpSpPr>
+        <p:sp>
+          <p:nvSpPr>
+            <p:cNvPr id="57" name="正方形/長方形 56">
+              <a:extLst>
+                <a:ext uri="{FF2B5EF4-FFF2-40B4-BE49-F238E27FC236}">
+                  <a16:creationId xmlns:a16="http://schemas.microsoft.com/office/drawing/2014/main" id="{481790AA-1517-4773-A812-4E75EA47A158}"/>
+                </a:ext>
+              </a:extLst>
+            </p:cNvPr>
+            <p:cNvSpPr/>
+            <p:nvPr/>
+          </p:nvSpPr>
+          <p:spPr>
+            <a:xfrm>
+              <a:off x="10449886" y="5727511"/>
+              <a:ext cx="2997195" cy="1098698"/>
+            </a:xfrm>
+            <a:prstGeom prst="rect">
+              <a:avLst/>
+            </a:prstGeom>
+            <a:solidFill>
+              <a:srgbClr val="AFABAB"/>
+            </a:solidFill>
+            <a:ln>
+              <a:noFill/>
+            </a:ln>
+          </p:spPr>
+          <p:style>
+            <a:lnRef idx="2">
+              <a:schemeClr val="accent1">
+                <a:shade val="50000"/>
+              </a:schemeClr>
+            </a:lnRef>
+            <a:fillRef idx="1">
+              <a:schemeClr val="accent1"/>
+            </a:fillRef>
+            <a:effectRef idx="0">
+              <a:schemeClr val="accent1"/>
+            </a:effectRef>
+            <a:fontRef idx="minor">
+              <a:schemeClr val="lt1"/>
+            </a:fontRef>
+          </p:style>
+          <p:txBody>
+            <a:bodyPr rtlCol="0" anchor="ctr"/>
+            <a:lstStyle/>
+            <a:p>
+              <a:pPr algn="ctr"/>
+              <a:endParaRPr kumimoji="1" lang="ja-JP" altLang="en-US" dirty="0"/>
+            </a:p>
+          </p:txBody>
+        </p:sp>
+        <p:sp>
+          <p:nvSpPr>
+            <p:cNvPr id="58" name="正方形/長方形 57">
+              <a:extLst>
+                <a:ext uri="{FF2B5EF4-FFF2-40B4-BE49-F238E27FC236}">
+                  <a16:creationId xmlns:a16="http://schemas.microsoft.com/office/drawing/2014/main" id="{678C05A9-676B-47BE-B524-3BB76DF70268}"/>
+                </a:ext>
+              </a:extLst>
+            </p:cNvPr>
+            <p:cNvSpPr/>
+            <p:nvPr/>
+          </p:nvSpPr>
+          <p:spPr>
+            <a:xfrm rot="5400000">
+              <a:off x="10449887" y="5829153"/>
+              <a:ext cx="2997195" cy="1098698"/>
+            </a:xfrm>
+            <a:prstGeom prst="rect">
+              <a:avLst/>
+            </a:prstGeom>
+            <a:solidFill>
+              <a:srgbClr val="AFABAB"/>
+            </a:solidFill>
+            <a:ln>
+              <a:noFill/>
+            </a:ln>
+          </p:spPr>
+          <p:style>
+            <a:lnRef idx="2">
+              <a:schemeClr val="accent1">
+                <a:shade val="50000"/>
+              </a:schemeClr>
+            </a:lnRef>
+            <a:fillRef idx="1">
+              <a:schemeClr val="accent1"/>
+            </a:fillRef>
+            <a:effectRef idx="0">
+              <a:schemeClr val="accent1"/>
+            </a:effectRef>
+            <a:fontRef idx="minor">
+              <a:schemeClr val="lt1"/>
+            </a:fontRef>
+          </p:style>
+          <p:txBody>
+            <a:bodyPr rtlCol="0" anchor="ctr"/>
+            <a:lstStyle/>
+            <a:p>
+              <a:pPr algn="ctr"/>
+              <a:endParaRPr kumimoji="1" lang="ja-JP" altLang="en-US" dirty="0"/>
+            </a:p>
+          </p:txBody>
+        </p:sp>
+      </p:grpSp>
+      <p:grpSp>
+        <p:nvGrpSpPr>
+          <p:cNvPr id="60" name="グループ化 59">
+            <a:extLst>
+              <a:ext uri="{FF2B5EF4-FFF2-40B4-BE49-F238E27FC236}">
+                <a16:creationId xmlns:a16="http://schemas.microsoft.com/office/drawing/2014/main" id="{676CAC9D-79DC-4077-B2C4-8DFF64B51C4E}"/>
+              </a:ext>
+            </a:extLst>
+          </p:cNvPr>
+          <p:cNvGrpSpPr/>
+          <p:nvPr/>
+        </p:nvGrpSpPr>
+        <p:grpSpPr>
+          <a:xfrm>
+            <a:off x="10449326" y="10255014"/>
+            <a:ext cx="2997195" cy="2997195"/>
+            <a:chOff x="10449886" y="4879904"/>
+            <a:chExt cx="2997195" cy="2997195"/>
+          </a:xfrm>
+        </p:grpSpPr>
+        <p:sp>
+          <p:nvSpPr>
+            <p:cNvPr id="61" name="正方形/長方形 60">
+              <a:extLst>
+                <a:ext uri="{FF2B5EF4-FFF2-40B4-BE49-F238E27FC236}">
+                  <a16:creationId xmlns:a16="http://schemas.microsoft.com/office/drawing/2014/main" id="{CB3CF186-F605-4ABD-A8B6-CE0773AC5485}"/>
+                </a:ext>
+              </a:extLst>
+            </p:cNvPr>
+            <p:cNvSpPr/>
+            <p:nvPr/>
+          </p:nvSpPr>
+          <p:spPr>
+            <a:xfrm>
+              <a:off x="10449886" y="5727511"/>
+              <a:ext cx="2997195" cy="1098698"/>
+            </a:xfrm>
+            <a:prstGeom prst="rect">
+              <a:avLst/>
+            </a:prstGeom>
+            <a:solidFill>
+              <a:srgbClr val="AFABAB"/>
+            </a:solidFill>
+            <a:ln>
+              <a:noFill/>
+            </a:ln>
+          </p:spPr>
+          <p:style>
+            <a:lnRef idx="2">
+              <a:schemeClr val="accent1">
+                <a:shade val="50000"/>
+              </a:schemeClr>
+            </a:lnRef>
+            <a:fillRef idx="1">
+              <a:schemeClr val="accent1"/>
+            </a:fillRef>
+            <a:effectRef idx="0">
+              <a:schemeClr val="accent1"/>
+            </a:effectRef>
+            <a:fontRef idx="minor">
+              <a:schemeClr val="lt1"/>
+            </a:fontRef>
+          </p:style>
+          <p:txBody>
+            <a:bodyPr rtlCol="0" anchor="ctr"/>
+            <a:lstStyle/>
+            <a:p>
+              <a:pPr algn="ctr"/>
+              <a:endParaRPr kumimoji="1" lang="ja-JP" altLang="en-US" dirty="0"/>
+            </a:p>
+          </p:txBody>
+        </p:sp>
+        <p:sp>
+          <p:nvSpPr>
+            <p:cNvPr id="62" name="正方形/長方形 61">
+              <a:extLst>
+                <a:ext uri="{FF2B5EF4-FFF2-40B4-BE49-F238E27FC236}">
+                  <a16:creationId xmlns:a16="http://schemas.microsoft.com/office/drawing/2014/main" id="{5FE58F65-67AC-49E2-97C6-89ECA11A4BB6}"/>
+                </a:ext>
+              </a:extLst>
+            </p:cNvPr>
+            <p:cNvSpPr/>
+            <p:nvPr/>
+          </p:nvSpPr>
+          <p:spPr>
+            <a:xfrm rot="5400000">
+              <a:off x="10449887" y="5829153"/>
+              <a:ext cx="2997195" cy="1098698"/>
+            </a:xfrm>
+            <a:prstGeom prst="rect">
+              <a:avLst/>
+            </a:prstGeom>
+            <a:solidFill>
+              <a:srgbClr val="AFABAB"/>
+            </a:solidFill>
+            <a:ln>
+              <a:noFill/>
+            </a:ln>
+          </p:spPr>
+          <p:style>
+            <a:lnRef idx="2">
+              <a:schemeClr val="accent1">
+                <a:shade val="50000"/>
+              </a:schemeClr>
+            </a:lnRef>
+            <a:fillRef idx="1">
+              <a:schemeClr val="accent1"/>
+            </a:fillRef>
+            <a:effectRef idx="0">
+              <a:schemeClr val="accent1"/>
+            </a:effectRef>
+            <a:fontRef idx="minor">
+              <a:schemeClr val="lt1"/>
+            </a:fontRef>
+          </p:style>
+          <p:txBody>
+            <a:bodyPr rtlCol="0" anchor="ctr"/>
+            <a:lstStyle/>
+            <a:p>
+              <a:pPr algn="ctr"/>
+              <a:endParaRPr kumimoji="1" lang="ja-JP" altLang="en-US" dirty="0"/>
+            </a:p>
+          </p:txBody>
+        </p:sp>
+      </p:grpSp>
+      <p:grpSp>
+        <p:nvGrpSpPr>
+          <p:cNvPr id="63" name="グループ化 62">
+            <a:extLst>
+              <a:ext uri="{FF2B5EF4-FFF2-40B4-BE49-F238E27FC236}">
+                <a16:creationId xmlns:a16="http://schemas.microsoft.com/office/drawing/2014/main" id="{2D3DE607-1241-4D49-B404-D58A88B84767}"/>
+              </a:ext>
+            </a:extLst>
+          </p:cNvPr>
+          <p:cNvGrpSpPr/>
+          <p:nvPr/>
+        </p:nvGrpSpPr>
+        <p:grpSpPr>
+          <a:xfrm>
+            <a:off x="4991154" y="10290603"/>
+            <a:ext cx="2997195" cy="2961610"/>
+            <a:chOff x="10449886" y="4879906"/>
+            <a:chExt cx="2997195" cy="2891190"/>
+          </a:xfrm>
+        </p:grpSpPr>
+        <p:sp>
+          <p:nvSpPr>
+            <p:cNvPr id="64" name="正方形/長方形 63">
+              <a:extLst>
+                <a:ext uri="{FF2B5EF4-FFF2-40B4-BE49-F238E27FC236}">
+                  <a16:creationId xmlns:a16="http://schemas.microsoft.com/office/drawing/2014/main" id="{23560AA3-9671-4491-A22C-3FADA78CCADE}"/>
+                </a:ext>
+              </a:extLst>
+            </p:cNvPr>
+            <p:cNvSpPr/>
+            <p:nvPr/>
+          </p:nvSpPr>
+          <p:spPr>
+            <a:xfrm>
+              <a:off x="10449886" y="5727511"/>
+              <a:ext cx="2997195" cy="1098698"/>
+            </a:xfrm>
+            <a:prstGeom prst="rect">
+              <a:avLst/>
+            </a:prstGeom>
+            <a:solidFill>
+              <a:srgbClr val="AFABAB"/>
+            </a:solidFill>
+            <a:ln>
+              <a:noFill/>
+            </a:ln>
+          </p:spPr>
+          <p:style>
+            <a:lnRef idx="2">
+              <a:schemeClr val="accent1">
+                <a:shade val="50000"/>
+              </a:schemeClr>
+            </a:lnRef>
+            <a:fillRef idx="1">
+              <a:schemeClr val="accent1"/>
+            </a:fillRef>
+            <a:effectRef idx="0">
+              <a:schemeClr val="accent1"/>
+            </a:effectRef>
+            <a:fontRef idx="minor">
+              <a:schemeClr val="lt1"/>
+            </a:fontRef>
+          </p:style>
+          <p:txBody>
+            <a:bodyPr rtlCol="0" anchor="ctr"/>
+            <a:lstStyle/>
+            <a:p>
+              <a:pPr algn="ctr"/>
+              <a:endParaRPr kumimoji="1" lang="ja-JP" altLang="en-US" dirty="0"/>
+            </a:p>
+          </p:txBody>
+        </p:sp>
+        <p:sp>
+          <p:nvSpPr>
+            <p:cNvPr id="65" name="正方形/長方形 64">
+              <a:extLst>
+                <a:ext uri="{FF2B5EF4-FFF2-40B4-BE49-F238E27FC236}">
+                  <a16:creationId xmlns:a16="http://schemas.microsoft.com/office/drawing/2014/main" id="{93E8F74D-840B-455B-BACF-2671CF1AEAFB}"/>
+                </a:ext>
+              </a:extLst>
+            </p:cNvPr>
+            <p:cNvSpPr/>
+            <p:nvPr/>
+          </p:nvSpPr>
+          <p:spPr>
+            <a:xfrm rot="5400000">
+              <a:off x="10502890" y="5776152"/>
+              <a:ext cx="2891190" cy="1098698"/>
+            </a:xfrm>
+            <a:prstGeom prst="rect">
+              <a:avLst/>
+            </a:prstGeom>
+            <a:solidFill>
+              <a:srgbClr val="AFABAB"/>
+            </a:solidFill>
+            <a:ln>
+              <a:noFill/>
+            </a:ln>
+          </p:spPr>
+          <p:style>
+            <a:lnRef idx="2">
+              <a:schemeClr val="accent1">
+                <a:shade val="50000"/>
+              </a:schemeClr>
+            </a:lnRef>
+            <a:fillRef idx="1">
+              <a:schemeClr val="accent1"/>
+            </a:fillRef>
+            <a:effectRef idx="0">
+              <a:schemeClr val="accent1"/>
+            </a:effectRef>
+            <a:fontRef idx="minor">
+              <a:schemeClr val="lt1"/>
+            </a:fontRef>
+          </p:style>
+          <p:txBody>
+            <a:bodyPr rtlCol="0" anchor="ctr"/>
+            <a:lstStyle/>
+            <a:p>
+              <a:pPr algn="ctr"/>
+              <a:endParaRPr kumimoji="1" lang="ja-JP" altLang="en-US" dirty="0"/>
+            </a:p>
+          </p:txBody>
+        </p:sp>
+      </p:grpSp>
+      <p:grpSp>
+        <p:nvGrpSpPr>
+          <p:cNvPr id="104" name="グループ化 103">
+            <a:extLst>
+              <a:ext uri="{FF2B5EF4-FFF2-40B4-BE49-F238E27FC236}">
+                <a16:creationId xmlns:a16="http://schemas.microsoft.com/office/drawing/2014/main" id="{83A7A9F0-3149-48F9-9FDB-42C08D8ABA12}"/>
+              </a:ext>
+            </a:extLst>
+          </p:cNvPr>
+          <p:cNvGrpSpPr/>
+          <p:nvPr/>
+        </p:nvGrpSpPr>
+        <p:grpSpPr>
+          <a:xfrm>
+            <a:off x="5057285" y="4895725"/>
+            <a:ext cx="2888011" cy="2814337"/>
+            <a:chOff x="5057285" y="4895725"/>
+            <a:chExt cx="2888011" cy="2814337"/>
+          </a:xfrm>
+        </p:grpSpPr>
+        <p:grpSp>
+          <p:nvGrpSpPr>
+            <p:cNvPr id="75" name="グループ化 74">
+              <a:extLst>
+                <a:ext uri="{FF2B5EF4-FFF2-40B4-BE49-F238E27FC236}">
+                  <a16:creationId xmlns:a16="http://schemas.microsoft.com/office/drawing/2014/main" id="{EA04CFE2-03FF-424E-90C8-F5170B42EAF3}"/>
+                </a:ext>
+              </a:extLst>
+            </p:cNvPr>
+            <p:cNvGrpSpPr/>
+            <p:nvPr/>
+          </p:nvGrpSpPr>
+          <p:grpSpPr>
+            <a:xfrm>
+              <a:off x="5913030" y="4895725"/>
+              <a:ext cx="1153441" cy="528677"/>
+              <a:chOff x="5940403" y="4879902"/>
+              <a:chExt cx="1153441" cy="528677"/>
+            </a:xfrm>
+          </p:grpSpPr>
+          <p:cxnSp>
+            <p:nvCxnSpPr>
+              <p:cNvPr id="67" name="直線コネクタ 66">
+                <a:extLst>
+                  <a:ext uri="{FF2B5EF4-FFF2-40B4-BE49-F238E27FC236}">
+                    <a16:creationId xmlns:a16="http://schemas.microsoft.com/office/drawing/2014/main" id="{A2F3D389-2C8C-4006-9859-53B3605A0816}"/>
+                  </a:ext>
+                </a:extLst>
+              </p:cNvPr>
+              <p:cNvCxnSpPr/>
+              <p:nvPr/>
+            </p:nvCxnSpPr>
+            <p:spPr>
+              <a:xfrm>
+                <a:off x="5940403" y="4879904"/>
+                <a:ext cx="0" cy="528675"/>
+              </a:xfrm>
+              <a:prstGeom prst="line">
+                <a:avLst/>
+              </a:prstGeom>
+              <a:ln w="76200">
+                <a:solidFill>
+                  <a:schemeClr val="bg1"/>
+                </a:solidFill>
+              </a:ln>
+            </p:spPr>
+            <p:style>
+              <a:lnRef idx="1">
+                <a:schemeClr val="accent1"/>
+              </a:lnRef>
+              <a:fillRef idx="0">
+                <a:schemeClr val="accent1"/>
+              </a:fillRef>
+              <a:effectRef idx="0">
+                <a:schemeClr val="accent1"/>
+              </a:effectRef>
+              <a:fontRef idx="minor">
+                <a:schemeClr val="tx1"/>
+              </a:fontRef>
+            </p:style>
+          </p:cxnSp>
+          <p:cxnSp>
+            <p:nvCxnSpPr>
+              <p:cNvPr id="68" name="直線コネクタ 67">
+                <a:extLst>
+                  <a:ext uri="{FF2B5EF4-FFF2-40B4-BE49-F238E27FC236}">
+                    <a16:creationId xmlns:a16="http://schemas.microsoft.com/office/drawing/2014/main" id="{4F26BEDA-ACA3-4D94-BDB1-BEBBC416C268}"/>
+                  </a:ext>
+                </a:extLst>
+              </p:cNvPr>
+              <p:cNvCxnSpPr/>
+              <p:nvPr/>
+            </p:nvCxnSpPr>
+            <p:spPr>
+              <a:xfrm>
+                <a:off x="6108798" y="4879904"/>
+                <a:ext cx="0" cy="528675"/>
+              </a:xfrm>
+              <a:prstGeom prst="line">
+                <a:avLst/>
+              </a:prstGeom>
+              <a:ln w="76200">
+                <a:solidFill>
+                  <a:schemeClr val="bg1"/>
+                </a:solidFill>
+              </a:ln>
+            </p:spPr>
+            <p:style>
+              <a:lnRef idx="1">
+                <a:schemeClr val="accent1"/>
+              </a:lnRef>
+              <a:fillRef idx="0">
+                <a:schemeClr val="accent1"/>
+              </a:fillRef>
+              <a:effectRef idx="0">
+                <a:schemeClr val="accent1"/>
+              </a:effectRef>
+              <a:fontRef idx="minor">
+                <a:schemeClr val="tx1"/>
+              </a:fontRef>
+            </p:style>
+          </p:cxnSp>
+          <p:cxnSp>
+            <p:nvCxnSpPr>
+              <p:cNvPr id="69" name="直線コネクタ 68">
+                <a:extLst>
+                  <a:ext uri="{FF2B5EF4-FFF2-40B4-BE49-F238E27FC236}">
+                    <a16:creationId xmlns:a16="http://schemas.microsoft.com/office/drawing/2014/main" id="{8987B95D-23F0-45FE-B9DB-24D55E15F5A8}"/>
+                  </a:ext>
+                </a:extLst>
+              </p:cNvPr>
+              <p:cNvCxnSpPr/>
+              <p:nvPr/>
+            </p:nvCxnSpPr>
+            <p:spPr>
+              <a:xfrm>
+                <a:off x="6269195" y="4879904"/>
+                <a:ext cx="0" cy="528675"/>
+              </a:xfrm>
+              <a:prstGeom prst="line">
+                <a:avLst/>
+              </a:prstGeom>
+              <a:ln w="76200">
+                <a:solidFill>
+                  <a:schemeClr val="bg1"/>
+                </a:solidFill>
+              </a:ln>
+            </p:spPr>
+            <p:style>
+              <a:lnRef idx="1">
+                <a:schemeClr val="accent1"/>
+              </a:lnRef>
+              <a:fillRef idx="0">
+                <a:schemeClr val="accent1"/>
+              </a:fillRef>
+              <a:effectRef idx="0">
+                <a:schemeClr val="accent1"/>
+              </a:effectRef>
+              <a:fontRef idx="minor">
+                <a:schemeClr val="tx1"/>
+              </a:fontRef>
+            </p:style>
+          </p:cxnSp>
+          <p:cxnSp>
+            <p:nvCxnSpPr>
+              <p:cNvPr id="70" name="直線コネクタ 69">
+                <a:extLst>
+                  <a:ext uri="{FF2B5EF4-FFF2-40B4-BE49-F238E27FC236}">
+                    <a16:creationId xmlns:a16="http://schemas.microsoft.com/office/drawing/2014/main" id="{1A684D4F-FE8C-4E77-9C46-370A9310DB08}"/>
+                  </a:ext>
+                </a:extLst>
+              </p:cNvPr>
+              <p:cNvCxnSpPr/>
+              <p:nvPr/>
+            </p:nvCxnSpPr>
+            <p:spPr>
+              <a:xfrm>
+                <a:off x="6434925" y="4879903"/>
+                <a:ext cx="0" cy="528675"/>
+              </a:xfrm>
+              <a:prstGeom prst="line">
+                <a:avLst/>
+              </a:prstGeom>
+              <a:ln w="76200">
+                <a:solidFill>
+                  <a:schemeClr val="bg1"/>
+                </a:solidFill>
+              </a:ln>
+            </p:spPr>
+            <p:style>
+              <a:lnRef idx="1">
+                <a:schemeClr val="accent1"/>
+              </a:lnRef>
+              <a:fillRef idx="0">
+                <a:schemeClr val="accent1"/>
+              </a:fillRef>
+              <a:effectRef idx="0">
+                <a:schemeClr val="accent1"/>
+              </a:effectRef>
+              <a:fontRef idx="minor">
+                <a:schemeClr val="tx1"/>
+              </a:fontRef>
+            </p:style>
+          </p:cxnSp>
+          <p:cxnSp>
+            <p:nvCxnSpPr>
+              <p:cNvPr id="71" name="直線コネクタ 70">
+                <a:extLst>
+                  <a:ext uri="{FF2B5EF4-FFF2-40B4-BE49-F238E27FC236}">
+                    <a16:creationId xmlns:a16="http://schemas.microsoft.com/office/drawing/2014/main" id="{D2C8266A-61CC-490C-AB11-FB2780F4DB65}"/>
+                  </a:ext>
+                </a:extLst>
+              </p:cNvPr>
+              <p:cNvCxnSpPr/>
+              <p:nvPr/>
+            </p:nvCxnSpPr>
+            <p:spPr>
+              <a:xfrm>
+                <a:off x="6599322" y="4879903"/>
+                <a:ext cx="0" cy="528675"/>
+              </a:xfrm>
+              <a:prstGeom prst="line">
+                <a:avLst/>
+              </a:prstGeom>
+              <a:ln w="76200">
+                <a:solidFill>
+                  <a:schemeClr val="bg1"/>
+                </a:solidFill>
+              </a:ln>
+            </p:spPr>
+            <p:style>
+              <a:lnRef idx="1">
+                <a:schemeClr val="accent1"/>
+              </a:lnRef>
+              <a:fillRef idx="0">
+                <a:schemeClr val="accent1"/>
+              </a:fillRef>
+              <a:effectRef idx="0">
+                <a:schemeClr val="accent1"/>
+              </a:effectRef>
+              <a:fontRef idx="minor">
+                <a:schemeClr val="tx1"/>
+              </a:fontRef>
+            </p:style>
+          </p:cxnSp>
+          <p:cxnSp>
+            <p:nvCxnSpPr>
+              <p:cNvPr id="72" name="直線コネクタ 71">
+                <a:extLst>
+                  <a:ext uri="{FF2B5EF4-FFF2-40B4-BE49-F238E27FC236}">
+                    <a16:creationId xmlns:a16="http://schemas.microsoft.com/office/drawing/2014/main" id="{6CC4312B-CC65-4325-B9B4-B75282062AE1}"/>
+                  </a:ext>
+                </a:extLst>
+              </p:cNvPr>
+              <p:cNvCxnSpPr/>
+              <p:nvPr/>
+            </p:nvCxnSpPr>
+            <p:spPr>
+              <a:xfrm>
+                <a:off x="6767717" y="4879903"/>
+                <a:ext cx="0" cy="528675"/>
+              </a:xfrm>
+              <a:prstGeom prst="line">
+                <a:avLst/>
+              </a:prstGeom>
+              <a:ln w="76200">
+                <a:solidFill>
+                  <a:schemeClr val="bg1"/>
+                </a:solidFill>
+              </a:ln>
+            </p:spPr>
+            <p:style>
+              <a:lnRef idx="1">
+                <a:schemeClr val="accent1"/>
+              </a:lnRef>
+              <a:fillRef idx="0">
+                <a:schemeClr val="accent1"/>
+              </a:fillRef>
+              <a:effectRef idx="0">
+                <a:schemeClr val="accent1"/>
+              </a:effectRef>
+              <a:fontRef idx="minor">
+                <a:schemeClr val="tx1"/>
+              </a:fontRef>
+            </p:style>
+          </p:cxnSp>
+          <p:cxnSp>
+            <p:nvCxnSpPr>
+              <p:cNvPr id="73" name="直線コネクタ 72">
+                <a:extLst>
+                  <a:ext uri="{FF2B5EF4-FFF2-40B4-BE49-F238E27FC236}">
+                    <a16:creationId xmlns:a16="http://schemas.microsoft.com/office/drawing/2014/main" id="{F7BE2DF9-F285-4114-A8C2-319AFE1633A3}"/>
+                  </a:ext>
+                </a:extLst>
+              </p:cNvPr>
+              <p:cNvCxnSpPr/>
+              <p:nvPr/>
+            </p:nvCxnSpPr>
+            <p:spPr>
+              <a:xfrm>
+                <a:off x="6928114" y="4879903"/>
+                <a:ext cx="0" cy="528675"/>
+              </a:xfrm>
+              <a:prstGeom prst="line">
+                <a:avLst/>
+              </a:prstGeom>
+              <a:ln w="76200">
+                <a:solidFill>
+                  <a:schemeClr val="bg1"/>
+                </a:solidFill>
+              </a:ln>
+            </p:spPr>
+            <p:style>
+              <a:lnRef idx="1">
+                <a:schemeClr val="accent1"/>
+              </a:lnRef>
+              <a:fillRef idx="0">
+                <a:schemeClr val="accent1"/>
+              </a:fillRef>
+              <a:effectRef idx="0">
+                <a:schemeClr val="accent1"/>
+              </a:effectRef>
+              <a:fontRef idx="minor">
+                <a:schemeClr val="tx1"/>
+              </a:fontRef>
+            </p:style>
+          </p:cxnSp>
+          <p:cxnSp>
+            <p:nvCxnSpPr>
+              <p:cNvPr id="74" name="直線コネクタ 73">
+                <a:extLst>
+                  <a:ext uri="{FF2B5EF4-FFF2-40B4-BE49-F238E27FC236}">
+                    <a16:creationId xmlns:a16="http://schemas.microsoft.com/office/drawing/2014/main" id="{3EBBF384-B1AF-424E-990F-274904896F6F}"/>
+                  </a:ext>
+                </a:extLst>
+              </p:cNvPr>
+              <p:cNvCxnSpPr/>
+              <p:nvPr/>
+            </p:nvCxnSpPr>
+            <p:spPr>
+              <a:xfrm>
+                <a:off x="7093844" y="4879902"/>
+                <a:ext cx="0" cy="528675"/>
+              </a:xfrm>
+              <a:prstGeom prst="line">
+                <a:avLst/>
+              </a:prstGeom>
+              <a:ln w="76200">
+                <a:solidFill>
+                  <a:schemeClr val="bg1"/>
+                </a:solidFill>
+              </a:ln>
+            </p:spPr>
+            <p:style>
+              <a:lnRef idx="1">
+                <a:schemeClr val="accent1"/>
+              </a:lnRef>
+              <a:fillRef idx="0">
+                <a:schemeClr val="accent1"/>
+              </a:fillRef>
+              <a:effectRef idx="0">
+                <a:schemeClr val="accent1"/>
+              </a:effectRef>
+              <a:fontRef idx="minor">
+                <a:schemeClr val="tx1"/>
+              </a:fontRef>
+            </p:style>
+          </p:cxnSp>
+        </p:grpSp>
+        <p:grpSp>
+          <p:nvGrpSpPr>
+            <p:cNvPr id="76" name="グループ化 75">
+              <a:extLst>
+                <a:ext uri="{FF2B5EF4-FFF2-40B4-BE49-F238E27FC236}">
+                  <a16:creationId xmlns:a16="http://schemas.microsoft.com/office/drawing/2014/main" id="{ED49A6ED-044E-4468-9113-3E70114052E8}"/>
+                </a:ext>
+              </a:extLst>
+            </p:cNvPr>
+            <p:cNvGrpSpPr/>
+            <p:nvPr/>
+          </p:nvGrpSpPr>
+          <p:grpSpPr>
+            <a:xfrm rot="5400000">
+              <a:off x="4744903" y="5979306"/>
+              <a:ext cx="1153441" cy="528677"/>
+              <a:chOff x="5940403" y="4879902"/>
+              <a:chExt cx="1153441" cy="528677"/>
+            </a:xfrm>
+          </p:grpSpPr>
+          <p:cxnSp>
+            <p:nvCxnSpPr>
+              <p:cNvPr id="77" name="直線コネクタ 76">
+                <a:extLst>
+                  <a:ext uri="{FF2B5EF4-FFF2-40B4-BE49-F238E27FC236}">
+                    <a16:creationId xmlns:a16="http://schemas.microsoft.com/office/drawing/2014/main" id="{3502C483-EA1E-41FB-97F8-00A1E22FB18B}"/>
+                  </a:ext>
+                </a:extLst>
+              </p:cNvPr>
+              <p:cNvCxnSpPr/>
+              <p:nvPr/>
+            </p:nvCxnSpPr>
+            <p:spPr>
+              <a:xfrm>
+                <a:off x="5940403" y="4879904"/>
+                <a:ext cx="0" cy="528675"/>
+              </a:xfrm>
+              <a:prstGeom prst="line">
+                <a:avLst/>
+              </a:prstGeom>
+              <a:ln w="76200">
+                <a:solidFill>
+                  <a:schemeClr val="bg1"/>
+                </a:solidFill>
+              </a:ln>
+            </p:spPr>
+            <p:style>
+              <a:lnRef idx="1">
+                <a:schemeClr val="accent1"/>
+              </a:lnRef>
+              <a:fillRef idx="0">
+                <a:schemeClr val="accent1"/>
+              </a:fillRef>
+              <a:effectRef idx="0">
+                <a:schemeClr val="accent1"/>
+              </a:effectRef>
+              <a:fontRef idx="minor">
+                <a:schemeClr val="tx1"/>
+              </a:fontRef>
+            </p:style>
+          </p:cxnSp>
+          <p:cxnSp>
+            <p:nvCxnSpPr>
+              <p:cNvPr id="78" name="直線コネクタ 77">
+                <a:extLst>
+                  <a:ext uri="{FF2B5EF4-FFF2-40B4-BE49-F238E27FC236}">
+                    <a16:creationId xmlns:a16="http://schemas.microsoft.com/office/drawing/2014/main" id="{1F80D5BC-59CF-4C8F-87C4-0EB54BB737BE}"/>
+                  </a:ext>
+                </a:extLst>
+              </p:cNvPr>
+              <p:cNvCxnSpPr/>
+              <p:nvPr/>
+            </p:nvCxnSpPr>
+            <p:spPr>
+              <a:xfrm>
+                <a:off x="6108798" y="4879904"/>
+                <a:ext cx="0" cy="528675"/>
+              </a:xfrm>
+              <a:prstGeom prst="line">
+                <a:avLst/>
+              </a:prstGeom>
+              <a:ln w="76200">
+                <a:solidFill>
+                  <a:schemeClr val="bg1"/>
+                </a:solidFill>
+              </a:ln>
+            </p:spPr>
+            <p:style>
+              <a:lnRef idx="1">
+                <a:schemeClr val="accent1"/>
+              </a:lnRef>
+              <a:fillRef idx="0">
+                <a:schemeClr val="accent1"/>
+              </a:fillRef>
+              <a:effectRef idx="0">
+                <a:schemeClr val="accent1"/>
+              </a:effectRef>
+              <a:fontRef idx="minor">
+                <a:schemeClr val="tx1"/>
+              </a:fontRef>
+            </p:style>
+          </p:cxnSp>
+          <p:cxnSp>
+            <p:nvCxnSpPr>
+              <p:cNvPr id="79" name="直線コネクタ 78">
+                <a:extLst>
+                  <a:ext uri="{FF2B5EF4-FFF2-40B4-BE49-F238E27FC236}">
+                    <a16:creationId xmlns:a16="http://schemas.microsoft.com/office/drawing/2014/main" id="{95074D5F-B868-4F59-9451-2C555F4D3364}"/>
+                  </a:ext>
+                </a:extLst>
+              </p:cNvPr>
+              <p:cNvCxnSpPr/>
+              <p:nvPr/>
+            </p:nvCxnSpPr>
+            <p:spPr>
+              <a:xfrm>
+                <a:off x="6269195" y="4879904"/>
+                <a:ext cx="0" cy="528675"/>
+              </a:xfrm>
+              <a:prstGeom prst="line">
+                <a:avLst/>
+              </a:prstGeom>
+              <a:ln w="76200">
+                <a:solidFill>
+                  <a:schemeClr val="bg1"/>
+                </a:solidFill>
+              </a:ln>
+            </p:spPr>
+            <p:style>
+              <a:lnRef idx="1">
+                <a:schemeClr val="accent1"/>
+              </a:lnRef>
+              <a:fillRef idx="0">
+                <a:schemeClr val="accent1"/>
+              </a:fillRef>
+              <a:effectRef idx="0">
+                <a:schemeClr val="accent1"/>
+              </a:effectRef>
+              <a:fontRef idx="minor">
+                <a:schemeClr val="tx1"/>
+              </a:fontRef>
+            </p:style>
+          </p:cxnSp>
+          <p:cxnSp>
+            <p:nvCxnSpPr>
+              <p:cNvPr id="80" name="直線コネクタ 79">
+                <a:extLst>
+                  <a:ext uri="{FF2B5EF4-FFF2-40B4-BE49-F238E27FC236}">
+                    <a16:creationId xmlns:a16="http://schemas.microsoft.com/office/drawing/2014/main" id="{98CFB148-432D-4F22-9EDF-BC7C38063C55}"/>
+                  </a:ext>
+                </a:extLst>
+              </p:cNvPr>
+              <p:cNvCxnSpPr/>
+              <p:nvPr/>
+            </p:nvCxnSpPr>
+            <p:spPr>
+              <a:xfrm>
+                <a:off x="6434925" y="4879903"/>
+                <a:ext cx="0" cy="528675"/>
+              </a:xfrm>
+              <a:prstGeom prst="line">
+                <a:avLst/>
+              </a:prstGeom>
+              <a:ln w="76200">
+                <a:solidFill>
+                  <a:schemeClr val="bg1"/>
+                </a:solidFill>
+              </a:ln>
+            </p:spPr>
+            <p:style>
+              <a:lnRef idx="1">
+                <a:schemeClr val="accent1"/>
+              </a:lnRef>
+              <a:fillRef idx="0">
+                <a:schemeClr val="accent1"/>
+              </a:fillRef>
+              <a:effectRef idx="0">
+                <a:schemeClr val="accent1"/>
+              </a:effectRef>
+              <a:fontRef idx="minor">
+                <a:schemeClr val="tx1"/>
+              </a:fontRef>
+            </p:style>
+          </p:cxnSp>
+          <p:cxnSp>
+            <p:nvCxnSpPr>
+              <p:cNvPr id="81" name="直線コネクタ 80">
+                <a:extLst>
+                  <a:ext uri="{FF2B5EF4-FFF2-40B4-BE49-F238E27FC236}">
+                    <a16:creationId xmlns:a16="http://schemas.microsoft.com/office/drawing/2014/main" id="{4051246F-FF11-4A1A-A7E9-274371771A52}"/>
+                  </a:ext>
+                </a:extLst>
+              </p:cNvPr>
+              <p:cNvCxnSpPr/>
+              <p:nvPr/>
+            </p:nvCxnSpPr>
+            <p:spPr>
+              <a:xfrm>
+                <a:off x="6599322" y="4879903"/>
+                <a:ext cx="0" cy="528675"/>
+              </a:xfrm>
+              <a:prstGeom prst="line">
+                <a:avLst/>
+              </a:prstGeom>
+              <a:ln w="76200">
+                <a:solidFill>
+                  <a:schemeClr val="bg1"/>
+                </a:solidFill>
+              </a:ln>
+            </p:spPr>
+            <p:style>
+              <a:lnRef idx="1">
+                <a:schemeClr val="accent1"/>
+              </a:lnRef>
+              <a:fillRef idx="0">
+                <a:schemeClr val="accent1"/>
+              </a:fillRef>
+              <a:effectRef idx="0">
+                <a:schemeClr val="accent1"/>
+              </a:effectRef>
+              <a:fontRef idx="minor">
+                <a:schemeClr val="tx1"/>
+              </a:fontRef>
+            </p:style>
+          </p:cxnSp>
+          <p:cxnSp>
+            <p:nvCxnSpPr>
+              <p:cNvPr id="82" name="直線コネクタ 81">
+                <a:extLst>
+                  <a:ext uri="{FF2B5EF4-FFF2-40B4-BE49-F238E27FC236}">
+                    <a16:creationId xmlns:a16="http://schemas.microsoft.com/office/drawing/2014/main" id="{BDFA0A2E-A7D9-41FB-85B2-4F0AD3FAD95F}"/>
+                  </a:ext>
+                </a:extLst>
+              </p:cNvPr>
+              <p:cNvCxnSpPr/>
+              <p:nvPr/>
+            </p:nvCxnSpPr>
+            <p:spPr>
+              <a:xfrm>
+                <a:off x="6767717" y="4879903"/>
+                <a:ext cx="0" cy="528675"/>
+              </a:xfrm>
+              <a:prstGeom prst="line">
+                <a:avLst/>
+              </a:prstGeom>
+              <a:ln w="76200">
+                <a:solidFill>
+                  <a:schemeClr val="bg1"/>
+                </a:solidFill>
+              </a:ln>
+            </p:spPr>
+            <p:style>
+              <a:lnRef idx="1">
+                <a:schemeClr val="accent1"/>
+              </a:lnRef>
+              <a:fillRef idx="0">
+                <a:schemeClr val="accent1"/>
+              </a:fillRef>
+              <a:effectRef idx="0">
+                <a:schemeClr val="accent1"/>
+              </a:effectRef>
+              <a:fontRef idx="minor">
+                <a:schemeClr val="tx1"/>
+              </a:fontRef>
+            </p:style>
+          </p:cxnSp>
+          <p:cxnSp>
+            <p:nvCxnSpPr>
+              <p:cNvPr id="83" name="直線コネクタ 82">
+                <a:extLst>
+                  <a:ext uri="{FF2B5EF4-FFF2-40B4-BE49-F238E27FC236}">
+                    <a16:creationId xmlns:a16="http://schemas.microsoft.com/office/drawing/2014/main" id="{D1CAB891-6377-4930-A14F-0F80A16A324F}"/>
+                  </a:ext>
+                </a:extLst>
+              </p:cNvPr>
+              <p:cNvCxnSpPr/>
+              <p:nvPr/>
+            </p:nvCxnSpPr>
+            <p:spPr>
+              <a:xfrm>
+                <a:off x="6928114" y="4879903"/>
+                <a:ext cx="0" cy="528675"/>
+              </a:xfrm>
+              <a:prstGeom prst="line">
+                <a:avLst/>
+              </a:prstGeom>
+              <a:ln w="76200">
+                <a:solidFill>
+                  <a:schemeClr val="bg1"/>
+                </a:solidFill>
+              </a:ln>
+            </p:spPr>
+            <p:style>
+              <a:lnRef idx="1">
+                <a:schemeClr val="accent1"/>
+              </a:lnRef>
+              <a:fillRef idx="0">
+                <a:schemeClr val="accent1"/>
+              </a:fillRef>
+              <a:effectRef idx="0">
+                <a:schemeClr val="accent1"/>
+              </a:effectRef>
+              <a:fontRef idx="minor">
+                <a:schemeClr val="tx1"/>
+              </a:fontRef>
+            </p:style>
+          </p:cxnSp>
+          <p:cxnSp>
+            <p:nvCxnSpPr>
+              <p:cNvPr id="84" name="直線コネクタ 83">
+                <a:extLst>
+                  <a:ext uri="{FF2B5EF4-FFF2-40B4-BE49-F238E27FC236}">
+                    <a16:creationId xmlns:a16="http://schemas.microsoft.com/office/drawing/2014/main" id="{2B62F9FE-005A-43E2-AB48-8E2B04436F6E}"/>
+                  </a:ext>
+                </a:extLst>
+              </p:cNvPr>
+              <p:cNvCxnSpPr/>
+              <p:nvPr/>
+            </p:nvCxnSpPr>
+            <p:spPr>
+              <a:xfrm>
+                <a:off x="7093844" y="4879902"/>
+                <a:ext cx="0" cy="528675"/>
+              </a:xfrm>
+              <a:prstGeom prst="line">
+                <a:avLst/>
+              </a:prstGeom>
+              <a:ln w="76200">
+                <a:solidFill>
+                  <a:schemeClr val="bg1"/>
+                </a:solidFill>
+              </a:ln>
+            </p:spPr>
+            <p:style>
+              <a:lnRef idx="1">
+                <a:schemeClr val="accent1"/>
+              </a:lnRef>
+              <a:fillRef idx="0">
+                <a:schemeClr val="accent1"/>
+              </a:fillRef>
+              <a:effectRef idx="0">
+                <a:schemeClr val="accent1"/>
+              </a:effectRef>
+              <a:fontRef idx="minor">
+                <a:schemeClr val="tx1"/>
+              </a:fontRef>
+            </p:style>
+          </p:cxnSp>
+        </p:grpSp>
+        <p:grpSp>
+          <p:nvGrpSpPr>
+            <p:cNvPr id="85" name="グループ化 84">
+              <a:extLst>
+                <a:ext uri="{FF2B5EF4-FFF2-40B4-BE49-F238E27FC236}">
+                  <a16:creationId xmlns:a16="http://schemas.microsoft.com/office/drawing/2014/main" id="{2E9E7C03-4396-469D-9D3F-C7462C89C706}"/>
+                </a:ext>
+              </a:extLst>
+            </p:cNvPr>
+            <p:cNvGrpSpPr/>
+            <p:nvPr/>
+          </p:nvGrpSpPr>
+          <p:grpSpPr>
+            <a:xfrm>
+              <a:off x="5916171" y="7181385"/>
+              <a:ext cx="1153441" cy="528677"/>
+              <a:chOff x="5940403" y="4879902"/>
+              <a:chExt cx="1153441" cy="528677"/>
+            </a:xfrm>
+          </p:grpSpPr>
+          <p:cxnSp>
+            <p:nvCxnSpPr>
+              <p:cNvPr id="86" name="直線コネクタ 85">
+                <a:extLst>
+                  <a:ext uri="{FF2B5EF4-FFF2-40B4-BE49-F238E27FC236}">
+                    <a16:creationId xmlns:a16="http://schemas.microsoft.com/office/drawing/2014/main" id="{62D961EE-6478-4F8F-87AC-40351CD31C4A}"/>
+                  </a:ext>
+                </a:extLst>
+              </p:cNvPr>
+              <p:cNvCxnSpPr/>
+              <p:nvPr/>
+            </p:nvCxnSpPr>
+            <p:spPr>
+              <a:xfrm>
+                <a:off x="5940403" y="4879904"/>
+                <a:ext cx="0" cy="528675"/>
+              </a:xfrm>
+              <a:prstGeom prst="line">
+                <a:avLst/>
+              </a:prstGeom>
+              <a:ln w="76200">
+                <a:solidFill>
+                  <a:schemeClr val="bg1"/>
+                </a:solidFill>
+              </a:ln>
+            </p:spPr>
+            <p:style>
+              <a:lnRef idx="1">
+                <a:schemeClr val="accent1"/>
+              </a:lnRef>
+              <a:fillRef idx="0">
+                <a:schemeClr val="accent1"/>
+              </a:fillRef>
+              <a:effectRef idx="0">
+                <a:schemeClr val="accent1"/>
+              </a:effectRef>
+              <a:fontRef idx="minor">
+                <a:schemeClr val="tx1"/>
+              </a:fontRef>
+            </p:style>
+          </p:cxnSp>
+          <p:cxnSp>
+            <p:nvCxnSpPr>
+              <p:cNvPr id="87" name="直線コネクタ 86">
+                <a:extLst>
+                  <a:ext uri="{FF2B5EF4-FFF2-40B4-BE49-F238E27FC236}">
+                    <a16:creationId xmlns:a16="http://schemas.microsoft.com/office/drawing/2014/main" id="{B05F6096-BEC8-4AB5-929C-3F3C52219794}"/>
+                  </a:ext>
+                </a:extLst>
+              </p:cNvPr>
+              <p:cNvCxnSpPr/>
+              <p:nvPr/>
+            </p:nvCxnSpPr>
+            <p:spPr>
+              <a:xfrm>
+                <a:off x="6108798" y="4879904"/>
+                <a:ext cx="0" cy="528675"/>
+              </a:xfrm>
+              <a:prstGeom prst="line">
+                <a:avLst/>
+              </a:prstGeom>
+              <a:ln w="76200">
+                <a:solidFill>
+                  <a:schemeClr val="bg1"/>
+                </a:solidFill>
+              </a:ln>
+            </p:spPr>
+            <p:style>
+              <a:lnRef idx="1">
+                <a:schemeClr val="accent1"/>
+              </a:lnRef>
+              <a:fillRef idx="0">
+                <a:schemeClr val="accent1"/>
+              </a:fillRef>
+              <a:effectRef idx="0">
+                <a:schemeClr val="accent1"/>
+              </a:effectRef>
+              <a:fontRef idx="minor">
+                <a:schemeClr val="tx1"/>
+              </a:fontRef>
+            </p:style>
+          </p:cxnSp>
+          <p:cxnSp>
+            <p:nvCxnSpPr>
+              <p:cNvPr id="88" name="直線コネクタ 87">
+                <a:extLst>
+                  <a:ext uri="{FF2B5EF4-FFF2-40B4-BE49-F238E27FC236}">
+                    <a16:creationId xmlns:a16="http://schemas.microsoft.com/office/drawing/2014/main" id="{0483583A-4562-476F-B8C4-226B1DBDCE04}"/>
+                  </a:ext>
+                </a:extLst>
+              </p:cNvPr>
+              <p:cNvCxnSpPr/>
+              <p:nvPr/>
+            </p:nvCxnSpPr>
+            <p:spPr>
+              <a:xfrm>
+                <a:off x="6269195" y="4879904"/>
+                <a:ext cx="0" cy="528675"/>
+              </a:xfrm>
+              <a:prstGeom prst="line">
+                <a:avLst/>
+              </a:prstGeom>
+              <a:ln w="76200">
+                <a:solidFill>
+                  <a:schemeClr val="bg1"/>
+                </a:solidFill>
+              </a:ln>
+            </p:spPr>
+            <p:style>
+              <a:lnRef idx="1">
+                <a:schemeClr val="accent1"/>
+              </a:lnRef>
+              <a:fillRef idx="0">
+                <a:schemeClr val="accent1"/>
+              </a:fillRef>
+              <a:effectRef idx="0">
+                <a:schemeClr val="accent1"/>
+              </a:effectRef>
+              <a:fontRef idx="minor">
+                <a:schemeClr val="tx1"/>
+              </a:fontRef>
+            </p:style>
+          </p:cxnSp>
+          <p:cxnSp>
+            <p:nvCxnSpPr>
+              <p:cNvPr id="89" name="直線コネクタ 88">
+                <a:extLst>
+                  <a:ext uri="{FF2B5EF4-FFF2-40B4-BE49-F238E27FC236}">
+                    <a16:creationId xmlns:a16="http://schemas.microsoft.com/office/drawing/2014/main" id="{F4DFC897-B824-4502-8624-A9F40847E6D5}"/>
+                  </a:ext>
+                </a:extLst>
+              </p:cNvPr>
+              <p:cNvCxnSpPr/>
+              <p:nvPr/>
+            </p:nvCxnSpPr>
+            <p:spPr>
+              <a:xfrm>
+                <a:off x="6434925" y="4879903"/>
+                <a:ext cx="0" cy="528675"/>
+              </a:xfrm>
+              <a:prstGeom prst="line">
+                <a:avLst/>
+              </a:prstGeom>
+              <a:ln w="76200">
+                <a:solidFill>
+                  <a:schemeClr val="bg1"/>
+                </a:solidFill>
+              </a:ln>
+            </p:spPr>
+            <p:style>
+              <a:lnRef idx="1">
+                <a:schemeClr val="accent1"/>
+              </a:lnRef>
+              <a:fillRef idx="0">
+                <a:schemeClr val="accent1"/>
+              </a:fillRef>
+              <a:effectRef idx="0">
+                <a:schemeClr val="accent1"/>
+              </a:effectRef>
+              <a:fontRef idx="minor">
+                <a:schemeClr val="tx1"/>
+              </a:fontRef>
+            </p:style>
+          </p:cxnSp>
+          <p:cxnSp>
+            <p:nvCxnSpPr>
+              <p:cNvPr id="90" name="直線コネクタ 89">
+                <a:extLst>
+                  <a:ext uri="{FF2B5EF4-FFF2-40B4-BE49-F238E27FC236}">
+                    <a16:creationId xmlns:a16="http://schemas.microsoft.com/office/drawing/2014/main" id="{C5527253-4D78-4A16-B237-91D8A5D0A520}"/>
+                  </a:ext>
+                </a:extLst>
+              </p:cNvPr>
+              <p:cNvCxnSpPr/>
+              <p:nvPr/>
+            </p:nvCxnSpPr>
+            <p:spPr>
+              <a:xfrm>
+                <a:off x="6599322" y="4879903"/>
+                <a:ext cx="0" cy="528675"/>
+              </a:xfrm>
+              <a:prstGeom prst="line">
+                <a:avLst/>
+              </a:prstGeom>
+              <a:ln w="76200">
+                <a:solidFill>
+                  <a:schemeClr val="bg1"/>
+                </a:solidFill>
+              </a:ln>
+            </p:spPr>
+            <p:style>
+              <a:lnRef idx="1">
+                <a:schemeClr val="accent1"/>
+              </a:lnRef>
+              <a:fillRef idx="0">
+                <a:schemeClr val="accent1"/>
+              </a:fillRef>
+              <a:effectRef idx="0">
+                <a:schemeClr val="accent1"/>
+              </a:effectRef>
+              <a:fontRef idx="minor">
+                <a:schemeClr val="tx1"/>
+              </a:fontRef>
+            </p:style>
+          </p:cxnSp>
+          <p:cxnSp>
+            <p:nvCxnSpPr>
+              <p:cNvPr id="91" name="直線コネクタ 90">
+                <a:extLst>
+                  <a:ext uri="{FF2B5EF4-FFF2-40B4-BE49-F238E27FC236}">
+                    <a16:creationId xmlns:a16="http://schemas.microsoft.com/office/drawing/2014/main" id="{D767FEF2-0929-45B1-BCE5-48695A0A1B61}"/>
+                  </a:ext>
+                </a:extLst>
+              </p:cNvPr>
+              <p:cNvCxnSpPr/>
+              <p:nvPr/>
+            </p:nvCxnSpPr>
+            <p:spPr>
+              <a:xfrm>
+                <a:off x="6767717" y="4879903"/>
+                <a:ext cx="0" cy="528675"/>
+              </a:xfrm>
+              <a:prstGeom prst="line">
+                <a:avLst/>
+              </a:prstGeom>
+              <a:ln w="76200">
+                <a:solidFill>
+                  <a:schemeClr val="bg1"/>
+                </a:solidFill>
+              </a:ln>
+            </p:spPr>
+            <p:style>
+              <a:lnRef idx="1">
+                <a:schemeClr val="accent1"/>
+              </a:lnRef>
+              <a:fillRef idx="0">
+                <a:schemeClr val="accent1"/>
+              </a:fillRef>
+              <a:effectRef idx="0">
+                <a:schemeClr val="accent1"/>
+              </a:effectRef>
+              <a:fontRef idx="minor">
+                <a:schemeClr val="tx1"/>
+              </a:fontRef>
+            </p:style>
+          </p:cxnSp>
+          <p:cxnSp>
+            <p:nvCxnSpPr>
+              <p:cNvPr id="92" name="直線コネクタ 91">
+                <a:extLst>
+                  <a:ext uri="{FF2B5EF4-FFF2-40B4-BE49-F238E27FC236}">
+                    <a16:creationId xmlns:a16="http://schemas.microsoft.com/office/drawing/2014/main" id="{4900F0E7-3039-4825-9E66-B216115935A7}"/>
+                  </a:ext>
+                </a:extLst>
+              </p:cNvPr>
+              <p:cNvCxnSpPr/>
+              <p:nvPr/>
+            </p:nvCxnSpPr>
+            <p:spPr>
+              <a:xfrm>
+                <a:off x="6928114" y="4879903"/>
+                <a:ext cx="0" cy="528675"/>
+              </a:xfrm>
+              <a:prstGeom prst="line">
+                <a:avLst/>
+              </a:prstGeom>
+              <a:ln w="76200">
+                <a:solidFill>
+                  <a:schemeClr val="bg1"/>
+                </a:solidFill>
+              </a:ln>
+            </p:spPr>
+            <p:style>
+              <a:lnRef idx="1">
+                <a:schemeClr val="accent1"/>
+              </a:lnRef>
+              <a:fillRef idx="0">
+                <a:schemeClr val="accent1"/>
+              </a:fillRef>
+              <a:effectRef idx="0">
+                <a:schemeClr val="accent1"/>
+              </a:effectRef>
+              <a:fontRef idx="minor">
+                <a:schemeClr val="tx1"/>
+              </a:fontRef>
+            </p:style>
+          </p:cxnSp>
+          <p:cxnSp>
+            <p:nvCxnSpPr>
+              <p:cNvPr id="93" name="直線コネクタ 92">
+                <a:extLst>
+                  <a:ext uri="{FF2B5EF4-FFF2-40B4-BE49-F238E27FC236}">
+                    <a16:creationId xmlns:a16="http://schemas.microsoft.com/office/drawing/2014/main" id="{0BA0C7DF-E23C-4A68-B813-E6D7BC33EDE8}"/>
+                  </a:ext>
+                </a:extLst>
+              </p:cNvPr>
+              <p:cNvCxnSpPr/>
+              <p:nvPr/>
+            </p:nvCxnSpPr>
+            <p:spPr>
+              <a:xfrm>
+                <a:off x="7093844" y="4879902"/>
+                <a:ext cx="0" cy="528675"/>
+              </a:xfrm>
+              <a:prstGeom prst="line">
+                <a:avLst/>
+              </a:prstGeom>
+              <a:ln w="76200">
+                <a:solidFill>
+                  <a:schemeClr val="bg1"/>
+                </a:solidFill>
+              </a:ln>
+            </p:spPr>
+            <p:style>
+              <a:lnRef idx="1">
+                <a:schemeClr val="accent1"/>
+              </a:lnRef>
+              <a:fillRef idx="0">
+                <a:schemeClr val="accent1"/>
+              </a:fillRef>
+              <a:effectRef idx="0">
+                <a:schemeClr val="accent1"/>
+              </a:effectRef>
+              <a:fontRef idx="minor">
+                <a:schemeClr val="tx1"/>
+              </a:fontRef>
+            </p:style>
+          </p:cxnSp>
+        </p:grpSp>
+        <p:grpSp>
+          <p:nvGrpSpPr>
+            <p:cNvPr id="94" name="グループ化 93">
+              <a:extLst>
+                <a:ext uri="{FF2B5EF4-FFF2-40B4-BE49-F238E27FC236}">
+                  <a16:creationId xmlns:a16="http://schemas.microsoft.com/office/drawing/2014/main" id="{F6F74B4B-EDFF-4CA6-AA7A-9D2A7E516371}"/>
+                </a:ext>
+              </a:extLst>
+            </p:cNvPr>
+            <p:cNvGrpSpPr/>
+            <p:nvPr/>
+          </p:nvGrpSpPr>
+          <p:grpSpPr>
+            <a:xfrm rot="16200000">
+              <a:off x="7104237" y="5996096"/>
+              <a:ext cx="1153441" cy="528677"/>
+              <a:chOff x="5940403" y="4879902"/>
+              <a:chExt cx="1153441" cy="528677"/>
+            </a:xfrm>
+          </p:grpSpPr>
+          <p:cxnSp>
+            <p:nvCxnSpPr>
+              <p:cNvPr id="95" name="直線コネクタ 94">
+                <a:extLst>
+                  <a:ext uri="{FF2B5EF4-FFF2-40B4-BE49-F238E27FC236}">
+                    <a16:creationId xmlns:a16="http://schemas.microsoft.com/office/drawing/2014/main" id="{9431D069-D767-4797-9B36-A0B031BEA150}"/>
+                  </a:ext>
+                </a:extLst>
+              </p:cNvPr>
+              <p:cNvCxnSpPr/>
+              <p:nvPr/>
+            </p:nvCxnSpPr>
+            <p:spPr>
+              <a:xfrm>
+                <a:off x="5940403" y="4879904"/>
+                <a:ext cx="0" cy="528675"/>
+              </a:xfrm>
+              <a:prstGeom prst="line">
+                <a:avLst/>
+              </a:prstGeom>
+              <a:ln w="76200">
+                <a:solidFill>
+                  <a:schemeClr val="bg1"/>
+                </a:solidFill>
+              </a:ln>
+            </p:spPr>
+            <p:style>
+              <a:lnRef idx="1">
+                <a:schemeClr val="accent1"/>
+              </a:lnRef>
+              <a:fillRef idx="0">
+                <a:schemeClr val="accent1"/>
+              </a:fillRef>
+              <a:effectRef idx="0">
+                <a:schemeClr val="accent1"/>
+              </a:effectRef>
+              <a:fontRef idx="minor">
+                <a:schemeClr val="tx1"/>
+              </a:fontRef>
+            </p:style>
+          </p:cxnSp>
+          <p:cxnSp>
+            <p:nvCxnSpPr>
+              <p:cNvPr id="96" name="直線コネクタ 95">
+                <a:extLst>
+                  <a:ext uri="{FF2B5EF4-FFF2-40B4-BE49-F238E27FC236}">
+                    <a16:creationId xmlns:a16="http://schemas.microsoft.com/office/drawing/2014/main" id="{ED84FCDD-FB66-4FED-AA52-94FC94B592E2}"/>
+                  </a:ext>
+                </a:extLst>
+              </p:cNvPr>
+              <p:cNvCxnSpPr/>
+              <p:nvPr/>
+            </p:nvCxnSpPr>
+            <p:spPr>
+              <a:xfrm>
+                <a:off x="6108798" y="4879904"/>
+                <a:ext cx="0" cy="528675"/>
+              </a:xfrm>
+              <a:prstGeom prst="line">
+                <a:avLst/>
+              </a:prstGeom>
+              <a:ln w="76200">
+                <a:solidFill>
+                  <a:schemeClr val="bg1"/>
+                </a:solidFill>
+              </a:ln>
+            </p:spPr>
+            <p:style>
+              <a:lnRef idx="1">
+                <a:schemeClr val="accent1"/>
+              </a:lnRef>
+              <a:fillRef idx="0">
+                <a:schemeClr val="accent1"/>
+              </a:fillRef>
+              <a:effectRef idx="0">
+                <a:schemeClr val="accent1"/>
+              </a:effectRef>
+              <a:fontRef idx="minor">
+                <a:schemeClr val="tx1"/>
+              </a:fontRef>
+            </p:style>
+          </p:cxnSp>
+          <p:cxnSp>
+            <p:nvCxnSpPr>
+              <p:cNvPr id="97" name="直線コネクタ 96">
+                <a:extLst>
+                  <a:ext uri="{FF2B5EF4-FFF2-40B4-BE49-F238E27FC236}">
+                    <a16:creationId xmlns:a16="http://schemas.microsoft.com/office/drawing/2014/main" id="{91E9D23C-77EF-47F1-A915-F0849EC9A101}"/>
+                  </a:ext>
+                </a:extLst>
+              </p:cNvPr>
+              <p:cNvCxnSpPr/>
+              <p:nvPr/>
+            </p:nvCxnSpPr>
+            <p:spPr>
+              <a:xfrm>
+                <a:off x="6269195" y="4879904"/>
+                <a:ext cx="0" cy="528675"/>
+              </a:xfrm>
+              <a:prstGeom prst="line">
+                <a:avLst/>
+              </a:prstGeom>
+              <a:ln w="76200">
+                <a:solidFill>
+                  <a:schemeClr val="bg1"/>
+                </a:solidFill>
+              </a:ln>
+            </p:spPr>
+            <p:style>
+              <a:lnRef idx="1">
+                <a:schemeClr val="accent1"/>
+              </a:lnRef>
+              <a:fillRef idx="0">
+                <a:schemeClr val="accent1"/>
+              </a:fillRef>
+              <a:effectRef idx="0">
+                <a:schemeClr val="accent1"/>
+              </a:effectRef>
+              <a:fontRef idx="minor">
+                <a:schemeClr val="tx1"/>
+              </a:fontRef>
+            </p:style>
+          </p:cxnSp>
+          <p:cxnSp>
+            <p:nvCxnSpPr>
+              <p:cNvPr id="98" name="直線コネクタ 97">
+                <a:extLst>
+                  <a:ext uri="{FF2B5EF4-FFF2-40B4-BE49-F238E27FC236}">
+                    <a16:creationId xmlns:a16="http://schemas.microsoft.com/office/drawing/2014/main" id="{0FF0BE9F-9C2A-4CA4-AFA7-08449DA67567}"/>
+                  </a:ext>
+                </a:extLst>
+              </p:cNvPr>
+              <p:cNvCxnSpPr/>
+              <p:nvPr/>
+            </p:nvCxnSpPr>
+            <p:spPr>
+              <a:xfrm>
+                <a:off x="6434925" y="4879903"/>
+                <a:ext cx="0" cy="528675"/>
+              </a:xfrm>
+              <a:prstGeom prst="line">
+                <a:avLst/>
+              </a:prstGeom>
+              <a:ln w="76200">
+                <a:solidFill>
+                  <a:schemeClr val="bg1"/>
+                </a:solidFill>
+              </a:ln>
+            </p:spPr>
+            <p:style>
+              <a:lnRef idx="1">
+                <a:schemeClr val="accent1"/>
+              </a:lnRef>
+              <a:fillRef idx="0">
+                <a:schemeClr val="accent1"/>
+              </a:fillRef>
+              <a:effectRef idx="0">
+                <a:schemeClr val="accent1"/>
+              </a:effectRef>
+              <a:fontRef idx="minor">
+                <a:schemeClr val="tx1"/>
+              </a:fontRef>
+            </p:style>
+          </p:cxnSp>
+          <p:cxnSp>
+            <p:nvCxnSpPr>
+              <p:cNvPr id="99" name="直線コネクタ 98">
+                <a:extLst>
+                  <a:ext uri="{FF2B5EF4-FFF2-40B4-BE49-F238E27FC236}">
+                    <a16:creationId xmlns:a16="http://schemas.microsoft.com/office/drawing/2014/main" id="{E816847D-971E-4B47-B822-3D3BFF798B36}"/>
+                  </a:ext>
+                </a:extLst>
+              </p:cNvPr>
+              <p:cNvCxnSpPr/>
+              <p:nvPr/>
+            </p:nvCxnSpPr>
+            <p:spPr>
+              <a:xfrm>
+                <a:off x="6599322" y="4879903"/>
+                <a:ext cx="0" cy="528675"/>
+              </a:xfrm>
+              <a:prstGeom prst="line">
+                <a:avLst/>
+              </a:prstGeom>
+              <a:ln w="76200">
+                <a:solidFill>
+                  <a:schemeClr val="bg1"/>
+                </a:solidFill>
+              </a:ln>
+            </p:spPr>
+            <p:style>
+              <a:lnRef idx="1">
+                <a:schemeClr val="accent1"/>
+              </a:lnRef>
+              <a:fillRef idx="0">
+                <a:schemeClr val="accent1"/>
+              </a:fillRef>
+              <a:effectRef idx="0">
+                <a:schemeClr val="accent1"/>
+              </a:effectRef>
+              <a:fontRef idx="minor">
+                <a:schemeClr val="tx1"/>
+              </a:fontRef>
+            </p:style>
+          </p:cxnSp>
+          <p:cxnSp>
+            <p:nvCxnSpPr>
+              <p:cNvPr id="100" name="直線コネクタ 99">
+                <a:extLst>
+                  <a:ext uri="{FF2B5EF4-FFF2-40B4-BE49-F238E27FC236}">
+                    <a16:creationId xmlns:a16="http://schemas.microsoft.com/office/drawing/2014/main" id="{8675DA36-14FA-42EB-AAD8-BC7FA165D140}"/>
+                  </a:ext>
+                </a:extLst>
+              </p:cNvPr>
+              <p:cNvCxnSpPr/>
+              <p:nvPr/>
+            </p:nvCxnSpPr>
+            <p:spPr>
+              <a:xfrm>
+                <a:off x="6767717" y="4879903"/>
+                <a:ext cx="0" cy="528675"/>
+              </a:xfrm>
+              <a:prstGeom prst="line">
+                <a:avLst/>
+              </a:prstGeom>
+              <a:ln w="76200">
+                <a:solidFill>
+                  <a:schemeClr val="bg1"/>
+                </a:solidFill>
+              </a:ln>
+            </p:spPr>
+            <p:style>
+              <a:lnRef idx="1">
+                <a:schemeClr val="accent1"/>
+              </a:lnRef>
+              <a:fillRef idx="0">
+                <a:schemeClr val="accent1"/>
+              </a:fillRef>
+              <a:effectRef idx="0">
+                <a:schemeClr val="accent1"/>
+              </a:effectRef>
+              <a:fontRef idx="minor">
+                <a:schemeClr val="tx1"/>
+              </a:fontRef>
+            </p:style>
+          </p:cxnSp>
+          <p:cxnSp>
+            <p:nvCxnSpPr>
+              <p:cNvPr id="101" name="直線コネクタ 100">
+                <a:extLst>
+                  <a:ext uri="{FF2B5EF4-FFF2-40B4-BE49-F238E27FC236}">
+                    <a16:creationId xmlns:a16="http://schemas.microsoft.com/office/drawing/2014/main" id="{D614D7D1-15AE-4432-8EDE-4A9B6CEADF62}"/>
+                  </a:ext>
+                </a:extLst>
+              </p:cNvPr>
+              <p:cNvCxnSpPr/>
+              <p:nvPr/>
+            </p:nvCxnSpPr>
+            <p:spPr>
+              <a:xfrm>
+                <a:off x="6928114" y="4879903"/>
+                <a:ext cx="0" cy="528675"/>
+              </a:xfrm>
+              <a:prstGeom prst="line">
+                <a:avLst/>
+              </a:prstGeom>
+              <a:ln w="76200">
+                <a:solidFill>
+                  <a:schemeClr val="bg1"/>
+                </a:solidFill>
+              </a:ln>
+            </p:spPr>
+            <p:style>
+              <a:lnRef idx="1">
+                <a:schemeClr val="accent1"/>
+              </a:lnRef>
+              <a:fillRef idx="0">
+                <a:schemeClr val="accent1"/>
+              </a:fillRef>
+              <a:effectRef idx="0">
+                <a:schemeClr val="accent1"/>
+              </a:effectRef>
+              <a:fontRef idx="minor">
+                <a:schemeClr val="tx1"/>
+              </a:fontRef>
+            </p:style>
+          </p:cxnSp>
+          <p:cxnSp>
+            <p:nvCxnSpPr>
+              <p:cNvPr id="102" name="直線コネクタ 101">
+                <a:extLst>
+                  <a:ext uri="{FF2B5EF4-FFF2-40B4-BE49-F238E27FC236}">
+                    <a16:creationId xmlns:a16="http://schemas.microsoft.com/office/drawing/2014/main" id="{91EA5E18-085B-4AAB-A6A7-8416276951B8}"/>
+                  </a:ext>
+                </a:extLst>
+              </p:cNvPr>
+              <p:cNvCxnSpPr/>
+              <p:nvPr/>
+            </p:nvCxnSpPr>
+            <p:spPr>
+              <a:xfrm>
+                <a:off x="7093844" y="4879902"/>
+                <a:ext cx="0" cy="528675"/>
+              </a:xfrm>
+              <a:prstGeom prst="line">
+                <a:avLst/>
+              </a:prstGeom>
+              <a:ln w="76200">
+                <a:solidFill>
+                  <a:schemeClr val="bg1"/>
+                </a:solidFill>
+              </a:ln>
+            </p:spPr>
+            <p:style>
+              <a:lnRef idx="1">
+                <a:schemeClr val="accent1"/>
+              </a:lnRef>
+              <a:fillRef idx="0">
+                <a:schemeClr val="accent1"/>
+              </a:fillRef>
+              <a:effectRef idx="0">
+                <a:schemeClr val="accent1"/>
+              </a:effectRef>
+              <a:fontRef idx="minor">
+                <a:schemeClr val="tx1"/>
+              </a:fontRef>
+            </p:style>
+          </p:cxnSp>
+        </p:grpSp>
+      </p:grpSp>
+      <p:grpSp>
+        <p:nvGrpSpPr>
+          <p:cNvPr id="105" name="グループ化 104">
+            <a:extLst>
+              <a:ext uri="{FF2B5EF4-FFF2-40B4-BE49-F238E27FC236}">
+                <a16:creationId xmlns:a16="http://schemas.microsoft.com/office/drawing/2014/main" id="{3590E915-129C-45E8-9ED1-CD3A4188A9CA}"/>
+              </a:ext>
+            </a:extLst>
+          </p:cNvPr>
+          <p:cNvGrpSpPr/>
+          <p:nvPr/>
+        </p:nvGrpSpPr>
+        <p:grpSpPr>
+          <a:xfrm>
+            <a:off x="10520023" y="4917144"/>
+            <a:ext cx="2888011" cy="2814337"/>
+            <a:chOff x="5057285" y="4895725"/>
+            <a:chExt cx="2888011" cy="2814337"/>
+          </a:xfrm>
+        </p:grpSpPr>
+        <p:grpSp>
+          <p:nvGrpSpPr>
+            <p:cNvPr id="106" name="グループ化 105">
+              <a:extLst>
+                <a:ext uri="{FF2B5EF4-FFF2-40B4-BE49-F238E27FC236}">
+                  <a16:creationId xmlns:a16="http://schemas.microsoft.com/office/drawing/2014/main" id="{52535E3A-A6A7-4B7D-9D41-76FB8CC42C82}"/>
+                </a:ext>
+              </a:extLst>
+            </p:cNvPr>
+            <p:cNvGrpSpPr/>
+            <p:nvPr/>
+          </p:nvGrpSpPr>
+          <p:grpSpPr>
+            <a:xfrm>
+              <a:off x="5913030" y="4895725"/>
+              <a:ext cx="1153441" cy="528677"/>
+              <a:chOff x="5940403" y="4879902"/>
+              <a:chExt cx="1153441" cy="528677"/>
+            </a:xfrm>
+          </p:grpSpPr>
+          <p:cxnSp>
+            <p:nvCxnSpPr>
+              <p:cNvPr id="134" name="直線コネクタ 133">
+                <a:extLst>
+                  <a:ext uri="{FF2B5EF4-FFF2-40B4-BE49-F238E27FC236}">
+                    <a16:creationId xmlns:a16="http://schemas.microsoft.com/office/drawing/2014/main" id="{8D16B53D-A645-4649-9456-0063985A8E51}"/>
+                  </a:ext>
+                </a:extLst>
+              </p:cNvPr>
+              <p:cNvCxnSpPr/>
+              <p:nvPr/>
+            </p:nvCxnSpPr>
+            <p:spPr>
+              <a:xfrm>
+                <a:off x="5940403" y="4879904"/>
+                <a:ext cx="0" cy="528675"/>
+              </a:xfrm>
+              <a:prstGeom prst="line">
+                <a:avLst/>
+              </a:prstGeom>
+              <a:ln w="76200">
+                <a:solidFill>
+                  <a:schemeClr val="bg1"/>
+                </a:solidFill>
+              </a:ln>
+            </p:spPr>
+            <p:style>
+              <a:lnRef idx="1">
+                <a:schemeClr val="accent1"/>
+              </a:lnRef>
+              <a:fillRef idx="0">
+                <a:schemeClr val="accent1"/>
+              </a:fillRef>
+              <a:effectRef idx="0">
+                <a:schemeClr val="accent1"/>
+              </a:effectRef>
+              <a:fontRef idx="minor">
+                <a:schemeClr val="tx1"/>
+              </a:fontRef>
+            </p:style>
+          </p:cxnSp>
+          <p:cxnSp>
+            <p:nvCxnSpPr>
+              <p:cNvPr id="135" name="直線コネクタ 134">
+                <a:extLst>
+                  <a:ext uri="{FF2B5EF4-FFF2-40B4-BE49-F238E27FC236}">
+                    <a16:creationId xmlns:a16="http://schemas.microsoft.com/office/drawing/2014/main" id="{A494A4FA-626A-4E98-A23E-10CABDA6095E}"/>
+                  </a:ext>
+                </a:extLst>
+              </p:cNvPr>
+              <p:cNvCxnSpPr/>
+              <p:nvPr/>
+            </p:nvCxnSpPr>
+            <p:spPr>
+              <a:xfrm>
+                <a:off x="6108798" y="4879904"/>
+                <a:ext cx="0" cy="528675"/>
+              </a:xfrm>
+              <a:prstGeom prst="line">
+                <a:avLst/>
+              </a:prstGeom>
+              <a:ln w="76200">
+                <a:solidFill>
+                  <a:schemeClr val="bg1"/>
+                </a:solidFill>
+              </a:ln>
+            </p:spPr>
+            <p:style>
+              <a:lnRef idx="1">
+                <a:schemeClr val="accent1"/>
+              </a:lnRef>
+              <a:fillRef idx="0">
+                <a:schemeClr val="accent1"/>
+              </a:fillRef>
+              <a:effectRef idx="0">
+                <a:schemeClr val="accent1"/>
+              </a:effectRef>
+              <a:fontRef idx="minor">
+                <a:schemeClr val="tx1"/>
+              </a:fontRef>
+            </p:style>
+          </p:cxnSp>
+          <p:cxnSp>
+            <p:nvCxnSpPr>
+              <p:cNvPr id="136" name="直線コネクタ 135">
+                <a:extLst>
+                  <a:ext uri="{FF2B5EF4-FFF2-40B4-BE49-F238E27FC236}">
+                    <a16:creationId xmlns:a16="http://schemas.microsoft.com/office/drawing/2014/main" id="{2C080431-7F09-48DB-8F79-077A305F7C61}"/>
+                  </a:ext>
+                </a:extLst>
+              </p:cNvPr>
+              <p:cNvCxnSpPr/>
+              <p:nvPr/>
+            </p:nvCxnSpPr>
+            <p:spPr>
+              <a:xfrm>
+                <a:off x="6269195" y="4879904"/>
+                <a:ext cx="0" cy="528675"/>
+              </a:xfrm>
+              <a:prstGeom prst="line">
+                <a:avLst/>
+              </a:prstGeom>
+              <a:ln w="76200">
+                <a:solidFill>
+                  <a:schemeClr val="bg1"/>
+                </a:solidFill>
+              </a:ln>
+            </p:spPr>
+            <p:style>
+              <a:lnRef idx="1">
+                <a:schemeClr val="accent1"/>
+              </a:lnRef>
+              <a:fillRef idx="0">
+                <a:schemeClr val="accent1"/>
+              </a:fillRef>
+              <a:effectRef idx="0">
+                <a:schemeClr val="accent1"/>
+              </a:effectRef>
+              <a:fontRef idx="minor">
+                <a:schemeClr val="tx1"/>
+              </a:fontRef>
+            </p:style>
+          </p:cxnSp>
+          <p:cxnSp>
+            <p:nvCxnSpPr>
+              <p:cNvPr id="137" name="直線コネクタ 136">
+                <a:extLst>
+                  <a:ext uri="{FF2B5EF4-FFF2-40B4-BE49-F238E27FC236}">
+                    <a16:creationId xmlns:a16="http://schemas.microsoft.com/office/drawing/2014/main" id="{15923E60-78CE-4E65-BA5E-E2605FA000AF}"/>
+                  </a:ext>
+                </a:extLst>
+              </p:cNvPr>
+              <p:cNvCxnSpPr/>
+              <p:nvPr/>
+            </p:nvCxnSpPr>
+            <p:spPr>
+              <a:xfrm>
+                <a:off x="6434925" y="4879903"/>
+                <a:ext cx="0" cy="528675"/>
+              </a:xfrm>
+              <a:prstGeom prst="line">
+                <a:avLst/>
+              </a:prstGeom>
+              <a:ln w="76200">
+                <a:solidFill>
+                  <a:schemeClr val="bg1"/>
+                </a:solidFill>
+              </a:ln>
+            </p:spPr>
+            <p:style>
+              <a:lnRef idx="1">
+                <a:schemeClr val="accent1"/>
+              </a:lnRef>
+              <a:fillRef idx="0">
+                <a:schemeClr val="accent1"/>
+              </a:fillRef>
+              <a:effectRef idx="0">
+                <a:schemeClr val="accent1"/>
+              </a:effectRef>
+              <a:fontRef idx="minor">
+                <a:schemeClr val="tx1"/>
+              </a:fontRef>
+            </p:style>
+          </p:cxnSp>
+          <p:cxnSp>
+            <p:nvCxnSpPr>
+              <p:cNvPr id="138" name="直線コネクタ 137">
+                <a:extLst>
+                  <a:ext uri="{FF2B5EF4-FFF2-40B4-BE49-F238E27FC236}">
+                    <a16:creationId xmlns:a16="http://schemas.microsoft.com/office/drawing/2014/main" id="{A102A39A-FF67-461B-B394-B8E6CD1A4AC0}"/>
+                  </a:ext>
+                </a:extLst>
+              </p:cNvPr>
+              <p:cNvCxnSpPr/>
+              <p:nvPr/>
+            </p:nvCxnSpPr>
+            <p:spPr>
+              <a:xfrm>
+                <a:off x="6599322" y="4879903"/>
+                <a:ext cx="0" cy="528675"/>
+              </a:xfrm>
+              <a:prstGeom prst="line">
+                <a:avLst/>
+              </a:prstGeom>
+              <a:ln w="76200">
+                <a:solidFill>
+                  <a:schemeClr val="bg1"/>
+                </a:solidFill>
+              </a:ln>
+            </p:spPr>
+            <p:style>
+              <a:lnRef idx="1">
+                <a:schemeClr val="accent1"/>
+              </a:lnRef>
+              <a:fillRef idx="0">
+                <a:schemeClr val="accent1"/>
+              </a:fillRef>
+              <a:effectRef idx="0">
+                <a:schemeClr val="accent1"/>
+              </a:effectRef>
+              <a:fontRef idx="minor">
+                <a:schemeClr val="tx1"/>
+              </a:fontRef>
+            </p:style>
+          </p:cxnSp>
+          <p:cxnSp>
+            <p:nvCxnSpPr>
+              <p:cNvPr id="139" name="直線コネクタ 138">
+                <a:extLst>
+                  <a:ext uri="{FF2B5EF4-FFF2-40B4-BE49-F238E27FC236}">
+                    <a16:creationId xmlns:a16="http://schemas.microsoft.com/office/drawing/2014/main" id="{1B6E9BFE-CDB1-4E00-9700-F3C07A69BE6B}"/>
+                  </a:ext>
+                </a:extLst>
+              </p:cNvPr>
+              <p:cNvCxnSpPr/>
+              <p:nvPr/>
+            </p:nvCxnSpPr>
+            <p:spPr>
+              <a:xfrm>
+                <a:off x="6767717" y="4879903"/>
+                <a:ext cx="0" cy="528675"/>
+              </a:xfrm>
+              <a:prstGeom prst="line">
+                <a:avLst/>
+              </a:prstGeom>
+              <a:ln w="76200">
+                <a:solidFill>
+                  <a:schemeClr val="bg1"/>
+                </a:solidFill>
+              </a:ln>
+            </p:spPr>
+            <p:style>
+              <a:lnRef idx="1">
+                <a:schemeClr val="accent1"/>
+              </a:lnRef>
+              <a:fillRef idx="0">
+                <a:schemeClr val="accent1"/>
+              </a:fillRef>
+              <a:effectRef idx="0">
+                <a:schemeClr val="accent1"/>
+              </a:effectRef>
+              <a:fontRef idx="minor">
+                <a:schemeClr val="tx1"/>
+              </a:fontRef>
+            </p:style>
+          </p:cxnSp>
+          <p:cxnSp>
+            <p:nvCxnSpPr>
+              <p:cNvPr id="140" name="直線コネクタ 139">
+                <a:extLst>
+                  <a:ext uri="{FF2B5EF4-FFF2-40B4-BE49-F238E27FC236}">
+                    <a16:creationId xmlns:a16="http://schemas.microsoft.com/office/drawing/2014/main" id="{741B61CB-219D-40F8-B06E-D8385A1CBC1A}"/>
+                  </a:ext>
+                </a:extLst>
+              </p:cNvPr>
+              <p:cNvCxnSpPr/>
+              <p:nvPr/>
+            </p:nvCxnSpPr>
+            <p:spPr>
+              <a:xfrm>
+                <a:off x="6928114" y="4879903"/>
+                <a:ext cx="0" cy="528675"/>
+              </a:xfrm>
+              <a:prstGeom prst="line">
+                <a:avLst/>
+              </a:prstGeom>
+              <a:ln w="76200">
+                <a:solidFill>
+                  <a:schemeClr val="bg1"/>
+                </a:solidFill>
+              </a:ln>
+            </p:spPr>
+            <p:style>
+              <a:lnRef idx="1">
+                <a:schemeClr val="accent1"/>
+              </a:lnRef>
+              <a:fillRef idx="0">
+                <a:schemeClr val="accent1"/>
+              </a:fillRef>
+              <a:effectRef idx="0">
+                <a:schemeClr val="accent1"/>
+              </a:effectRef>
+              <a:fontRef idx="minor">
+                <a:schemeClr val="tx1"/>
+              </a:fontRef>
+            </p:style>
+          </p:cxnSp>
+          <p:cxnSp>
+            <p:nvCxnSpPr>
+              <p:cNvPr id="141" name="直線コネクタ 140">
+                <a:extLst>
+                  <a:ext uri="{FF2B5EF4-FFF2-40B4-BE49-F238E27FC236}">
+                    <a16:creationId xmlns:a16="http://schemas.microsoft.com/office/drawing/2014/main" id="{AC08087D-7CD8-485A-B413-A9E6FBAF7CDE}"/>
+                  </a:ext>
+                </a:extLst>
+              </p:cNvPr>
+              <p:cNvCxnSpPr/>
+              <p:nvPr/>
+            </p:nvCxnSpPr>
+            <p:spPr>
+              <a:xfrm>
+                <a:off x="7093844" y="4879902"/>
+                <a:ext cx="0" cy="528675"/>
+              </a:xfrm>
+              <a:prstGeom prst="line">
+                <a:avLst/>
+              </a:prstGeom>
+              <a:ln w="76200">
+                <a:solidFill>
+                  <a:schemeClr val="bg1"/>
+                </a:solidFill>
+              </a:ln>
+            </p:spPr>
+            <p:style>
+              <a:lnRef idx="1">
+                <a:schemeClr val="accent1"/>
+              </a:lnRef>
+              <a:fillRef idx="0">
+                <a:schemeClr val="accent1"/>
+              </a:fillRef>
+              <a:effectRef idx="0">
+                <a:schemeClr val="accent1"/>
+              </a:effectRef>
+              <a:fontRef idx="minor">
+                <a:schemeClr val="tx1"/>
+              </a:fontRef>
+            </p:style>
+          </p:cxnSp>
+        </p:grpSp>
+        <p:grpSp>
+          <p:nvGrpSpPr>
+            <p:cNvPr id="107" name="グループ化 106">
+              <a:extLst>
+                <a:ext uri="{FF2B5EF4-FFF2-40B4-BE49-F238E27FC236}">
+                  <a16:creationId xmlns:a16="http://schemas.microsoft.com/office/drawing/2014/main" id="{07725A19-4081-4866-99B8-A7E3375AC2AE}"/>
+                </a:ext>
+              </a:extLst>
+            </p:cNvPr>
+            <p:cNvGrpSpPr/>
+            <p:nvPr/>
+          </p:nvGrpSpPr>
+          <p:grpSpPr>
+            <a:xfrm rot="5400000">
+              <a:off x="4744903" y="5979306"/>
+              <a:ext cx="1153441" cy="528677"/>
+              <a:chOff x="5940403" y="4879902"/>
+              <a:chExt cx="1153441" cy="528677"/>
+            </a:xfrm>
+          </p:grpSpPr>
+          <p:cxnSp>
+            <p:nvCxnSpPr>
+              <p:cNvPr id="126" name="直線コネクタ 125">
+                <a:extLst>
+                  <a:ext uri="{FF2B5EF4-FFF2-40B4-BE49-F238E27FC236}">
+                    <a16:creationId xmlns:a16="http://schemas.microsoft.com/office/drawing/2014/main" id="{CCFFDB75-404C-4A5A-896F-F9939ECEA6FF}"/>
+                  </a:ext>
+                </a:extLst>
+              </p:cNvPr>
+              <p:cNvCxnSpPr/>
+              <p:nvPr/>
+            </p:nvCxnSpPr>
+            <p:spPr>
+              <a:xfrm>
+                <a:off x="5940403" y="4879904"/>
+                <a:ext cx="0" cy="528675"/>
+              </a:xfrm>
+              <a:prstGeom prst="line">
+                <a:avLst/>
+              </a:prstGeom>
+              <a:ln w="76200">
+                <a:solidFill>
+                  <a:schemeClr val="bg1"/>
+                </a:solidFill>
+              </a:ln>
+            </p:spPr>
+            <p:style>
+              <a:lnRef idx="1">
+                <a:schemeClr val="accent1"/>
+              </a:lnRef>
+              <a:fillRef idx="0">
+                <a:schemeClr val="accent1"/>
+              </a:fillRef>
+              <a:effectRef idx="0">
+                <a:schemeClr val="accent1"/>
+              </a:effectRef>
+              <a:fontRef idx="minor">
+                <a:schemeClr val="tx1"/>
+              </a:fontRef>
+            </p:style>
+          </p:cxnSp>
+          <p:cxnSp>
+            <p:nvCxnSpPr>
+              <p:cNvPr id="127" name="直線コネクタ 126">
+                <a:extLst>
+                  <a:ext uri="{FF2B5EF4-FFF2-40B4-BE49-F238E27FC236}">
+                    <a16:creationId xmlns:a16="http://schemas.microsoft.com/office/drawing/2014/main" id="{6618744F-0EE7-42CC-A3D7-322D8EBC8CBF}"/>
+                  </a:ext>
+                </a:extLst>
+              </p:cNvPr>
+              <p:cNvCxnSpPr/>
+              <p:nvPr/>
+            </p:nvCxnSpPr>
+            <p:spPr>
+              <a:xfrm>
+                <a:off x="6108798" y="4879904"/>
+                <a:ext cx="0" cy="528675"/>
+              </a:xfrm>
+              <a:prstGeom prst="line">
+                <a:avLst/>
+              </a:prstGeom>
+              <a:ln w="76200">
+                <a:solidFill>
+                  <a:schemeClr val="bg1"/>
+                </a:solidFill>
+              </a:ln>
+            </p:spPr>
+            <p:style>
+              <a:lnRef idx="1">
+                <a:schemeClr val="accent1"/>
+              </a:lnRef>
+              <a:fillRef idx="0">
+                <a:schemeClr val="accent1"/>
+              </a:fillRef>
+              <a:effectRef idx="0">
+                <a:schemeClr val="accent1"/>
+              </a:effectRef>
+              <a:fontRef idx="minor">
+                <a:schemeClr val="tx1"/>
+              </a:fontRef>
+            </p:style>
+          </p:cxnSp>
+          <p:cxnSp>
+            <p:nvCxnSpPr>
+              <p:cNvPr id="128" name="直線コネクタ 127">
+                <a:extLst>
+                  <a:ext uri="{FF2B5EF4-FFF2-40B4-BE49-F238E27FC236}">
+                    <a16:creationId xmlns:a16="http://schemas.microsoft.com/office/drawing/2014/main" id="{9269FE9F-9AD8-43EB-9088-DBEFCB36E388}"/>
+                  </a:ext>
+                </a:extLst>
+              </p:cNvPr>
+              <p:cNvCxnSpPr/>
+              <p:nvPr/>
+            </p:nvCxnSpPr>
+            <p:spPr>
+              <a:xfrm>
+                <a:off x="6269195" y="4879904"/>
+                <a:ext cx="0" cy="528675"/>
+              </a:xfrm>
+              <a:prstGeom prst="line">
+                <a:avLst/>
+              </a:prstGeom>
+              <a:ln w="76200">
+                <a:solidFill>
+                  <a:schemeClr val="bg1"/>
+                </a:solidFill>
+              </a:ln>
+            </p:spPr>
+            <p:style>
+              <a:lnRef idx="1">
+                <a:schemeClr val="accent1"/>
+              </a:lnRef>
+              <a:fillRef idx="0">
+                <a:schemeClr val="accent1"/>
+              </a:fillRef>
+              <a:effectRef idx="0">
+                <a:schemeClr val="accent1"/>
+              </a:effectRef>
+              <a:fontRef idx="minor">
+                <a:schemeClr val="tx1"/>
+              </a:fontRef>
+            </p:style>
+          </p:cxnSp>
+          <p:cxnSp>
+            <p:nvCxnSpPr>
+              <p:cNvPr id="129" name="直線コネクタ 128">
+                <a:extLst>
+                  <a:ext uri="{FF2B5EF4-FFF2-40B4-BE49-F238E27FC236}">
+                    <a16:creationId xmlns:a16="http://schemas.microsoft.com/office/drawing/2014/main" id="{BF46CF4D-E1E0-49B1-A7E0-E584E7C903B9}"/>
+                  </a:ext>
+                </a:extLst>
+              </p:cNvPr>
+              <p:cNvCxnSpPr/>
+              <p:nvPr/>
+            </p:nvCxnSpPr>
+            <p:spPr>
+              <a:xfrm>
+                <a:off x="6434925" y="4879903"/>
+                <a:ext cx="0" cy="528675"/>
+              </a:xfrm>
+              <a:prstGeom prst="line">
+                <a:avLst/>
+              </a:prstGeom>
+              <a:ln w="76200">
+                <a:solidFill>
+                  <a:schemeClr val="bg1"/>
+                </a:solidFill>
+              </a:ln>
+            </p:spPr>
+            <p:style>
+              <a:lnRef idx="1">
+                <a:schemeClr val="accent1"/>
+              </a:lnRef>
+              <a:fillRef idx="0">
+                <a:schemeClr val="accent1"/>
+              </a:fillRef>
+              <a:effectRef idx="0">
+                <a:schemeClr val="accent1"/>
+              </a:effectRef>
+              <a:fontRef idx="minor">
+                <a:schemeClr val="tx1"/>
+              </a:fontRef>
+            </p:style>
+          </p:cxnSp>
+          <p:cxnSp>
+            <p:nvCxnSpPr>
+              <p:cNvPr id="130" name="直線コネクタ 129">
+                <a:extLst>
+                  <a:ext uri="{FF2B5EF4-FFF2-40B4-BE49-F238E27FC236}">
+                    <a16:creationId xmlns:a16="http://schemas.microsoft.com/office/drawing/2014/main" id="{00E6A01F-5F28-461A-AFE6-FA88FFB2FD15}"/>
+                  </a:ext>
+                </a:extLst>
+              </p:cNvPr>
+              <p:cNvCxnSpPr/>
+              <p:nvPr/>
+            </p:nvCxnSpPr>
+            <p:spPr>
+              <a:xfrm>
+                <a:off x="6599322" y="4879903"/>
+                <a:ext cx="0" cy="528675"/>
+              </a:xfrm>
+              <a:prstGeom prst="line">
+                <a:avLst/>
+              </a:prstGeom>
+              <a:ln w="76200">
+                <a:solidFill>
+                  <a:schemeClr val="bg1"/>
+                </a:solidFill>
+              </a:ln>
+            </p:spPr>
+            <p:style>
+              <a:lnRef idx="1">
+                <a:schemeClr val="accent1"/>
+              </a:lnRef>
+              <a:fillRef idx="0">
+                <a:schemeClr val="accent1"/>
+              </a:fillRef>
+              <a:effectRef idx="0">
+                <a:schemeClr val="accent1"/>
+              </a:effectRef>
+              <a:fontRef idx="minor">
+                <a:schemeClr val="tx1"/>
+              </a:fontRef>
+            </p:style>
+          </p:cxnSp>
+          <p:cxnSp>
+            <p:nvCxnSpPr>
+              <p:cNvPr id="131" name="直線コネクタ 130">
+                <a:extLst>
+                  <a:ext uri="{FF2B5EF4-FFF2-40B4-BE49-F238E27FC236}">
+                    <a16:creationId xmlns:a16="http://schemas.microsoft.com/office/drawing/2014/main" id="{6B76B4F8-0E17-4B82-A59C-857205FDF2F8}"/>
+                  </a:ext>
+                </a:extLst>
+              </p:cNvPr>
+              <p:cNvCxnSpPr/>
+              <p:nvPr/>
+            </p:nvCxnSpPr>
+            <p:spPr>
+              <a:xfrm>
+                <a:off x="6767717" y="4879903"/>
+                <a:ext cx="0" cy="528675"/>
+              </a:xfrm>
+              <a:prstGeom prst="line">
+                <a:avLst/>
+              </a:prstGeom>
+              <a:ln w="76200">
+                <a:solidFill>
+                  <a:schemeClr val="bg1"/>
+                </a:solidFill>
+              </a:ln>
+            </p:spPr>
+            <p:style>
+              <a:lnRef idx="1">
+                <a:schemeClr val="accent1"/>
+              </a:lnRef>
+              <a:fillRef idx="0">
+                <a:schemeClr val="accent1"/>
+              </a:fillRef>
+              <a:effectRef idx="0">
+                <a:schemeClr val="accent1"/>
+              </a:effectRef>
+              <a:fontRef idx="minor">
+                <a:schemeClr val="tx1"/>
+              </a:fontRef>
+            </p:style>
+          </p:cxnSp>
+          <p:cxnSp>
+            <p:nvCxnSpPr>
+              <p:cNvPr id="132" name="直線コネクタ 131">
+                <a:extLst>
+                  <a:ext uri="{FF2B5EF4-FFF2-40B4-BE49-F238E27FC236}">
+                    <a16:creationId xmlns:a16="http://schemas.microsoft.com/office/drawing/2014/main" id="{B8FFE604-2714-487A-96EA-A1AFEA71A383}"/>
+                  </a:ext>
+                </a:extLst>
+              </p:cNvPr>
+              <p:cNvCxnSpPr/>
+              <p:nvPr/>
+            </p:nvCxnSpPr>
+            <p:spPr>
+              <a:xfrm>
+                <a:off x="6928114" y="4879903"/>
+                <a:ext cx="0" cy="528675"/>
+              </a:xfrm>
+              <a:prstGeom prst="line">
+                <a:avLst/>
+              </a:prstGeom>
+              <a:ln w="76200">
+                <a:solidFill>
+                  <a:schemeClr val="bg1"/>
+                </a:solidFill>
+              </a:ln>
+            </p:spPr>
+            <p:style>
+              <a:lnRef idx="1">
+                <a:schemeClr val="accent1"/>
+              </a:lnRef>
+              <a:fillRef idx="0">
+                <a:schemeClr val="accent1"/>
+              </a:fillRef>
+              <a:effectRef idx="0">
+                <a:schemeClr val="accent1"/>
+              </a:effectRef>
+              <a:fontRef idx="minor">
+                <a:schemeClr val="tx1"/>
+              </a:fontRef>
+            </p:style>
+          </p:cxnSp>
+          <p:cxnSp>
+            <p:nvCxnSpPr>
+              <p:cNvPr id="133" name="直線コネクタ 132">
+                <a:extLst>
+                  <a:ext uri="{FF2B5EF4-FFF2-40B4-BE49-F238E27FC236}">
+                    <a16:creationId xmlns:a16="http://schemas.microsoft.com/office/drawing/2014/main" id="{A5F41C43-7749-41DC-898A-4202B28E6AD8}"/>
+                  </a:ext>
+                </a:extLst>
+              </p:cNvPr>
+              <p:cNvCxnSpPr/>
+              <p:nvPr/>
+            </p:nvCxnSpPr>
+            <p:spPr>
+              <a:xfrm>
+                <a:off x="7093844" y="4879902"/>
+                <a:ext cx="0" cy="528675"/>
+              </a:xfrm>
+              <a:prstGeom prst="line">
+                <a:avLst/>
+              </a:prstGeom>
+              <a:ln w="76200">
+                <a:solidFill>
+                  <a:schemeClr val="bg1"/>
+                </a:solidFill>
+              </a:ln>
+            </p:spPr>
+            <p:style>
+              <a:lnRef idx="1">
+                <a:schemeClr val="accent1"/>
+              </a:lnRef>
+              <a:fillRef idx="0">
+                <a:schemeClr val="accent1"/>
+              </a:fillRef>
+              <a:effectRef idx="0">
+                <a:schemeClr val="accent1"/>
+              </a:effectRef>
+              <a:fontRef idx="minor">
+                <a:schemeClr val="tx1"/>
+              </a:fontRef>
+            </p:style>
+          </p:cxnSp>
+        </p:grpSp>
+        <p:grpSp>
+          <p:nvGrpSpPr>
+            <p:cNvPr id="108" name="グループ化 107">
+              <a:extLst>
+                <a:ext uri="{FF2B5EF4-FFF2-40B4-BE49-F238E27FC236}">
+                  <a16:creationId xmlns:a16="http://schemas.microsoft.com/office/drawing/2014/main" id="{B171EF56-FE1C-4B0B-850C-C66F1213D514}"/>
+                </a:ext>
+              </a:extLst>
+            </p:cNvPr>
+            <p:cNvGrpSpPr/>
+            <p:nvPr/>
+          </p:nvGrpSpPr>
+          <p:grpSpPr>
+            <a:xfrm>
+              <a:off x="5916171" y="7181385"/>
+              <a:ext cx="1153441" cy="528677"/>
+              <a:chOff x="5940403" y="4879902"/>
+              <a:chExt cx="1153441" cy="528677"/>
+            </a:xfrm>
+          </p:grpSpPr>
+          <p:cxnSp>
+            <p:nvCxnSpPr>
+              <p:cNvPr id="118" name="直線コネクタ 117">
+                <a:extLst>
+                  <a:ext uri="{FF2B5EF4-FFF2-40B4-BE49-F238E27FC236}">
+                    <a16:creationId xmlns:a16="http://schemas.microsoft.com/office/drawing/2014/main" id="{7152BEBC-0CD1-4486-A124-0200DD9B100C}"/>
+                  </a:ext>
+                </a:extLst>
+              </p:cNvPr>
+              <p:cNvCxnSpPr/>
+              <p:nvPr/>
+            </p:nvCxnSpPr>
+            <p:spPr>
+              <a:xfrm>
+                <a:off x="5940403" y="4879904"/>
+                <a:ext cx="0" cy="528675"/>
+              </a:xfrm>
+              <a:prstGeom prst="line">
+                <a:avLst/>
+              </a:prstGeom>
+              <a:ln w="76200">
+                <a:solidFill>
+                  <a:schemeClr val="bg1"/>
+                </a:solidFill>
+              </a:ln>
+            </p:spPr>
+            <p:style>
+              <a:lnRef idx="1">
+                <a:schemeClr val="accent1"/>
+              </a:lnRef>
+              <a:fillRef idx="0">
+                <a:schemeClr val="accent1"/>
+              </a:fillRef>
+              <a:effectRef idx="0">
+                <a:schemeClr val="accent1"/>
+              </a:effectRef>
+              <a:fontRef idx="minor">
+                <a:schemeClr val="tx1"/>
+              </a:fontRef>
+            </p:style>
+          </p:cxnSp>
+          <p:cxnSp>
+            <p:nvCxnSpPr>
+              <p:cNvPr id="119" name="直線コネクタ 118">
+                <a:extLst>
+                  <a:ext uri="{FF2B5EF4-FFF2-40B4-BE49-F238E27FC236}">
+                    <a16:creationId xmlns:a16="http://schemas.microsoft.com/office/drawing/2014/main" id="{8B9F01F7-61F6-4C98-AA88-C63B9446E583}"/>
+                  </a:ext>
+                </a:extLst>
+              </p:cNvPr>
+              <p:cNvCxnSpPr/>
+              <p:nvPr/>
+            </p:nvCxnSpPr>
+            <p:spPr>
+              <a:xfrm>
+                <a:off x="6108798" y="4879904"/>
+                <a:ext cx="0" cy="528675"/>
+              </a:xfrm>
+              <a:prstGeom prst="line">
+                <a:avLst/>
+              </a:prstGeom>
+              <a:ln w="76200">
+                <a:solidFill>
+                  <a:schemeClr val="bg1"/>
+                </a:solidFill>
+              </a:ln>
+            </p:spPr>
+            <p:style>
+              <a:lnRef idx="1">
+                <a:schemeClr val="accent1"/>
+              </a:lnRef>
+              <a:fillRef idx="0">
+                <a:schemeClr val="accent1"/>
+              </a:fillRef>
+              <a:effectRef idx="0">
+                <a:schemeClr val="accent1"/>
+              </a:effectRef>
+              <a:fontRef idx="minor">
+                <a:schemeClr val="tx1"/>
+              </a:fontRef>
+            </p:style>
+          </p:cxnSp>
+          <p:cxnSp>
+            <p:nvCxnSpPr>
+              <p:cNvPr id="120" name="直線コネクタ 119">
+                <a:extLst>
+                  <a:ext uri="{FF2B5EF4-FFF2-40B4-BE49-F238E27FC236}">
+                    <a16:creationId xmlns:a16="http://schemas.microsoft.com/office/drawing/2014/main" id="{AC0F6C59-4B9D-44F0-8E53-D10A5E3A579C}"/>
+                  </a:ext>
+                </a:extLst>
+              </p:cNvPr>
+              <p:cNvCxnSpPr/>
+              <p:nvPr/>
+            </p:nvCxnSpPr>
+            <p:spPr>
+              <a:xfrm>
+                <a:off x="6269195" y="4879904"/>
+                <a:ext cx="0" cy="528675"/>
+              </a:xfrm>
+              <a:prstGeom prst="line">
+                <a:avLst/>
+              </a:prstGeom>
+              <a:ln w="76200">
+                <a:solidFill>
+                  <a:schemeClr val="bg1"/>
+                </a:solidFill>
+              </a:ln>
+            </p:spPr>
+            <p:style>
+              <a:lnRef idx="1">
+                <a:schemeClr val="accent1"/>
+              </a:lnRef>
+              <a:fillRef idx="0">
+                <a:schemeClr val="accent1"/>
+              </a:fillRef>
+              <a:effectRef idx="0">
+                <a:schemeClr val="accent1"/>
+              </a:effectRef>
+              <a:fontRef idx="minor">
+                <a:schemeClr val="tx1"/>
+              </a:fontRef>
+            </p:style>
+          </p:cxnSp>
+          <p:cxnSp>
+            <p:nvCxnSpPr>
+              <p:cNvPr id="121" name="直線コネクタ 120">
+                <a:extLst>
+                  <a:ext uri="{FF2B5EF4-FFF2-40B4-BE49-F238E27FC236}">
+                    <a16:creationId xmlns:a16="http://schemas.microsoft.com/office/drawing/2014/main" id="{8BDFEED4-446C-47AF-BA7A-CB5341634CAE}"/>
+                  </a:ext>
+                </a:extLst>
+              </p:cNvPr>
+              <p:cNvCxnSpPr/>
+              <p:nvPr/>
+            </p:nvCxnSpPr>
+            <p:spPr>
+              <a:xfrm>
+                <a:off x="6434925" y="4879903"/>
+                <a:ext cx="0" cy="528675"/>
+              </a:xfrm>
+              <a:prstGeom prst="line">
+                <a:avLst/>
+              </a:prstGeom>
+              <a:ln w="76200">
+                <a:solidFill>
+                  <a:schemeClr val="bg1"/>
+                </a:solidFill>
+              </a:ln>
+            </p:spPr>
+            <p:style>
+              <a:lnRef idx="1">
+                <a:schemeClr val="accent1"/>
+              </a:lnRef>
+              <a:fillRef idx="0">
+                <a:schemeClr val="accent1"/>
+              </a:fillRef>
+              <a:effectRef idx="0">
+                <a:schemeClr val="accent1"/>
+              </a:effectRef>
+              <a:fontRef idx="minor">
+                <a:schemeClr val="tx1"/>
+              </a:fontRef>
+            </p:style>
+          </p:cxnSp>
+          <p:cxnSp>
+            <p:nvCxnSpPr>
+              <p:cNvPr id="122" name="直線コネクタ 121">
+                <a:extLst>
+                  <a:ext uri="{FF2B5EF4-FFF2-40B4-BE49-F238E27FC236}">
+                    <a16:creationId xmlns:a16="http://schemas.microsoft.com/office/drawing/2014/main" id="{CD04F61C-3B17-4BA3-B236-911263811525}"/>
+                  </a:ext>
+                </a:extLst>
+              </p:cNvPr>
+              <p:cNvCxnSpPr/>
+              <p:nvPr/>
+            </p:nvCxnSpPr>
+            <p:spPr>
+              <a:xfrm>
+                <a:off x="6599322" y="4879903"/>
+                <a:ext cx="0" cy="528675"/>
+              </a:xfrm>
+              <a:prstGeom prst="line">
+                <a:avLst/>
+              </a:prstGeom>
+              <a:ln w="76200">
+                <a:solidFill>
+                  <a:schemeClr val="bg1"/>
+                </a:solidFill>
+              </a:ln>
+            </p:spPr>
+            <p:style>
+              <a:lnRef idx="1">
+                <a:schemeClr val="accent1"/>
+              </a:lnRef>
+              <a:fillRef idx="0">
+                <a:schemeClr val="accent1"/>
+              </a:fillRef>
+              <a:effectRef idx="0">
+                <a:schemeClr val="accent1"/>
+              </a:effectRef>
+              <a:fontRef idx="minor">
+                <a:schemeClr val="tx1"/>
+              </a:fontRef>
+            </p:style>
+          </p:cxnSp>
+          <p:cxnSp>
+            <p:nvCxnSpPr>
+              <p:cNvPr id="123" name="直線コネクタ 122">
+                <a:extLst>
+                  <a:ext uri="{FF2B5EF4-FFF2-40B4-BE49-F238E27FC236}">
+                    <a16:creationId xmlns:a16="http://schemas.microsoft.com/office/drawing/2014/main" id="{2EB3346E-50B0-4895-A179-9ED229C91D1C}"/>
+                  </a:ext>
+                </a:extLst>
+              </p:cNvPr>
+              <p:cNvCxnSpPr/>
+              <p:nvPr/>
+            </p:nvCxnSpPr>
+            <p:spPr>
+              <a:xfrm>
+                <a:off x="6767717" y="4879903"/>
+                <a:ext cx="0" cy="528675"/>
+              </a:xfrm>
+              <a:prstGeom prst="line">
+                <a:avLst/>
+              </a:prstGeom>
+              <a:ln w="76200">
+                <a:solidFill>
+                  <a:schemeClr val="bg1"/>
+                </a:solidFill>
+              </a:ln>
+            </p:spPr>
+            <p:style>
+              <a:lnRef idx="1">
+                <a:schemeClr val="accent1"/>
+              </a:lnRef>
+              <a:fillRef idx="0">
+                <a:schemeClr val="accent1"/>
+              </a:fillRef>
+              <a:effectRef idx="0">
+                <a:schemeClr val="accent1"/>
+              </a:effectRef>
+              <a:fontRef idx="minor">
+                <a:schemeClr val="tx1"/>
+              </a:fontRef>
+            </p:style>
+          </p:cxnSp>
+          <p:cxnSp>
+            <p:nvCxnSpPr>
+              <p:cNvPr id="124" name="直線コネクタ 123">
+                <a:extLst>
+                  <a:ext uri="{FF2B5EF4-FFF2-40B4-BE49-F238E27FC236}">
+                    <a16:creationId xmlns:a16="http://schemas.microsoft.com/office/drawing/2014/main" id="{22E3709E-1BC9-4765-913A-B630ED545480}"/>
+                  </a:ext>
+                </a:extLst>
+              </p:cNvPr>
+              <p:cNvCxnSpPr/>
+              <p:nvPr/>
+            </p:nvCxnSpPr>
+            <p:spPr>
+              <a:xfrm>
+                <a:off x="6928114" y="4879903"/>
+                <a:ext cx="0" cy="528675"/>
+              </a:xfrm>
+              <a:prstGeom prst="line">
+                <a:avLst/>
+              </a:prstGeom>
+              <a:ln w="76200">
+                <a:solidFill>
+                  <a:schemeClr val="bg1"/>
+                </a:solidFill>
+              </a:ln>
+            </p:spPr>
+            <p:style>
+              <a:lnRef idx="1">
+                <a:schemeClr val="accent1"/>
+              </a:lnRef>
+              <a:fillRef idx="0">
+                <a:schemeClr val="accent1"/>
+              </a:fillRef>
+              <a:effectRef idx="0">
+                <a:schemeClr val="accent1"/>
+              </a:effectRef>
+              <a:fontRef idx="minor">
+                <a:schemeClr val="tx1"/>
+              </a:fontRef>
+            </p:style>
+          </p:cxnSp>
+          <p:cxnSp>
+            <p:nvCxnSpPr>
+              <p:cNvPr id="125" name="直線コネクタ 124">
+                <a:extLst>
+                  <a:ext uri="{FF2B5EF4-FFF2-40B4-BE49-F238E27FC236}">
+                    <a16:creationId xmlns:a16="http://schemas.microsoft.com/office/drawing/2014/main" id="{E8B6DBF5-EA88-4000-B463-6ADC1E770A22}"/>
+                  </a:ext>
+                </a:extLst>
+              </p:cNvPr>
+              <p:cNvCxnSpPr/>
+              <p:nvPr/>
+            </p:nvCxnSpPr>
+            <p:spPr>
+              <a:xfrm>
+                <a:off x="7093844" y="4879902"/>
+                <a:ext cx="0" cy="528675"/>
+              </a:xfrm>
+              <a:prstGeom prst="line">
+                <a:avLst/>
+              </a:prstGeom>
+              <a:ln w="76200">
+                <a:solidFill>
+                  <a:schemeClr val="bg1"/>
+                </a:solidFill>
+              </a:ln>
+            </p:spPr>
+            <p:style>
+              <a:lnRef idx="1">
+                <a:schemeClr val="accent1"/>
+              </a:lnRef>
+              <a:fillRef idx="0">
+                <a:schemeClr val="accent1"/>
+              </a:fillRef>
+              <a:effectRef idx="0">
+                <a:schemeClr val="accent1"/>
+              </a:effectRef>
+              <a:fontRef idx="minor">
+                <a:schemeClr val="tx1"/>
+              </a:fontRef>
+            </p:style>
+          </p:cxnSp>
+        </p:grpSp>
+        <p:grpSp>
+          <p:nvGrpSpPr>
+            <p:cNvPr id="109" name="グループ化 108">
+              <a:extLst>
+                <a:ext uri="{FF2B5EF4-FFF2-40B4-BE49-F238E27FC236}">
+                  <a16:creationId xmlns:a16="http://schemas.microsoft.com/office/drawing/2014/main" id="{724A8721-BCF0-4965-B1BD-65941F901A53}"/>
+                </a:ext>
+              </a:extLst>
+            </p:cNvPr>
+            <p:cNvGrpSpPr/>
+            <p:nvPr/>
+          </p:nvGrpSpPr>
+          <p:grpSpPr>
+            <a:xfrm rot="16200000">
+              <a:off x="7104237" y="5996096"/>
+              <a:ext cx="1153441" cy="528677"/>
+              <a:chOff x="5940403" y="4879902"/>
+              <a:chExt cx="1153441" cy="528677"/>
+            </a:xfrm>
+          </p:grpSpPr>
+          <p:cxnSp>
+            <p:nvCxnSpPr>
+              <p:cNvPr id="110" name="直線コネクタ 109">
+                <a:extLst>
+                  <a:ext uri="{FF2B5EF4-FFF2-40B4-BE49-F238E27FC236}">
+                    <a16:creationId xmlns:a16="http://schemas.microsoft.com/office/drawing/2014/main" id="{7ABA2A21-565B-46F7-BCB5-D4A787474B4E}"/>
+                  </a:ext>
+                </a:extLst>
+              </p:cNvPr>
+              <p:cNvCxnSpPr/>
+              <p:nvPr/>
+            </p:nvCxnSpPr>
+            <p:spPr>
+              <a:xfrm>
+                <a:off x="5940403" y="4879904"/>
+                <a:ext cx="0" cy="528675"/>
+              </a:xfrm>
+              <a:prstGeom prst="line">
+                <a:avLst/>
+              </a:prstGeom>
+              <a:ln w="76200">
+                <a:solidFill>
+                  <a:schemeClr val="bg1"/>
+                </a:solidFill>
+              </a:ln>
+            </p:spPr>
+            <p:style>
+              <a:lnRef idx="1">
+                <a:schemeClr val="accent1"/>
+              </a:lnRef>
+              <a:fillRef idx="0">
+                <a:schemeClr val="accent1"/>
+              </a:fillRef>
+              <a:effectRef idx="0">
+                <a:schemeClr val="accent1"/>
+              </a:effectRef>
+              <a:fontRef idx="minor">
+                <a:schemeClr val="tx1"/>
+              </a:fontRef>
+            </p:style>
+          </p:cxnSp>
+          <p:cxnSp>
+            <p:nvCxnSpPr>
+              <p:cNvPr id="111" name="直線コネクタ 110">
+                <a:extLst>
+                  <a:ext uri="{FF2B5EF4-FFF2-40B4-BE49-F238E27FC236}">
+                    <a16:creationId xmlns:a16="http://schemas.microsoft.com/office/drawing/2014/main" id="{207EBF6D-97F2-4D4D-B600-0714E10169EA}"/>
+                  </a:ext>
+                </a:extLst>
+              </p:cNvPr>
+              <p:cNvCxnSpPr/>
+              <p:nvPr/>
+            </p:nvCxnSpPr>
+            <p:spPr>
+              <a:xfrm>
+                <a:off x="6108798" y="4879904"/>
+                <a:ext cx="0" cy="528675"/>
+              </a:xfrm>
+              <a:prstGeom prst="line">
+                <a:avLst/>
+              </a:prstGeom>
+              <a:ln w="76200">
+                <a:solidFill>
+                  <a:schemeClr val="bg1"/>
+                </a:solidFill>
+              </a:ln>
+            </p:spPr>
+            <p:style>
+              <a:lnRef idx="1">
+                <a:schemeClr val="accent1"/>
+              </a:lnRef>
+              <a:fillRef idx="0">
+                <a:schemeClr val="accent1"/>
+              </a:fillRef>
+              <a:effectRef idx="0">
+                <a:schemeClr val="accent1"/>
+              </a:effectRef>
+              <a:fontRef idx="minor">
+                <a:schemeClr val="tx1"/>
+              </a:fontRef>
+            </p:style>
+          </p:cxnSp>
+          <p:cxnSp>
+            <p:nvCxnSpPr>
+              <p:cNvPr id="112" name="直線コネクタ 111">
+                <a:extLst>
+                  <a:ext uri="{FF2B5EF4-FFF2-40B4-BE49-F238E27FC236}">
+                    <a16:creationId xmlns:a16="http://schemas.microsoft.com/office/drawing/2014/main" id="{04901E70-671E-42BD-B60B-4926834970B7}"/>
+                  </a:ext>
+                </a:extLst>
+              </p:cNvPr>
+              <p:cNvCxnSpPr/>
+              <p:nvPr/>
+            </p:nvCxnSpPr>
+            <p:spPr>
+              <a:xfrm>
+                <a:off x="6269195" y="4879904"/>
+                <a:ext cx="0" cy="528675"/>
+              </a:xfrm>
+              <a:prstGeom prst="line">
+                <a:avLst/>
+              </a:prstGeom>
+              <a:ln w="76200">
+                <a:solidFill>
+                  <a:schemeClr val="bg1"/>
+                </a:solidFill>
+              </a:ln>
+            </p:spPr>
+            <p:style>
+              <a:lnRef idx="1">
+                <a:schemeClr val="accent1"/>
+              </a:lnRef>
+              <a:fillRef idx="0">
+                <a:schemeClr val="accent1"/>
+              </a:fillRef>
+              <a:effectRef idx="0">
+                <a:schemeClr val="accent1"/>
+              </a:effectRef>
+              <a:fontRef idx="minor">
+                <a:schemeClr val="tx1"/>
+              </a:fontRef>
+            </p:style>
+          </p:cxnSp>
+          <p:cxnSp>
+            <p:nvCxnSpPr>
+              <p:cNvPr id="113" name="直線コネクタ 112">
+                <a:extLst>
+                  <a:ext uri="{FF2B5EF4-FFF2-40B4-BE49-F238E27FC236}">
+                    <a16:creationId xmlns:a16="http://schemas.microsoft.com/office/drawing/2014/main" id="{253D62D5-F0F2-494C-B2C3-24555E2E5B7C}"/>
+                  </a:ext>
+                </a:extLst>
+              </p:cNvPr>
+              <p:cNvCxnSpPr/>
+              <p:nvPr/>
+            </p:nvCxnSpPr>
+            <p:spPr>
+              <a:xfrm>
+                <a:off x="6434925" y="4879903"/>
+                <a:ext cx="0" cy="528675"/>
+              </a:xfrm>
+              <a:prstGeom prst="line">
+                <a:avLst/>
+              </a:prstGeom>
+              <a:ln w="76200">
+                <a:solidFill>
+                  <a:schemeClr val="bg1"/>
+                </a:solidFill>
+              </a:ln>
+            </p:spPr>
+            <p:style>
+              <a:lnRef idx="1">
+                <a:schemeClr val="accent1"/>
+              </a:lnRef>
+              <a:fillRef idx="0">
+                <a:schemeClr val="accent1"/>
+              </a:fillRef>
+              <a:effectRef idx="0">
+                <a:schemeClr val="accent1"/>
+              </a:effectRef>
+              <a:fontRef idx="minor">
+                <a:schemeClr val="tx1"/>
+              </a:fontRef>
+            </p:style>
+          </p:cxnSp>
+          <p:cxnSp>
+            <p:nvCxnSpPr>
+              <p:cNvPr id="114" name="直線コネクタ 113">
+                <a:extLst>
+                  <a:ext uri="{FF2B5EF4-FFF2-40B4-BE49-F238E27FC236}">
+                    <a16:creationId xmlns:a16="http://schemas.microsoft.com/office/drawing/2014/main" id="{4421FCBF-2C94-4D67-8BD3-1D6A0DBDF203}"/>
+                  </a:ext>
+                </a:extLst>
+              </p:cNvPr>
+              <p:cNvCxnSpPr/>
+              <p:nvPr/>
+            </p:nvCxnSpPr>
+            <p:spPr>
+              <a:xfrm>
+                <a:off x="6599322" y="4879903"/>
+                <a:ext cx="0" cy="528675"/>
+              </a:xfrm>
+              <a:prstGeom prst="line">
+                <a:avLst/>
+              </a:prstGeom>
+              <a:ln w="76200">
+                <a:solidFill>
+                  <a:schemeClr val="bg1"/>
+                </a:solidFill>
+              </a:ln>
+            </p:spPr>
+            <p:style>
+              <a:lnRef idx="1">
+                <a:schemeClr val="accent1"/>
+              </a:lnRef>
+              <a:fillRef idx="0">
+                <a:schemeClr val="accent1"/>
+              </a:fillRef>
+              <a:effectRef idx="0">
+                <a:schemeClr val="accent1"/>
+              </a:effectRef>
+              <a:fontRef idx="minor">
+                <a:schemeClr val="tx1"/>
+              </a:fontRef>
+            </p:style>
+          </p:cxnSp>
+          <p:cxnSp>
+            <p:nvCxnSpPr>
+              <p:cNvPr id="115" name="直線コネクタ 114">
+                <a:extLst>
+                  <a:ext uri="{FF2B5EF4-FFF2-40B4-BE49-F238E27FC236}">
+                    <a16:creationId xmlns:a16="http://schemas.microsoft.com/office/drawing/2014/main" id="{09016A0E-AD36-40A4-81A3-D1BC3937A2DC}"/>
+                  </a:ext>
+                </a:extLst>
+              </p:cNvPr>
+              <p:cNvCxnSpPr/>
+              <p:nvPr/>
+            </p:nvCxnSpPr>
+            <p:spPr>
+              <a:xfrm>
+                <a:off x="6767717" y="4879903"/>
+                <a:ext cx="0" cy="528675"/>
+              </a:xfrm>
+              <a:prstGeom prst="line">
+                <a:avLst/>
+              </a:prstGeom>
+              <a:ln w="76200">
+                <a:solidFill>
+                  <a:schemeClr val="bg1"/>
+                </a:solidFill>
+              </a:ln>
+            </p:spPr>
+            <p:style>
+              <a:lnRef idx="1">
+                <a:schemeClr val="accent1"/>
+              </a:lnRef>
+              <a:fillRef idx="0">
+                <a:schemeClr val="accent1"/>
+              </a:fillRef>
+              <a:effectRef idx="0">
+                <a:schemeClr val="accent1"/>
+              </a:effectRef>
+              <a:fontRef idx="minor">
+                <a:schemeClr val="tx1"/>
+              </a:fontRef>
+            </p:style>
+          </p:cxnSp>
+          <p:cxnSp>
+            <p:nvCxnSpPr>
+              <p:cNvPr id="116" name="直線コネクタ 115">
+                <a:extLst>
+                  <a:ext uri="{FF2B5EF4-FFF2-40B4-BE49-F238E27FC236}">
+                    <a16:creationId xmlns:a16="http://schemas.microsoft.com/office/drawing/2014/main" id="{9BCEC86B-9AB8-4BDF-AE9A-6F305FE7D5C6}"/>
+                  </a:ext>
+                </a:extLst>
+              </p:cNvPr>
+              <p:cNvCxnSpPr/>
+              <p:nvPr/>
+            </p:nvCxnSpPr>
+            <p:spPr>
+              <a:xfrm>
+                <a:off x="6928114" y="4879903"/>
+                <a:ext cx="0" cy="528675"/>
+              </a:xfrm>
+              <a:prstGeom prst="line">
+                <a:avLst/>
+              </a:prstGeom>
+              <a:ln w="76200">
+                <a:solidFill>
+                  <a:schemeClr val="bg1"/>
+                </a:solidFill>
+              </a:ln>
+            </p:spPr>
+            <p:style>
+              <a:lnRef idx="1">
+                <a:schemeClr val="accent1"/>
+              </a:lnRef>
+              <a:fillRef idx="0">
+                <a:schemeClr val="accent1"/>
+              </a:fillRef>
+              <a:effectRef idx="0">
+                <a:schemeClr val="accent1"/>
+              </a:effectRef>
+              <a:fontRef idx="minor">
+                <a:schemeClr val="tx1"/>
+              </a:fontRef>
+            </p:style>
+          </p:cxnSp>
+          <p:cxnSp>
+            <p:nvCxnSpPr>
+              <p:cNvPr id="117" name="直線コネクタ 116">
+                <a:extLst>
+                  <a:ext uri="{FF2B5EF4-FFF2-40B4-BE49-F238E27FC236}">
+                    <a16:creationId xmlns:a16="http://schemas.microsoft.com/office/drawing/2014/main" id="{A9B560CB-949A-47EA-A7D0-73A03464F8B9}"/>
+                  </a:ext>
+                </a:extLst>
+              </p:cNvPr>
+              <p:cNvCxnSpPr/>
+              <p:nvPr/>
+            </p:nvCxnSpPr>
+            <p:spPr>
+              <a:xfrm>
+                <a:off x="7093844" y="4879902"/>
+                <a:ext cx="0" cy="528675"/>
+              </a:xfrm>
+              <a:prstGeom prst="line">
+                <a:avLst/>
+              </a:prstGeom>
+              <a:ln w="76200">
+                <a:solidFill>
+                  <a:schemeClr val="bg1"/>
+                </a:solidFill>
+              </a:ln>
+            </p:spPr>
+            <p:style>
+              <a:lnRef idx="1">
+                <a:schemeClr val="accent1"/>
+              </a:lnRef>
+              <a:fillRef idx="0">
+                <a:schemeClr val="accent1"/>
+              </a:fillRef>
+              <a:effectRef idx="0">
+                <a:schemeClr val="accent1"/>
+              </a:effectRef>
+              <a:fontRef idx="minor">
+                <a:schemeClr val="tx1"/>
+              </a:fontRef>
+            </p:style>
+          </p:cxnSp>
+        </p:grpSp>
+      </p:grpSp>
+      <p:grpSp>
+        <p:nvGrpSpPr>
+          <p:cNvPr id="142" name="グループ化 141">
+            <a:extLst>
+              <a:ext uri="{FF2B5EF4-FFF2-40B4-BE49-F238E27FC236}">
+                <a16:creationId xmlns:a16="http://schemas.microsoft.com/office/drawing/2014/main" id="{8479AE17-94C1-426E-A1A9-A15A3EC984C6}"/>
+              </a:ext>
+            </a:extLst>
+          </p:cNvPr>
+          <p:cNvGrpSpPr/>
+          <p:nvPr/>
+        </p:nvGrpSpPr>
+        <p:grpSpPr>
+          <a:xfrm>
+            <a:off x="10504481" y="10364083"/>
+            <a:ext cx="2888011" cy="2814337"/>
+            <a:chOff x="5057285" y="4895725"/>
+            <a:chExt cx="2888011" cy="2814337"/>
+          </a:xfrm>
+        </p:grpSpPr>
+        <p:grpSp>
+          <p:nvGrpSpPr>
+            <p:cNvPr id="143" name="グループ化 142">
+              <a:extLst>
+                <a:ext uri="{FF2B5EF4-FFF2-40B4-BE49-F238E27FC236}">
+                  <a16:creationId xmlns:a16="http://schemas.microsoft.com/office/drawing/2014/main" id="{B322AEAA-6938-442F-81D6-D4C38FE58345}"/>
+                </a:ext>
+              </a:extLst>
+            </p:cNvPr>
+            <p:cNvGrpSpPr/>
+            <p:nvPr/>
+          </p:nvGrpSpPr>
+          <p:grpSpPr>
+            <a:xfrm>
+              <a:off x="5913030" y="4895725"/>
+              <a:ext cx="1153441" cy="528677"/>
+              <a:chOff x="5940403" y="4879902"/>
+              <a:chExt cx="1153441" cy="528677"/>
+            </a:xfrm>
+          </p:grpSpPr>
+          <p:cxnSp>
+            <p:nvCxnSpPr>
+              <p:cNvPr id="171" name="直線コネクタ 170">
+                <a:extLst>
+                  <a:ext uri="{FF2B5EF4-FFF2-40B4-BE49-F238E27FC236}">
+                    <a16:creationId xmlns:a16="http://schemas.microsoft.com/office/drawing/2014/main" id="{749ECBA7-0E53-40CD-AD1C-23B87538BAA2}"/>
+                  </a:ext>
+                </a:extLst>
+              </p:cNvPr>
+              <p:cNvCxnSpPr/>
+              <p:nvPr/>
+            </p:nvCxnSpPr>
+            <p:spPr>
+              <a:xfrm>
+                <a:off x="5940403" y="4879904"/>
+                <a:ext cx="0" cy="528675"/>
+              </a:xfrm>
+              <a:prstGeom prst="line">
+                <a:avLst/>
+              </a:prstGeom>
+              <a:ln w="76200">
+                <a:solidFill>
+                  <a:schemeClr val="bg1"/>
+                </a:solidFill>
+              </a:ln>
+            </p:spPr>
+            <p:style>
+              <a:lnRef idx="1">
+                <a:schemeClr val="accent1"/>
+              </a:lnRef>
+              <a:fillRef idx="0">
+                <a:schemeClr val="accent1"/>
+              </a:fillRef>
+              <a:effectRef idx="0">
+                <a:schemeClr val="accent1"/>
+              </a:effectRef>
+              <a:fontRef idx="minor">
+                <a:schemeClr val="tx1"/>
+              </a:fontRef>
+            </p:style>
+          </p:cxnSp>
+          <p:cxnSp>
+            <p:nvCxnSpPr>
+              <p:cNvPr id="172" name="直線コネクタ 171">
+                <a:extLst>
+                  <a:ext uri="{FF2B5EF4-FFF2-40B4-BE49-F238E27FC236}">
+                    <a16:creationId xmlns:a16="http://schemas.microsoft.com/office/drawing/2014/main" id="{34920F24-2711-4DC0-98C3-0C32D12BE78C}"/>
+                  </a:ext>
+                </a:extLst>
+              </p:cNvPr>
+              <p:cNvCxnSpPr/>
+              <p:nvPr/>
+            </p:nvCxnSpPr>
+            <p:spPr>
+              <a:xfrm>
+                <a:off x="6108798" y="4879904"/>
+                <a:ext cx="0" cy="528675"/>
+              </a:xfrm>
+              <a:prstGeom prst="line">
+                <a:avLst/>
+              </a:prstGeom>
+              <a:ln w="76200">
+                <a:solidFill>
+                  <a:schemeClr val="bg1"/>
+                </a:solidFill>
+              </a:ln>
+            </p:spPr>
+            <p:style>
+              <a:lnRef idx="1">
+                <a:schemeClr val="accent1"/>
+              </a:lnRef>
+              <a:fillRef idx="0">
+                <a:schemeClr val="accent1"/>
+              </a:fillRef>
+              <a:effectRef idx="0">
+                <a:schemeClr val="accent1"/>
+              </a:effectRef>
+              <a:fontRef idx="minor">
+                <a:schemeClr val="tx1"/>
+              </a:fontRef>
+            </p:style>
+          </p:cxnSp>
+          <p:cxnSp>
+            <p:nvCxnSpPr>
+              <p:cNvPr id="173" name="直線コネクタ 172">
+                <a:extLst>
+                  <a:ext uri="{FF2B5EF4-FFF2-40B4-BE49-F238E27FC236}">
+                    <a16:creationId xmlns:a16="http://schemas.microsoft.com/office/drawing/2014/main" id="{077F673D-3058-471A-A4EE-C57D38408607}"/>
+                  </a:ext>
+                </a:extLst>
+              </p:cNvPr>
+              <p:cNvCxnSpPr/>
+              <p:nvPr/>
+            </p:nvCxnSpPr>
+            <p:spPr>
+              <a:xfrm>
+                <a:off x="6269195" y="4879904"/>
+                <a:ext cx="0" cy="528675"/>
+              </a:xfrm>
+              <a:prstGeom prst="line">
+                <a:avLst/>
+              </a:prstGeom>
+              <a:ln w="76200">
+                <a:solidFill>
+                  <a:schemeClr val="bg1"/>
+                </a:solidFill>
+              </a:ln>
+            </p:spPr>
+            <p:style>
+              <a:lnRef idx="1">
+                <a:schemeClr val="accent1"/>
+              </a:lnRef>
+              <a:fillRef idx="0">
+                <a:schemeClr val="accent1"/>
+              </a:fillRef>
+              <a:effectRef idx="0">
+                <a:schemeClr val="accent1"/>
+              </a:effectRef>
+              <a:fontRef idx="minor">
+                <a:schemeClr val="tx1"/>
+              </a:fontRef>
+            </p:style>
+          </p:cxnSp>
+          <p:cxnSp>
+            <p:nvCxnSpPr>
+              <p:cNvPr id="174" name="直線コネクタ 173">
+                <a:extLst>
+                  <a:ext uri="{FF2B5EF4-FFF2-40B4-BE49-F238E27FC236}">
+                    <a16:creationId xmlns:a16="http://schemas.microsoft.com/office/drawing/2014/main" id="{9EFC8170-E60F-4884-BF39-A5861D2DB089}"/>
+                  </a:ext>
+                </a:extLst>
+              </p:cNvPr>
+              <p:cNvCxnSpPr/>
+              <p:nvPr/>
+            </p:nvCxnSpPr>
+            <p:spPr>
+              <a:xfrm>
+                <a:off x="6434925" y="4879903"/>
+                <a:ext cx="0" cy="528675"/>
+              </a:xfrm>
+              <a:prstGeom prst="line">
+                <a:avLst/>
+              </a:prstGeom>
+              <a:ln w="76200">
+                <a:solidFill>
+                  <a:schemeClr val="bg1"/>
+                </a:solidFill>
+              </a:ln>
+            </p:spPr>
+            <p:style>
+              <a:lnRef idx="1">
+                <a:schemeClr val="accent1"/>
+              </a:lnRef>
+              <a:fillRef idx="0">
+                <a:schemeClr val="accent1"/>
+              </a:fillRef>
+              <a:effectRef idx="0">
+                <a:schemeClr val="accent1"/>
+              </a:effectRef>
+              <a:fontRef idx="minor">
+                <a:schemeClr val="tx1"/>
+              </a:fontRef>
+            </p:style>
+          </p:cxnSp>
+          <p:cxnSp>
+            <p:nvCxnSpPr>
+              <p:cNvPr id="175" name="直線コネクタ 174">
+                <a:extLst>
+                  <a:ext uri="{FF2B5EF4-FFF2-40B4-BE49-F238E27FC236}">
+                    <a16:creationId xmlns:a16="http://schemas.microsoft.com/office/drawing/2014/main" id="{A90F55D9-4A4C-4FE0-BEE3-229284E49D07}"/>
+                  </a:ext>
+                </a:extLst>
+              </p:cNvPr>
+              <p:cNvCxnSpPr/>
+              <p:nvPr/>
+            </p:nvCxnSpPr>
+            <p:spPr>
+              <a:xfrm>
+                <a:off x="6599322" y="4879903"/>
+                <a:ext cx="0" cy="528675"/>
+              </a:xfrm>
+              <a:prstGeom prst="line">
+                <a:avLst/>
+              </a:prstGeom>
+              <a:ln w="76200">
+                <a:solidFill>
+                  <a:schemeClr val="bg1"/>
+                </a:solidFill>
+              </a:ln>
+            </p:spPr>
+            <p:style>
+              <a:lnRef idx="1">
+                <a:schemeClr val="accent1"/>
+              </a:lnRef>
+              <a:fillRef idx="0">
+                <a:schemeClr val="accent1"/>
+              </a:fillRef>
+              <a:effectRef idx="0">
+                <a:schemeClr val="accent1"/>
+              </a:effectRef>
+              <a:fontRef idx="minor">
+                <a:schemeClr val="tx1"/>
+              </a:fontRef>
+            </p:style>
+          </p:cxnSp>
+          <p:cxnSp>
+            <p:nvCxnSpPr>
+              <p:cNvPr id="176" name="直線コネクタ 175">
+                <a:extLst>
+                  <a:ext uri="{FF2B5EF4-FFF2-40B4-BE49-F238E27FC236}">
+                    <a16:creationId xmlns:a16="http://schemas.microsoft.com/office/drawing/2014/main" id="{93720C0E-6C52-48C4-B622-9528E3AFD38E}"/>
+                  </a:ext>
+                </a:extLst>
+              </p:cNvPr>
+              <p:cNvCxnSpPr/>
+              <p:nvPr/>
+            </p:nvCxnSpPr>
+            <p:spPr>
+              <a:xfrm>
+                <a:off x="6767717" y="4879903"/>
+                <a:ext cx="0" cy="528675"/>
+              </a:xfrm>
+              <a:prstGeom prst="line">
+                <a:avLst/>
+              </a:prstGeom>
+              <a:ln w="76200">
+                <a:solidFill>
+                  <a:schemeClr val="bg1"/>
+                </a:solidFill>
+              </a:ln>
+            </p:spPr>
+            <p:style>
+              <a:lnRef idx="1">
+                <a:schemeClr val="accent1"/>
+              </a:lnRef>
+              <a:fillRef idx="0">
+                <a:schemeClr val="accent1"/>
+              </a:fillRef>
+              <a:effectRef idx="0">
+                <a:schemeClr val="accent1"/>
+              </a:effectRef>
+              <a:fontRef idx="minor">
+                <a:schemeClr val="tx1"/>
+              </a:fontRef>
+            </p:style>
+          </p:cxnSp>
+          <p:cxnSp>
+            <p:nvCxnSpPr>
+              <p:cNvPr id="177" name="直線コネクタ 176">
+                <a:extLst>
+                  <a:ext uri="{FF2B5EF4-FFF2-40B4-BE49-F238E27FC236}">
+                    <a16:creationId xmlns:a16="http://schemas.microsoft.com/office/drawing/2014/main" id="{C26BA33D-3D27-4A4C-A79F-D9AF07725DDE}"/>
+                  </a:ext>
+                </a:extLst>
+              </p:cNvPr>
+              <p:cNvCxnSpPr/>
+              <p:nvPr/>
+            </p:nvCxnSpPr>
+            <p:spPr>
+              <a:xfrm>
+                <a:off x="6928114" y="4879903"/>
+                <a:ext cx="0" cy="528675"/>
+              </a:xfrm>
+              <a:prstGeom prst="line">
+                <a:avLst/>
+              </a:prstGeom>
+              <a:ln w="76200">
+                <a:solidFill>
+                  <a:schemeClr val="bg1"/>
+                </a:solidFill>
+              </a:ln>
+            </p:spPr>
+            <p:style>
+              <a:lnRef idx="1">
+                <a:schemeClr val="accent1"/>
+              </a:lnRef>
+              <a:fillRef idx="0">
+                <a:schemeClr val="accent1"/>
+              </a:fillRef>
+              <a:effectRef idx="0">
+                <a:schemeClr val="accent1"/>
+              </a:effectRef>
+              <a:fontRef idx="minor">
+                <a:schemeClr val="tx1"/>
+              </a:fontRef>
+            </p:style>
+          </p:cxnSp>
+          <p:cxnSp>
+            <p:nvCxnSpPr>
+              <p:cNvPr id="178" name="直線コネクタ 177">
+                <a:extLst>
+                  <a:ext uri="{FF2B5EF4-FFF2-40B4-BE49-F238E27FC236}">
+                    <a16:creationId xmlns:a16="http://schemas.microsoft.com/office/drawing/2014/main" id="{35793958-0E23-4076-9617-3D7CD4DC5FAA}"/>
+                  </a:ext>
+                </a:extLst>
+              </p:cNvPr>
+              <p:cNvCxnSpPr/>
+              <p:nvPr/>
+            </p:nvCxnSpPr>
+            <p:spPr>
+              <a:xfrm>
+                <a:off x="7093844" y="4879902"/>
+                <a:ext cx="0" cy="528675"/>
+              </a:xfrm>
+              <a:prstGeom prst="line">
+                <a:avLst/>
+              </a:prstGeom>
+              <a:ln w="76200">
+                <a:solidFill>
+                  <a:schemeClr val="bg1"/>
+                </a:solidFill>
+              </a:ln>
+            </p:spPr>
+            <p:style>
+              <a:lnRef idx="1">
+                <a:schemeClr val="accent1"/>
+              </a:lnRef>
+              <a:fillRef idx="0">
+                <a:schemeClr val="accent1"/>
+              </a:fillRef>
+              <a:effectRef idx="0">
+                <a:schemeClr val="accent1"/>
+              </a:effectRef>
+              <a:fontRef idx="minor">
+                <a:schemeClr val="tx1"/>
+              </a:fontRef>
+            </p:style>
+          </p:cxnSp>
+        </p:grpSp>
+        <p:grpSp>
+          <p:nvGrpSpPr>
+            <p:cNvPr id="144" name="グループ化 143">
+              <a:extLst>
+                <a:ext uri="{FF2B5EF4-FFF2-40B4-BE49-F238E27FC236}">
+                  <a16:creationId xmlns:a16="http://schemas.microsoft.com/office/drawing/2014/main" id="{E5B600CA-E957-42C5-846E-C0ABF7F4D649}"/>
+                </a:ext>
+              </a:extLst>
+            </p:cNvPr>
+            <p:cNvGrpSpPr/>
+            <p:nvPr/>
+          </p:nvGrpSpPr>
+          <p:grpSpPr>
+            <a:xfrm rot="5400000">
+              <a:off x="4744903" y="5979306"/>
+              <a:ext cx="1153441" cy="528677"/>
+              <a:chOff x="5940403" y="4879902"/>
+              <a:chExt cx="1153441" cy="528677"/>
+            </a:xfrm>
+          </p:grpSpPr>
+          <p:cxnSp>
+            <p:nvCxnSpPr>
+              <p:cNvPr id="163" name="直線コネクタ 162">
+                <a:extLst>
+                  <a:ext uri="{FF2B5EF4-FFF2-40B4-BE49-F238E27FC236}">
+                    <a16:creationId xmlns:a16="http://schemas.microsoft.com/office/drawing/2014/main" id="{33784566-8D0A-4CA1-BC21-E0D00F9A86EA}"/>
+                  </a:ext>
+                </a:extLst>
+              </p:cNvPr>
+              <p:cNvCxnSpPr/>
+              <p:nvPr/>
+            </p:nvCxnSpPr>
+            <p:spPr>
+              <a:xfrm>
+                <a:off x="5940403" y="4879904"/>
+                <a:ext cx="0" cy="528675"/>
+              </a:xfrm>
+              <a:prstGeom prst="line">
+                <a:avLst/>
+              </a:prstGeom>
+              <a:ln w="76200">
+                <a:solidFill>
+                  <a:schemeClr val="bg1"/>
+                </a:solidFill>
+              </a:ln>
+            </p:spPr>
+            <p:style>
+              <a:lnRef idx="1">
+                <a:schemeClr val="accent1"/>
+              </a:lnRef>
+              <a:fillRef idx="0">
+                <a:schemeClr val="accent1"/>
+              </a:fillRef>
+              <a:effectRef idx="0">
+                <a:schemeClr val="accent1"/>
+              </a:effectRef>
+              <a:fontRef idx="minor">
+                <a:schemeClr val="tx1"/>
+              </a:fontRef>
+            </p:style>
+          </p:cxnSp>
+          <p:cxnSp>
+            <p:nvCxnSpPr>
+              <p:cNvPr id="164" name="直線コネクタ 163">
+                <a:extLst>
+                  <a:ext uri="{FF2B5EF4-FFF2-40B4-BE49-F238E27FC236}">
+                    <a16:creationId xmlns:a16="http://schemas.microsoft.com/office/drawing/2014/main" id="{32341332-47A2-44E6-91BA-F58600A34983}"/>
+                  </a:ext>
+                </a:extLst>
+              </p:cNvPr>
+              <p:cNvCxnSpPr/>
+              <p:nvPr/>
+            </p:nvCxnSpPr>
+            <p:spPr>
+              <a:xfrm>
+                <a:off x="6108798" y="4879904"/>
+                <a:ext cx="0" cy="528675"/>
+              </a:xfrm>
+              <a:prstGeom prst="line">
+                <a:avLst/>
+              </a:prstGeom>
+              <a:ln w="76200">
+                <a:solidFill>
+                  <a:schemeClr val="bg1"/>
+                </a:solidFill>
+              </a:ln>
+            </p:spPr>
+            <p:style>
+              <a:lnRef idx="1">
+                <a:schemeClr val="accent1"/>
+              </a:lnRef>
+              <a:fillRef idx="0">
+                <a:schemeClr val="accent1"/>
+              </a:fillRef>
+              <a:effectRef idx="0">
+                <a:schemeClr val="accent1"/>
+              </a:effectRef>
+              <a:fontRef idx="minor">
+                <a:schemeClr val="tx1"/>
+              </a:fontRef>
+            </p:style>
+          </p:cxnSp>
+          <p:cxnSp>
+            <p:nvCxnSpPr>
+              <p:cNvPr id="165" name="直線コネクタ 164">
+                <a:extLst>
+                  <a:ext uri="{FF2B5EF4-FFF2-40B4-BE49-F238E27FC236}">
+                    <a16:creationId xmlns:a16="http://schemas.microsoft.com/office/drawing/2014/main" id="{D3BAF389-2338-4EA9-BF45-3A569886B938}"/>
+                  </a:ext>
+                </a:extLst>
+              </p:cNvPr>
+              <p:cNvCxnSpPr/>
+              <p:nvPr/>
+            </p:nvCxnSpPr>
+            <p:spPr>
+              <a:xfrm>
+                <a:off x="6269195" y="4879904"/>
+                <a:ext cx="0" cy="528675"/>
+              </a:xfrm>
+              <a:prstGeom prst="line">
+                <a:avLst/>
+              </a:prstGeom>
+              <a:ln w="76200">
+                <a:solidFill>
+                  <a:schemeClr val="bg1"/>
+                </a:solidFill>
+              </a:ln>
+            </p:spPr>
+            <p:style>
+              <a:lnRef idx="1">
+                <a:schemeClr val="accent1"/>
+              </a:lnRef>
+              <a:fillRef idx="0">
+                <a:schemeClr val="accent1"/>
+              </a:fillRef>
+              <a:effectRef idx="0">
+                <a:schemeClr val="accent1"/>
+              </a:effectRef>
+              <a:fontRef idx="minor">
+                <a:schemeClr val="tx1"/>
+              </a:fontRef>
+            </p:style>
+          </p:cxnSp>
+          <p:cxnSp>
+            <p:nvCxnSpPr>
+              <p:cNvPr id="166" name="直線コネクタ 165">
+                <a:extLst>
+                  <a:ext uri="{FF2B5EF4-FFF2-40B4-BE49-F238E27FC236}">
+                    <a16:creationId xmlns:a16="http://schemas.microsoft.com/office/drawing/2014/main" id="{D020CA90-6095-4F51-B459-179579333074}"/>
+                  </a:ext>
+                </a:extLst>
+              </p:cNvPr>
+              <p:cNvCxnSpPr/>
+              <p:nvPr/>
+            </p:nvCxnSpPr>
+            <p:spPr>
+              <a:xfrm>
+                <a:off x="6434925" y="4879903"/>
+                <a:ext cx="0" cy="528675"/>
+              </a:xfrm>
+              <a:prstGeom prst="line">
+                <a:avLst/>
+              </a:prstGeom>
+              <a:ln w="76200">
+                <a:solidFill>
+                  <a:schemeClr val="bg1"/>
+                </a:solidFill>
+              </a:ln>
+            </p:spPr>
+            <p:style>
+              <a:lnRef idx="1">
+                <a:schemeClr val="accent1"/>
+              </a:lnRef>
+              <a:fillRef idx="0">
+                <a:schemeClr val="accent1"/>
+              </a:fillRef>
+              <a:effectRef idx="0">
+                <a:schemeClr val="accent1"/>
+              </a:effectRef>
+              <a:fontRef idx="minor">
+                <a:schemeClr val="tx1"/>
+              </a:fontRef>
+            </p:style>
+          </p:cxnSp>
+          <p:cxnSp>
+            <p:nvCxnSpPr>
+              <p:cNvPr id="167" name="直線コネクタ 166">
+                <a:extLst>
+                  <a:ext uri="{FF2B5EF4-FFF2-40B4-BE49-F238E27FC236}">
+                    <a16:creationId xmlns:a16="http://schemas.microsoft.com/office/drawing/2014/main" id="{BE61AA2E-31CE-4B29-8FAA-DE9C9F4B2212}"/>
+                  </a:ext>
+                </a:extLst>
+              </p:cNvPr>
+              <p:cNvCxnSpPr/>
+              <p:nvPr/>
+            </p:nvCxnSpPr>
+            <p:spPr>
+              <a:xfrm>
+                <a:off x="6599322" y="4879903"/>
+                <a:ext cx="0" cy="528675"/>
+              </a:xfrm>
+              <a:prstGeom prst="line">
+                <a:avLst/>
+              </a:prstGeom>
+              <a:ln w="76200">
+                <a:solidFill>
+                  <a:schemeClr val="bg1"/>
+                </a:solidFill>
+              </a:ln>
+            </p:spPr>
+            <p:style>
+              <a:lnRef idx="1">
+                <a:schemeClr val="accent1"/>
+              </a:lnRef>
+              <a:fillRef idx="0">
+                <a:schemeClr val="accent1"/>
+              </a:fillRef>
+              <a:effectRef idx="0">
+                <a:schemeClr val="accent1"/>
+              </a:effectRef>
+              <a:fontRef idx="minor">
+                <a:schemeClr val="tx1"/>
+              </a:fontRef>
+            </p:style>
+          </p:cxnSp>
+          <p:cxnSp>
+            <p:nvCxnSpPr>
+              <p:cNvPr id="168" name="直線コネクタ 167">
+                <a:extLst>
+                  <a:ext uri="{FF2B5EF4-FFF2-40B4-BE49-F238E27FC236}">
+                    <a16:creationId xmlns:a16="http://schemas.microsoft.com/office/drawing/2014/main" id="{6C836E56-26EF-46FE-AEC3-B40F7F209567}"/>
+                  </a:ext>
+                </a:extLst>
+              </p:cNvPr>
+              <p:cNvCxnSpPr/>
+              <p:nvPr/>
+            </p:nvCxnSpPr>
+            <p:spPr>
+              <a:xfrm>
+                <a:off x="6767717" y="4879903"/>
+                <a:ext cx="0" cy="528675"/>
+              </a:xfrm>
+              <a:prstGeom prst="line">
+                <a:avLst/>
+              </a:prstGeom>
+              <a:ln w="76200">
+                <a:solidFill>
+                  <a:schemeClr val="bg1"/>
+                </a:solidFill>
+              </a:ln>
+            </p:spPr>
+            <p:style>
+              <a:lnRef idx="1">
+                <a:schemeClr val="accent1"/>
+              </a:lnRef>
+              <a:fillRef idx="0">
+                <a:schemeClr val="accent1"/>
+              </a:fillRef>
+              <a:effectRef idx="0">
+                <a:schemeClr val="accent1"/>
+              </a:effectRef>
+              <a:fontRef idx="minor">
+                <a:schemeClr val="tx1"/>
+              </a:fontRef>
+            </p:style>
+          </p:cxnSp>
+          <p:cxnSp>
+            <p:nvCxnSpPr>
+              <p:cNvPr id="169" name="直線コネクタ 168">
+                <a:extLst>
+                  <a:ext uri="{FF2B5EF4-FFF2-40B4-BE49-F238E27FC236}">
+                    <a16:creationId xmlns:a16="http://schemas.microsoft.com/office/drawing/2014/main" id="{B53A6040-B6C9-4985-8506-5C939C64484A}"/>
+                  </a:ext>
+                </a:extLst>
+              </p:cNvPr>
+              <p:cNvCxnSpPr/>
+              <p:nvPr/>
+            </p:nvCxnSpPr>
+            <p:spPr>
+              <a:xfrm>
+                <a:off x="6928114" y="4879903"/>
+                <a:ext cx="0" cy="528675"/>
+              </a:xfrm>
+              <a:prstGeom prst="line">
+                <a:avLst/>
+              </a:prstGeom>
+              <a:ln w="76200">
+                <a:solidFill>
+                  <a:schemeClr val="bg1"/>
+                </a:solidFill>
+              </a:ln>
+            </p:spPr>
+            <p:style>
+              <a:lnRef idx="1">
+                <a:schemeClr val="accent1"/>
+              </a:lnRef>
+              <a:fillRef idx="0">
+                <a:schemeClr val="accent1"/>
+              </a:fillRef>
+              <a:effectRef idx="0">
+                <a:schemeClr val="accent1"/>
+              </a:effectRef>
+              <a:fontRef idx="minor">
+                <a:schemeClr val="tx1"/>
+              </a:fontRef>
+            </p:style>
+          </p:cxnSp>
+          <p:cxnSp>
+            <p:nvCxnSpPr>
+              <p:cNvPr id="170" name="直線コネクタ 169">
+                <a:extLst>
+                  <a:ext uri="{FF2B5EF4-FFF2-40B4-BE49-F238E27FC236}">
+                    <a16:creationId xmlns:a16="http://schemas.microsoft.com/office/drawing/2014/main" id="{4067BC87-B1DC-4C88-B293-4C6403262271}"/>
+                  </a:ext>
+                </a:extLst>
+              </p:cNvPr>
+              <p:cNvCxnSpPr/>
+              <p:nvPr/>
+            </p:nvCxnSpPr>
+            <p:spPr>
+              <a:xfrm>
+                <a:off x="7093844" y="4879902"/>
+                <a:ext cx="0" cy="528675"/>
+              </a:xfrm>
+              <a:prstGeom prst="line">
+                <a:avLst/>
+              </a:prstGeom>
+              <a:ln w="76200">
+                <a:solidFill>
+                  <a:schemeClr val="bg1"/>
+                </a:solidFill>
+              </a:ln>
+            </p:spPr>
+            <p:style>
+              <a:lnRef idx="1">
+                <a:schemeClr val="accent1"/>
+              </a:lnRef>
+              <a:fillRef idx="0">
+                <a:schemeClr val="accent1"/>
+              </a:fillRef>
+              <a:effectRef idx="0">
+                <a:schemeClr val="accent1"/>
+              </a:effectRef>
+              <a:fontRef idx="minor">
+                <a:schemeClr val="tx1"/>
+              </a:fontRef>
+            </p:style>
+          </p:cxnSp>
+        </p:grpSp>
+        <p:grpSp>
+          <p:nvGrpSpPr>
+            <p:cNvPr id="145" name="グループ化 144">
+              <a:extLst>
+                <a:ext uri="{FF2B5EF4-FFF2-40B4-BE49-F238E27FC236}">
+                  <a16:creationId xmlns:a16="http://schemas.microsoft.com/office/drawing/2014/main" id="{01B6E760-D805-446C-96C3-1ED248DF1CE5}"/>
+                </a:ext>
+              </a:extLst>
+            </p:cNvPr>
+            <p:cNvGrpSpPr/>
+            <p:nvPr/>
+          </p:nvGrpSpPr>
+          <p:grpSpPr>
+            <a:xfrm>
+              <a:off x="5916171" y="7181385"/>
+              <a:ext cx="1153441" cy="528677"/>
+              <a:chOff x="5940403" y="4879902"/>
+              <a:chExt cx="1153441" cy="528677"/>
+            </a:xfrm>
+          </p:grpSpPr>
+          <p:cxnSp>
+            <p:nvCxnSpPr>
+              <p:cNvPr id="155" name="直線コネクタ 154">
+                <a:extLst>
+                  <a:ext uri="{FF2B5EF4-FFF2-40B4-BE49-F238E27FC236}">
+                    <a16:creationId xmlns:a16="http://schemas.microsoft.com/office/drawing/2014/main" id="{A89667B0-4D33-4DD6-B1DE-398B02CA557D}"/>
+                  </a:ext>
+                </a:extLst>
+              </p:cNvPr>
+              <p:cNvCxnSpPr/>
+              <p:nvPr/>
+            </p:nvCxnSpPr>
+            <p:spPr>
+              <a:xfrm>
+                <a:off x="5940403" y="4879904"/>
+                <a:ext cx="0" cy="528675"/>
+              </a:xfrm>
+              <a:prstGeom prst="line">
+                <a:avLst/>
+              </a:prstGeom>
+              <a:ln w="76200">
+                <a:solidFill>
+                  <a:schemeClr val="bg1"/>
+                </a:solidFill>
+              </a:ln>
+            </p:spPr>
+            <p:style>
+              <a:lnRef idx="1">
+                <a:schemeClr val="accent1"/>
+              </a:lnRef>
+              <a:fillRef idx="0">
+                <a:schemeClr val="accent1"/>
+              </a:fillRef>
+              <a:effectRef idx="0">
+                <a:schemeClr val="accent1"/>
+              </a:effectRef>
+              <a:fontRef idx="minor">
+                <a:schemeClr val="tx1"/>
+              </a:fontRef>
+            </p:style>
+          </p:cxnSp>
+          <p:cxnSp>
+            <p:nvCxnSpPr>
+              <p:cNvPr id="156" name="直線コネクタ 155">
+                <a:extLst>
+                  <a:ext uri="{FF2B5EF4-FFF2-40B4-BE49-F238E27FC236}">
+                    <a16:creationId xmlns:a16="http://schemas.microsoft.com/office/drawing/2014/main" id="{85A998A5-DA9C-45EE-8573-4450BEDB8FD7}"/>
+                  </a:ext>
+                </a:extLst>
+              </p:cNvPr>
+              <p:cNvCxnSpPr/>
+              <p:nvPr/>
+            </p:nvCxnSpPr>
+            <p:spPr>
+              <a:xfrm>
+                <a:off x="6108798" y="4879904"/>
+                <a:ext cx="0" cy="528675"/>
+              </a:xfrm>
+              <a:prstGeom prst="line">
+                <a:avLst/>
+              </a:prstGeom>
+              <a:ln w="76200">
+                <a:solidFill>
+                  <a:schemeClr val="bg1"/>
+                </a:solidFill>
+              </a:ln>
+            </p:spPr>
+            <p:style>
+              <a:lnRef idx="1">
+                <a:schemeClr val="accent1"/>
+              </a:lnRef>
+              <a:fillRef idx="0">
+                <a:schemeClr val="accent1"/>
+              </a:fillRef>
+              <a:effectRef idx="0">
+                <a:schemeClr val="accent1"/>
+              </a:effectRef>
+              <a:fontRef idx="minor">
+                <a:schemeClr val="tx1"/>
+              </a:fontRef>
+            </p:style>
+          </p:cxnSp>
+          <p:cxnSp>
+            <p:nvCxnSpPr>
+              <p:cNvPr id="157" name="直線コネクタ 156">
+                <a:extLst>
+                  <a:ext uri="{FF2B5EF4-FFF2-40B4-BE49-F238E27FC236}">
+                    <a16:creationId xmlns:a16="http://schemas.microsoft.com/office/drawing/2014/main" id="{3942AB42-3DC5-40C5-83E2-56162514EBC0}"/>
+                  </a:ext>
+                </a:extLst>
+              </p:cNvPr>
+              <p:cNvCxnSpPr/>
+              <p:nvPr/>
+            </p:nvCxnSpPr>
+            <p:spPr>
+              <a:xfrm>
+                <a:off x="6269195" y="4879904"/>
+                <a:ext cx="0" cy="528675"/>
+              </a:xfrm>
+              <a:prstGeom prst="line">
+                <a:avLst/>
+              </a:prstGeom>
+              <a:ln w="76200">
+                <a:solidFill>
+                  <a:schemeClr val="bg1"/>
+                </a:solidFill>
+              </a:ln>
+            </p:spPr>
+            <p:style>
+              <a:lnRef idx="1">
+                <a:schemeClr val="accent1"/>
+              </a:lnRef>
+              <a:fillRef idx="0">
+                <a:schemeClr val="accent1"/>
+              </a:fillRef>
+              <a:effectRef idx="0">
+                <a:schemeClr val="accent1"/>
+              </a:effectRef>
+              <a:fontRef idx="minor">
+                <a:schemeClr val="tx1"/>
+              </a:fontRef>
+            </p:style>
+          </p:cxnSp>
+          <p:cxnSp>
+            <p:nvCxnSpPr>
+              <p:cNvPr id="158" name="直線コネクタ 157">
+                <a:extLst>
+                  <a:ext uri="{FF2B5EF4-FFF2-40B4-BE49-F238E27FC236}">
+                    <a16:creationId xmlns:a16="http://schemas.microsoft.com/office/drawing/2014/main" id="{3BEC5166-1861-423A-9D21-60FA7F608D04}"/>
+                  </a:ext>
+                </a:extLst>
+              </p:cNvPr>
+              <p:cNvCxnSpPr/>
+              <p:nvPr/>
+            </p:nvCxnSpPr>
+            <p:spPr>
+              <a:xfrm>
+                <a:off x="6434925" y="4879903"/>
+                <a:ext cx="0" cy="528675"/>
+              </a:xfrm>
+              <a:prstGeom prst="line">
+                <a:avLst/>
+              </a:prstGeom>
+              <a:ln w="76200">
+                <a:solidFill>
+                  <a:schemeClr val="bg1"/>
+                </a:solidFill>
+              </a:ln>
+            </p:spPr>
+            <p:style>
+              <a:lnRef idx="1">
+                <a:schemeClr val="accent1"/>
+              </a:lnRef>
+              <a:fillRef idx="0">
+                <a:schemeClr val="accent1"/>
+              </a:fillRef>
+              <a:effectRef idx="0">
+                <a:schemeClr val="accent1"/>
+              </a:effectRef>
+              <a:fontRef idx="minor">
+                <a:schemeClr val="tx1"/>
+              </a:fontRef>
+            </p:style>
+          </p:cxnSp>
+          <p:cxnSp>
+            <p:nvCxnSpPr>
+              <p:cNvPr id="159" name="直線コネクタ 158">
+                <a:extLst>
+                  <a:ext uri="{FF2B5EF4-FFF2-40B4-BE49-F238E27FC236}">
+                    <a16:creationId xmlns:a16="http://schemas.microsoft.com/office/drawing/2014/main" id="{95B55854-55F5-4A12-86D3-F4740E689F22}"/>
+                  </a:ext>
+                </a:extLst>
+              </p:cNvPr>
+              <p:cNvCxnSpPr/>
+              <p:nvPr/>
+            </p:nvCxnSpPr>
+            <p:spPr>
+              <a:xfrm>
+                <a:off x="6599322" y="4879903"/>
+                <a:ext cx="0" cy="528675"/>
+              </a:xfrm>
+              <a:prstGeom prst="line">
+                <a:avLst/>
+              </a:prstGeom>
+              <a:ln w="76200">
+                <a:solidFill>
+                  <a:schemeClr val="bg1"/>
+                </a:solidFill>
+              </a:ln>
+            </p:spPr>
+            <p:style>
+              <a:lnRef idx="1">
+                <a:schemeClr val="accent1"/>
+              </a:lnRef>
+              <a:fillRef idx="0">
+                <a:schemeClr val="accent1"/>
+              </a:fillRef>
+              <a:effectRef idx="0">
+                <a:schemeClr val="accent1"/>
+              </a:effectRef>
+              <a:fontRef idx="minor">
+                <a:schemeClr val="tx1"/>
+              </a:fontRef>
+            </p:style>
+          </p:cxnSp>
+          <p:cxnSp>
+            <p:nvCxnSpPr>
+              <p:cNvPr id="160" name="直線コネクタ 159">
+                <a:extLst>
+                  <a:ext uri="{FF2B5EF4-FFF2-40B4-BE49-F238E27FC236}">
+                    <a16:creationId xmlns:a16="http://schemas.microsoft.com/office/drawing/2014/main" id="{9E265F77-9126-4D79-9190-1EE9413CFBF6}"/>
+                  </a:ext>
+                </a:extLst>
+              </p:cNvPr>
+              <p:cNvCxnSpPr/>
+              <p:nvPr/>
+            </p:nvCxnSpPr>
+            <p:spPr>
+              <a:xfrm>
+                <a:off x="6767717" y="4879903"/>
+                <a:ext cx="0" cy="528675"/>
+              </a:xfrm>
+              <a:prstGeom prst="line">
+                <a:avLst/>
+              </a:prstGeom>
+              <a:ln w="76200">
+                <a:solidFill>
+                  <a:schemeClr val="bg1"/>
+                </a:solidFill>
+              </a:ln>
+            </p:spPr>
+            <p:style>
+              <a:lnRef idx="1">
+                <a:schemeClr val="accent1"/>
+              </a:lnRef>
+              <a:fillRef idx="0">
+                <a:schemeClr val="accent1"/>
+              </a:fillRef>
+              <a:effectRef idx="0">
+                <a:schemeClr val="accent1"/>
+              </a:effectRef>
+              <a:fontRef idx="minor">
+                <a:schemeClr val="tx1"/>
+              </a:fontRef>
+            </p:style>
+          </p:cxnSp>
+          <p:cxnSp>
+            <p:nvCxnSpPr>
+              <p:cNvPr id="161" name="直線コネクタ 160">
+                <a:extLst>
+                  <a:ext uri="{FF2B5EF4-FFF2-40B4-BE49-F238E27FC236}">
+                    <a16:creationId xmlns:a16="http://schemas.microsoft.com/office/drawing/2014/main" id="{8DC96BC2-1C30-456D-B195-F4CAE37656F8}"/>
+                  </a:ext>
+                </a:extLst>
+              </p:cNvPr>
+              <p:cNvCxnSpPr/>
+              <p:nvPr/>
+            </p:nvCxnSpPr>
+            <p:spPr>
+              <a:xfrm>
+                <a:off x="6928114" y="4879903"/>
+                <a:ext cx="0" cy="528675"/>
+              </a:xfrm>
+              <a:prstGeom prst="line">
+                <a:avLst/>
+              </a:prstGeom>
+              <a:ln w="76200">
+                <a:solidFill>
+                  <a:schemeClr val="bg1"/>
+                </a:solidFill>
+              </a:ln>
+            </p:spPr>
+            <p:style>
+              <a:lnRef idx="1">
+                <a:schemeClr val="accent1"/>
+              </a:lnRef>
+              <a:fillRef idx="0">
+                <a:schemeClr val="accent1"/>
+              </a:fillRef>
+              <a:effectRef idx="0">
+                <a:schemeClr val="accent1"/>
+              </a:effectRef>
+              <a:fontRef idx="minor">
+                <a:schemeClr val="tx1"/>
+              </a:fontRef>
+            </p:style>
+          </p:cxnSp>
+          <p:cxnSp>
+            <p:nvCxnSpPr>
+              <p:cNvPr id="162" name="直線コネクタ 161">
+                <a:extLst>
+                  <a:ext uri="{FF2B5EF4-FFF2-40B4-BE49-F238E27FC236}">
+                    <a16:creationId xmlns:a16="http://schemas.microsoft.com/office/drawing/2014/main" id="{43ABC41C-95F4-4E64-80C2-48D02A592868}"/>
+                  </a:ext>
+                </a:extLst>
+              </p:cNvPr>
+              <p:cNvCxnSpPr/>
+              <p:nvPr/>
+            </p:nvCxnSpPr>
+            <p:spPr>
+              <a:xfrm>
+                <a:off x="7093844" y="4879902"/>
+                <a:ext cx="0" cy="528675"/>
+              </a:xfrm>
+              <a:prstGeom prst="line">
+                <a:avLst/>
+              </a:prstGeom>
+              <a:ln w="76200">
+                <a:solidFill>
+                  <a:schemeClr val="bg1"/>
+                </a:solidFill>
+              </a:ln>
+            </p:spPr>
+            <p:style>
+              <a:lnRef idx="1">
+                <a:schemeClr val="accent1"/>
+              </a:lnRef>
+              <a:fillRef idx="0">
+                <a:schemeClr val="accent1"/>
+              </a:fillRef>
+              <a:effectRef idx="0">
+                <a:schemeClr val="accent1"/>
+              </a:effectRef>
+              <a:fontRef idx="minor">
+                <a:schemeClr val="tx1"/>
+              </a:fontRef>
+            </p:style>
+          </p:cxnSp>
+        </p:grpSp>
+        <p:grpSp>
+          <p:nvGrpSpPr>
+            <p:cNvPr id="146" name="グループ化 145">
+              <a:extLst>
+                <a:ext uri="{FF2B5EF4-FFF2-40B4-BE49-F238E27FC236}">
+                  <a16:creationId xmlns:a16="http://schemas.microsoft.com/office/drawing/2014/main" id="{C72A46DC-E8E8-431B-852E-4E06A67F68BF}"/>
+                </a:ext>
+              </a:extLst>
+            </p:cNvPr>
+            <p:cNvGrpSpPr/>
+            <p:nvPr/>
+          </p:nvGrpSpPr>
+          <p:grpSpPr>
+            <a:xfrm rot="16200000">
+              <a:off x="7104237" y="5996096"/>
+              <a:ext cx="1153441" cy="528677"/>
+              <a:chOff x="5940403" y="4879902"/>
+              <a:chExt cx="1153441" cy="528677"/>
+            </a:xfrm>
+          </p:grpSpPr>
+          <p:cxnSp>
+            <p:nvCxnSpPr>
+              <p:cNvPr id="147" name="直線コネクタ 146">
+                <a:extLst>
+                  <a:ext uri="{FF2B5EF4-FFF2-40B4-BE49-F238E27FC236}">
+                    <a16:creationId xmlns:a16="http://schemas.microsoft.com/office/drawing/2014/main" id="{A63BBD32-B67A-4E94-B92C-029683B901D1}"/>
+                  </a:ext>
+                </a:extLst>
+              </p:cNvPr>
+              <p:cNvCxnSpPr/>
+              <p:nvPr/>
+            </p:nvCxnSpPr>
+            <p:spPr>
+              <a:xfrm>
+                <a:off x="5940403" y="4879904"/>
+                <a:ext cx="0" cy="528675"/>
+              </a:xfrm>
+              <a:prstGeom prst="line">
+                <a:avLst/>
+              </a:prstGeom>
+              <a:ln w="76200">
+                <a:solidFill>
+                  <a:schemeClr val="bg1"/>
+                </a:solidFill>
+              </a:ln>
+            </p:spPr>
+            <p:style>
+              <a:lnRef idx="1">
+                <a:schemeClr val="accent1"/>
+              </a:lnRef>
+              <a:fillRef idx="0">
+                <a:schemeClr val="accent1"/>
+              </a:fillRef>
+              <a:effectRef idx="0">
+                <a:schemeClr val="accent1"/>
+              </a:effectRef>
+              <a:fontRef idx="minor">
+                <a:schemeClr val="tx1"/>
+              </a:fontRef>
+            </p:style>
+          </p:cxnSp>
+          <p:cxnSp>
+            <p:nvCxnSpPr>
+              <p:cNvPr id="148" name="直線コネクタ 147">
+                <a:extLst>
+                  <a:ext uri="{FF2B5EF4-FFF2-40B4-BE49-F238E27FC236}">
+                    <a16:creationId xmlns:a16="http://schemas.microsoft.com/office/drawing/2014/main" id="{882801C6-6628-40E6-B5D3-29FA078379F9}"/>
+                  </a:ext>
+                </a:extLst>
+              </p:cNvPr>
+              <p:cNvCxnSpPr/>
+              <p:nvPr/>
+            </p:nvCxnSpPr>
+            <p:spPr>
+              <a:xfrm>
+                <a:off x="6108798" y="4879904"/>
+                <a:ext cx="0" cy="528675"/>
+              </a:xfrm>
+              <a:prstGeom prst="line">
+                <a:avLst/>
+              </a:prstGeom>
+              <a:ln w="76200">
+                <a:solidFill>
+                  <a:schemeClr val="bg1"/>
+                </a:solidFill>
+              </a:ln>
+            </p:spPr>
+            <p:style>
+              <a:lnRef idx="1">
+                <a:schemeClr val="accent1"/>
+              </a:lnRef>
+              <a:fillRef idx="0">
+                <a:schemeClr val="accent1"/>
+              </a:fillRef>
+              <a:effectRef idx="0">
+                <a:schemeClr val="accent1"/>
+              </a:effectRef>
+              <a:fontRef idx="minor">
+                <a:schemeClr val="tx1"/>
+              </a:fontRef>
+            </p:style>
+          </p:cxnSp>
+          <p:cxnSp>
+            <p:nvCxnSpPr>
+              <p:cNvPr id="149" name="直線コネクタ 148">
+                <a:extLst>
+                  <a:ext uri="{FF2B5EF4-FFF2-40B4-BE49-F238E27FC236}">
+                    <a16:creationId xmlns:a16="http://schemas.microsoft.com/office/drawing/2014/main" id="{C9188957-9C53-4525-9A8C-4897142402C7}"/>
+                  </a:ext>
+                </a:extLst>
+              </p:cNvPr>
+              <p:cNvCxnSpPr/>
+              <p:nvPr/>
+            </p:nvCxnSpPr>
+            <p:spPr>
+              <a:xfrm>
+                <a:off x="6269195" y="4879904"/>
+                <a:ext cx="0" cy="528675"/>
+              </a:xfrm>
+              <a:prstGeom prst="line">
+                <a:avLst/>
+              </a:prstGeom>
+              <a:ln w="76200">
+                <a:solidFill>
+                  <a:schemeClr val="bg1"/>
+                </a:solidFill>
+              </a:ln>
+            </p:spPr>
+            <p:style>
+              <a:lnRef idx="1">
+                <a:schemeClr val="accent1"/>
+              </a:lnRef>
+              <a:fillRef idx="0">
+                <a:schemeClr val="accent1"/>
+              </a:fillRef>
+              <a:effectRef idx="0">
+                <a:schemeClr val="accent1"/>
+              </a:effectRef>
+              <a:fontRef idx="minor">
+                <a:schemeClr val="tx1"/>
+              </a:fontRef>
+            </p:style>
+          </p:cxnSp>
+          <p:cxnSp>
+            <p:nvCxnSpPr>
+              <p:cNvPr id="150" name="直線コネクタ 149">
+                <a:extLst>
+                  <a:ext uri="{FF2B5EF4-FFF2-40B4-BE49-F238E27FC236}">
+                    <a16:creationId xmlns:a16="http://schemas.microsoft.com/office/drawing/2014/main" id="{8C913F4B-7A1C-4B23-A482-1454987E84C1}"/>
+                  </a:ext>
+                </a:extLst>
+              </p:cNvPr>
+              <p:cNvCxnSpPr/>
+              <p:nvPr/>
+            </p:nvCxnSpPr>
+            <p:spPr>
+              <a:xfrm>
+                <a:off x="6434925" y="4879903"/>
+                <a:ext cx="0" cy="528675"/>
+              </a:xfrm>
+              <a:prstGeom prst="line">
+                <a:avLst/>
+              </a:prstGeom>
+              <a:ln w="76200">
+                <a:solidFill>
+                  <a:schemeClr val="bg1"/>
+                </a:solidFill>
+              </a:ln>
+            </p:spPr>
+            <p:style>
+              <a:lnRef idx="1">
+                <a:schemeClr val="accent1"/>
+              </a:lnRef>
+              <a:fillRef idx="0">
+                <a:schemeClr val="accent1"/>
+              </a:fillRef>
+              <a:effectRef idx="0">
+                <a:schemeClr val="accent1"/>
+              </a:effectRef>
+              <a:fontRef idx="minor">
+                <a:schemeClr val="tx1"/>
+              </a:fontRef>
+            </p:style>
+          </p:cxnSp>
+          <p:cxnSp>
+            <p:nvCxnSpPr>
+              <p:cNvPr id="151" name="直線コネクタ 150">
+                <a:extLst>
+                  <a:ext uri="{FF2B5EF4-FFF2-40B4-BE49-F238E27FC236}">
+                    <a16:creationId xmlns:a16="http://schemas.microsoft.com/office/drawing/2014/main" id="{47175DA2-D980-4A4B-92AA-D2B973E32496}"/>
+                  </a:ext>
+                </a:extLst>
+              </p:cNvPr>
+              <p:cNvCxnSpPr/>
+              <p:nvPr/>
+            </p:nvCxnSpPr>
+            <p:spPr>
+              <a:xfrm>
+                <a:off x="6599322" y="4879903"/>
+                <a:ext cx="0" cy="528675"/>
+              </a:xfrm>
+              <a:prstGeom prst="line">
+                <a:avLst/>
+              </a:prstGeom>
+              <a:ln w="76200">
+                <a:solidFill>
+                  <a:schemeClr val="bg1"/>
+                </a:solidFill>
+              </a:ln>
+            </p:spPr>
+            <p:style>
+              <a:lnRef idx="1">
+                <a:schemeClr val="accent1"/>
+              </a:lnRef>
+              <a:fillRef idx="0">
+                <a:schemeClr val="accent1"/>
+              </a:fillRef>
+              <a:effectRef idx="0">
+                <a:schemeClr val="accent1"/>
+              </a:effectRef>
+              <a:fontRef idx="minor">
+                <a:schemeClr val="tx1"/>
+              </a:fontRef>
+            </p:style>
+          </p:cxnSp>
+          <p:cxnSp>
+            <p:nvCxnSpPr>
+              <p:cNvPr id="152" name="直線コネクタ 151">
+                <a:extLst>
+                  <a:ext uri="{FF2B5EF4-FFF2-40B4-BE49-F238E27FC236}">
+                    <a16:creationId xmlns:a16="http://schemas.microsoft.com/office/drawing/2014/main" id="{6BD65DE4-58B6-4B27-A5B1-69451028372D}"/>
+                  </a:ext>
+                </a:extLst>
+              </p:cNvPr>
+              <p:cNvCxnSpPr/>
+              <p:nvPr/>
+            </p:nvCxnSpPr>
+            <p:spPr>
+              <a:xfrm>
+                <a:off x="6767717" y="4879903"/>
+                <a:ext cx="0" cy="528675"/>
+              </a:xfrm>
+              <a:prstGeom prst="line">
+                <a:avLst/>
+              </a:prstGeom>
+              <a:ln w="76200">
+                <a:solidFill>
+                  <a:schemeClr val="bg1"/>
+                </a:solidFill>
+              </a:ln>
+            </p:spPr>
+            <p:style>
+              <a:lnRef idx="1">
+                <a:schemeClr val="accent1"/>
+              </a:lnRef>
+              <a:fillRef idx="0">
+                <a:schemeClr val="accent1"/>
+              </a:fillRef>
+              <a:effectRef idx="0">
+                <a:schemeClr val="accent1"/>
+              </a:effectRef>
+              <a:fontRef idx="minor">
+                <a:schemeClr val="tx1"/>
+              </a:fontRef>
+            </p:style>
+          </p:cxnSp>
+          <p:cxnSp>
+            <p:nvCxnSpPr>
+              <p:cNvPr id="153" name="直線コネクタ 152">
+                <a:extLst>
+                  <a:ext uri="{FF2B5EF4-FFF2-40B4-BE49-F238E27FC236}">
+                    <a16:creationId xmlns:a16="http://schemas.microsoft.com/office/drawing/2014/main" id="{A6E8BC08-3046-4D88-AC31-1C1284CD6E59}"/>
+                  </a:ext>
+                </a:extLst>
+              </p:cNvPr>
+              <p:cNvCxnSpPr/>
+              <p:nvPr/>
+            </p:nvCxnSpPr>
+            <p:spPr>
+              <a:xfrm>
+                <a:off x="6928114" y="4879903"/>
+                <a:ext cx="0" cy="528675"/>
+              </a:xfrm>
+              <a:prstGeom prst="line">
+                <a:avLst/>
+              </a:prstGeom>
+              <a:ln w="76200">
+                <a:solidFill>
+                  <a:schemeClr val="bg1"/>
+                </a:solidFill>
+              </a:ln>
+            </p:spPr>
+            <p:style>
+              <a:lnRef idx="1">
+                <a:schemeClr val="accent1"/>
+              </a:lnRef>
+              <a:fillRef idx="0">
+                <a:schemeClr val="accent1"/>
+              </a:fillRef>
+              <a:effectRef idx="0">
+                <a:schemeClr val="accent1"/>
+              </a:effectRef>
+              <a:fontRef idx="minor">
+                <a:schemeClr val="tx1"/>
+              </a:fontRef>
+            </p:style>
+          </p:cxnSp>
+          <p:cxnSp>
+            <p:nvCxnSpPr>
+              <p:cNvPr id="154" name="直線コネクタ 153">
+                <a:extLst>
+                  <a:ext uri="{FF2B5EF4-FFF2-40B4-BE49-F238E27FC236}">
+                    <a16:creationId xmlns:a16="http://schemas.microsoft.com/office/drawing/2014/main" id="{9CEBC9AD-7573-419B-BEBF-9C04C0433F84}"/>
+                  </a:ext>
+                </a:extLst>
+              </p:cNvPr>
+              <p:cNvCxnSpPr/>
+              <p:nvPr/>
+            </p:nvCxnSpPr>
+            <p:spPr>
+              <a:xfrm>
+                <a:off x="7093844" y="4879902"/>
+                <a:ext cx="0" cy="528675"/>
+              </a:xfrm>
+              <a:prstGeom prst="line">
+                <a:avLst/>
+              </a:prstGeom>
+              <a:ln w="76200">
+                <a:solidFill>
+                  <a:schemeClr val="bg1"/>
+                </a:solidFill>
+              </a:ln>
+            </p:spPr>
+            <p:style>
+              <a:lnRef idx="1">
+                <a:schemeClr val="accent1"/>
+              </a:lnRef>
+              <a:fillRef idx="0">
+                <a:schemeClr val="accent1"/>
+              </a:fillRef>
+              <a:effectRef idx="0">
+                <a:schemeClr val="accent1"/>
+              </a:effectRef>
+              <a:fontRef idx="minor">
+                <a:schemeClr val="tx1"/>
+              </a:fontRef>
+            </p:style>
+          </p:cxnSp>
+        </p:grpSp>
+      </p:grpSp>
+      <p:grpSp>
+        <p:nvGrpSpPr>
+          <p:cNvPr id="179" name="グループ化 178">
+            <a:extLst>
+              <a:ext uri="{FF2B5EF4-FFF2-40B4-BE49-F238E27FC236}">
+                <a16:creationId xmlns:a16="http://schemas.microsoft.com/office/drawing/2014/main" id="{C74F73CF-43DB-48A3-B80C-A5DAA01C9FFA}"/>
+              </a:ext>
+            </a:extLst>
+          </p:cNvPr>
+          <p:cNvGrpSpPr/>
+          <p:nvPr/>
+        </p:nvGrpSpPr>
+        <p:grpSpPr>
+          <a:xfrm>
+            <a:off x="5045745" y="10353390"/>
+            <a:ext cx="2888011" cy="2814337"/>
+            <a:chOff x="5057285" y="4895725"/>
+            <a:chExt cx="2888011" cy="2814337"/>
+          </a:xfrm>
+        </p:grpSpPr>
+        <p:grpSp>
+          <p:nvGrpSpPr>
+            <p:cNvPr id="180" name="グループ化 179">
+              <a:extLst>
+                <a:ext uri="{FF2B5EF4-FFF2-40B4-BE49-F238E27FC236}">
+                  <a16:creationId xmlns:a16="http://schemas.microsoft.com/office/drawing/2014/main" id="{942D5F13-8FAD-437B-A3C1-994C1490A217}"/>
+                </a:ext>
+              </a:extLst>
+            </p:cNvPr>
+            <p:cNvGrpSpPr/>
+            <p:nvPr/>
+          </p:nvGrpSpPr>
+          <p:grpSpPr>
+            <a:xfrm>
+              <a:off x="5913030" y="4895725"/>
+              <a:ext cx="1153441" cy="528677"/>
+              <a:chOff x="5940403" y="4879902"/>
+              <a:chExt cx="1153441" cy="528677"/>
+            </a:xfrm>
+          </p:grpSpPr>
+          <p:cxnSp>
+            <p:nvCxnSpPr>
+              <p:cNvPr id="208" name="直線コネクタ 207">
+                <a:extLst>
+                  <a:ext uri="{FF2B5EF4-FFF2-40B4-BE49-F238E27FC236}">
+                    <a16:creationId xmlns:a16="http://schemas.microsoft.com/office/drawing/2014/main" id="{FE8AF794-8E00-4F23-9FAC-BDD8209541A8}"/>
+                  </a:ext>
+                </a:extLst>
+              </p:cNvPr>
+              <p:cNvCxnSpPr/>
+              <p:nvPr/>
+            </p:nvCxnSpPr>
+            <p:spPr>
+              <a:xfrm>
+                <a:off x="5940403" y="4879904"/>
+                <a:ext cx="0" cy="528675"/>
+              </a:xfrm>
+              <a:prstGeom prst="line">
+                <a:avLst/>
+              </a:prstGeom>
+              <a:ln w="76200">
+                <a:solidFill>
+                  <a:schemeClr val="bg1"/>
+                </a:solidFill>
+              </a:ln>
+            </p:spPr>
+            <p:style>
+              <a:lnRef idx="1">
+                <a:schemeClr val="accent1"/>
+              </a:lnRef>
+              <a:fillRef idx="0">
+                <a:schemeClr val="accent1"/>
+              </a:fillRef>
+              <a:effectRef idx="0">
+                <a:schemeClr val="accent1"/>
+              </a:effectRef>
+              <a:fontRef idx="minor">
+                <a:schemeClr val="tx1"/>
+              </a:fontRef>
+            </p:style>
+          </p:cxnSp>
+          <p:cxnSp>
+            <p:nvCxnSpPr>
+              <p:cNvPr id="209" name="直線コネクタ 208">
+                <a:extLst>
+                  <a:ext uri="{FF2B5EF4-FFF2-40B4-BE49-F238E27FC236}">
+                    <a16:creationId xmlns:a16="http://schemas.microsoft.com/office/drawing/2014/main" id="{30D50642-B8E9-4F5E-83AA-3274D38091AA}"/>
+                  </a:ext>
+                </a:extLst>
+              </p:cNvPr>
+              <p:cNvCxnSpPr/>
+              <p:nvPr/>
+            </p:nvCxnSpPr>
+            <p:spPr>
+              <a:xfrm>
+                <a:off x="6108798" y="4879904"/>
+                <a:ext cx="0" cy="528675"/>
+              </a:xfrm>
+              <a:prstGeom prst="line">
+                <a:avLst/>
+              </a:prstGeom>
+              <a:ln w="76200">
+                <a:solidFill>
+                  <a:schemeClr val="bg1"/>
+                </a:solidFill>
+              </a:ln>
+            </p:spPr>
+            <p:style>
+              <a:lnRef idx="1">
+                <a:schemeClr val="accent1"/>
+              </a:lnRef>
+              <a:fillRef idx="0">
+                <a:schemeClr val="accent1"/>
+              </a:fillRef>
+              <a:effectRef idx="0">
+                <a:schemeClr val="accent1"/>
+              </a:effectRef>
+              <a:fontRef idx="minor">
+                <a:schemeClr val="tx1"/>
+              </a:fontRef>
+            </p:style>
+          </p:cxnSp>
+          <p:cxnSp>
+            <p:nvCxnSpPr>
+              <p:cNvPr id="210" name="直線コネクタ 209">
+                <a:extLst>
+                  <a:ext uri="{FF2B5EF4-FFF2-40B4-BE49-F238E27FC236}">
+                    <a16:creationId xmlns:a16="http://schemas.microsoft.com/office/drawing/2014/main" id="{1334CBA1-9134-4C62-8245-D736B3284DA2}"/>
+                  </a:ext>
+                </a:extLst>
+              </p:cNvPr>
+              <p:cNvCxnSpPr/>
+              <p:nvPr/>
+            </p:nvCxnSpPr>
+            <p:spPr>
+              <a:xfrm>
+                <a:off x="6269195" y="4879904"/>
+                <a:ext cx="0" cy="528675"/>
+              </a:xfrm>
+              <a:prstGeom prst="line">
+                <a:avLst/>
+              </a:prstGeom>
+              <a:ln w="76200">
+                <a:solidFill>
+                  <a:schemeClr val="bg1"/>
+                </a:solidFill>
+              </a:ln>
+            </p:spPr>
+            <p:style>
+              <a:lnRef idx="1">
+                <a:schemeClr val="accent1"/>
+              </a:lnRef>
+              <a:fillRef idx="0">
+                <a:schemeClr val="accent1"/>
+              </a:fillRef>
+              <a:effectRef idx="0">
+                <a:schemeClr val="accent1"/>
+              </a:effectRef>
+              <a:fontRef idx="minor">
+                <a:schemeClr val="tx1"/>
+              </a:fontRef>
+            </p:style>
+          </p:cxnSp>
+          <p:cxnSp>
+            <p:nvCxnSpPr>
+              <p:cNvPr id="211" name="直線コネクタ 210">
+                <a:extLst>
+                  <a:ext uri="{FF2B5EF4-FFF2-40B4-BE49-F238E27FC236}">
+                    <a16:creationId xmlns:a16="http://schemas.microsoft.com/office/drawing/2014/main" id="{003AEF42-D7ED-4DCC-BF52-8CF920888AA0}"/>
+                  </a:ext>
+                </a:extLst>
+              </p:cNvPr>
+              <p:cNvCxnSpPr/>
+              <p:nvPr/>
+            </p:nvCxnSpPr>
+            <p:spPr>
+              <a:xfrm>
+                <a:off x="6434925" y="4879903"/>
+                <a:ext cx="0" cy="528675"/>
+              </a:xfrm>
+              <a:prstGeom prst="line">
+                <a:avLst/>
+              </a:prstGeom>
+              <a:ln w="76200">
+                <a:solidFill>
+                  <a:schemeClr val="bg1"/>
+                </a:solidFill>
+              </a:ln>
+            </p:spPr>
+            <p:style>
+              <a:lnRef idx="1">
+                <a:schemeClr val="accent1"/>
+              </a:lnRef>
+              <a:fillRef idx="0">
+                <a:schemeClr val="accent1"/>
+              </a:fillRef>
+              <a:effectRef idx="0">
+                <a:schemeClr val="accent1"/>
+              </a:effectRef>
+              <a:fontRef idx="minor">
+                <a:schemeClr val="tx1"/>
+              </a:fontRef>
+            </p:style>
+          </p:cxnSp>
+          <p:cxnSp>
+            <p:nvCxnSpPr>
+              <p:cNvPr id="212" name="直線コネクタ 211">
+                <a:extLst>
+                  <a:ext uri="{FF2B5EF4-FFF2-40B4-BE49-F238E27FC236}">
+                    <a16:creationId xmlns:a16="http://schemas.microsoft.com/office/drawing/2014/main" id="{E0DDA19F-953E-4CF9-B656-CA5DE0748BA9}"/>
+                  </a:ext>
+                </a:extLst>
+              </p:cNvPr>
+              <p:cNvCxnSpPr/>
+              <p:nvPr/>
+            </p:nvCxnSpPr>
+            <p:spPr>
+              <a:xfrm>
+                <a:off x="6599322" y="4879903"/>
+                <a:ext cx="0" cy="528675"/>
+              </a:xfrm>
+              <a:prstGeom prst="line">
+                <a:avLst/>
+              </a:prstGeom>
+              <a:ln w="76200">
+                <a:solidFill>
+                  <a:schemeClr val="bg1"/>
+                </a:solidFill>
+              </a:ln>
+            </p:spPr>
+            <p:style>
+              <a:lnRef idx="1">
+                <a:schemeClr val="accent1"/>
+              </a:lnRef>
+              <a:fillRef idx="0">
+                <a:schemeClr val="accent1"/>
+              </a:fillRef>
+              <a:effectRef idx="0">
+                <a:schemeClr val="accent1"/>
+              </a:effectRef>
+              <a:fontRef idx="minor">
+                <a:schemeClr val="tx1"/>
+              </a:fontRef>
+            </p:style>
+          </p:cxnSp>
+          <p:cxnSp>
+            <p:nvCxnSpPr>
+              <p:cNvPr id="213" name="直線コネクタ 212">
+                <a:extLst>
+                  <a:ext uri="{FF2B5EF4-FFF2-40B4-BE49-F238E27FC236}">
+                    <a16:creationId xmlns:a16="http://schemas.microsoft.com/office/drawing/2014/main" id="{F63EC049-ECE4-4C11-B559-E794DA508672}"/>
+                  </a:ext>
+                </a:extLst>
+              </p:cNvPr>
+              <p:cNvCxnSpPr/>
+              <p:nvPr/>
+            </p:nvCxnSpPr>
+            <p:spPr>
+              <a:xfrm>
+                <a:off x="6767717" y="4879903"/>
+                <a:ext cx="0" cy="528675"/>
+              </a:xfrm>
+              <a:prstGeom prst="line">
+                <a:avLst/>
+              </a:prstGeom>
+              <a:ln w="76200">
+                <a:solidFill>
+                  <a:schemeClr val="bg1"/>
+                </a:solidFill>
+              </a:ln>
+            </p:spPr>
+            <p:style>
+              <a:lnRef idx="1">
+                <a:schemeClr val="accent1"/>
+              </a:lnRef>
+              <a:fillRef idx="0">
+                <a:schemeClr val="accent1"/>
+              </a:fillRef>
+              <a:effectRef idx="0">
+                <a:schemeClr val="accent1"/>
+              </a:effectRef>
+              <a:fontRef idx="minor">
+                <a:schemeClr val="tx1"/>
+              </a:fontRef>
+            </p:style>
+          </p:cxnSp>
+          <p:cxnSp>
+            <p:nvCxnSpPr>
+              <p:cNvPr id="214" name="直線コネクタ 213">
+                <a:extLst>
+                  <a:ext uri="{FF2B5EF4-FFF2-40B4-BE49-F238E27FC236}">
+                    <a16:creationId xmlns:a16="http://schemas.microsoft.com/office/drawing/2014/main" id="{CA39DB07-680F-45AF-A73D-DCF575D60929}"/>
+                  </a:ext>
+                </a:extLst>
+              </p:cNvPr>
+              <p:cNvCxnSpPr/>
+              <p:nvPr/>
+            </p:nvCxnSpPr>
+            <p:spPr>
+              <a:xfrm>
+                <a:off x="6928114" y="4879903"/>
+                <a:ext cx="0" cy="528675"/>
+              </a:xfrm>
+              <a:prstGeom prst="line">
+                <a:avLst/>
+              </a:prstGeom>
+              <a:ln w="76200">
+                <a:solidFill>
+                  <a:schemeClr val="bg1"/>
+                </a:solidFill>
+              </a:ln>
+            </p:spPr>
+            <p:style>
+              <a:lnRef idx="1">
+                <a:schemeClr val="accent1"/>
+              </a:lnRef>
+              <a:fillRef idx="0">
+                <a:schemeClr val="accent1"/>
+              </a:fillRef>
+              <a:effectRef idx="0">
+                <a:schemeClr val="accent1"/>
+              </a:effectRef>
+              <a:fontRef idx="minor">
+                <a:schemeClr val="tx1"/>
+              </a:fontRef>
+            </p:style>
+          </p:cxnSp>
+          <p:cxnSp>
+            <p:nvCxnSpPr>
+              <p:cNvPr id="215" name="直線コネクタ 214">
+                <a:extLst>
+                  <a:ext uri="{FF2B5EF4-FFF2-40B4-BE49-F238E27FC236}">
+                    <a16:creationId xmlns:a16="http://schemas.microsoft.com/office/drawing/2014/main" id="{90ED35EB-2D6A-46C8-B960-9565CD47F5C7}"/>
+                  </a:ext>
+                </a:extLst>
+              </p:cNvPr>
+              <p:cNvCxnSpPr/>
+              <p:nvPr/>
+            </p:nvCxnSpPr>
+            <p:spPr>
+              <a:xfrm>
+                <a:off x="7093844" y="4879902"/>
+                <a:ext cx="0" cy="528675"/>
+              </a:xfrm>
+              <a:prstGeom prst="line">
+                <a:avLst/>
+              </a:prstGeom>
+              <a:ln w="76200">
+                <a:solidFill>
+                  <a:schemeClr val="bg1"/>
+                </a:solidFill>
+              </a:ln>
+            </p:spPr>
+            <p:style>
+              <a:lnRef idx="1">
+                <a:schemeClr val="accent1"/>
+              </a:lnRef>
+              <a:fillRef idx="0">
+                <a:schemeClr val="accent1"/>
+              </a:fillRef>
+              <a:effectRef idx="0">
+                <a:schemeClr val="accent1"/>
+              </a:effectRef>
+              <a:fontRef idx="minor">
+                <a:schemeClr val="tx1"/>
+              </a:fontRef>
+            </p:style>
+          </p:cxnSp>
+        </p:grpSp>
+        <p:grpSp>
+          <p:nvGrpSpPr>
+            <p:cNvPr id="181" name="グループ化 180">
+              <a:extLst>
+                <a:ext uri="{FF2B5EF4-FFF2-40B4-BE49-F238E27FC236}">
+                  <a16:creationId xmlns:a16="http://schemas.microsoft.com/office/drawing/2014/main" id="{431F05E7-241F-4EE4-A60C-1E830D92318D}"/>
+                </a:ext>
+              </a:extLst>
+            </p:cNvPr>
+            <p:cNvGrpSpPr/>
+            <p:nvPr/>
+          </p:nvGrpSpPr>
+          <p:grpSpPr>
+            <a:xfrm rot="5400000">
+              <a:off x="4744903" y="5979306"/>
+              <a:ext cx="1153441" cy="528677"/>
+              <a:chOff x="5940403" y="4879902"/>
+              <a:chExt cx="1153441" cy="528677"/>
+            </a:xfrm>
+          </p:grpSpPr>
+          <p:cxnSp>
+            <p:nvCxnSpPr>
+              <p:cNvPr id="200" name="直線コネクタ 199">
+                <a:extLst>
+                  <a:ext uri="{FF2B5EF4-FFF2-40B4-BE49-F238E27FC236}">
+                    <a16:creationId xmlns:a16="http://schemas.microsoft.com/office/drawing/2014/main" id="{F0786AFB-1185-44DA-AFF4-BA73A1319504}"/>
+                  </a:ext>
+                </a:extLst>
+              </p:cNvPr>
+              <p:cNvCxnSpPr/>
+              <p:nvPr/>
+            </p:nvCxnSpPr>
+            <p:spPr>
+              <a:xfrm>
+                <a:off x="5940403" y="4879904"/>
+                <a:ext cx="0" cy="528675"/>
+              </a:xfrm>
+              <a:prstGeom prst="line">
+                <a:avLst/>
+              </a:prstGeom>
+              <a:ln w="76200">
+                <a:solidFill>
+                  <a:schemeClr val="bg1"/>
+                </a:solidFill>
+              </a:ln>
+            </p:spPr>
+            <p:style>
+              <a:lnRef idx="1">
+                <a:schemeClr val="accent1"/>
+              </a:lnRef>
+              <a:fillRef idx="0">
+                <a:schemeClr val="accent1"/>
+              </a:fillRef>
+              <a:effectRef idx="0">
+                <a:schemeClr val="accent1"/>
+              </a:effectRef>
+              <a:fontRef idx="minor">
+                <a:schemeClr val="tx1"/>
+              </a:fontRef>
+            </p:style>
+          </p:cxnSp>
+          <p:cxnSp>
+            <p:nvCxnSpPr>
+              <p:cNvPr id="201" name="直線コネクタ 200">
+                <a:extLst>
+                  <a:ext uri="{FF2B5EF4-FFF2-40B4-BE49-F238E27FC236}">
+                    <a16:creationId xmlns:a16="http://schemas.microsoft.com/office/drawing/2014/main" id="{1297357A-8A53-401C-BAE6-73A42B9D583E}"/>
+                  </a:ext>
+                </a:extLst>
+              </p:cNvPr>
+              <p:cNvCxnSpPr/>
+              <p:nvPr/>
+            </p:nvCxnSpPr>
+            <p:spPr>
+              <a:xfrm>
+                <a:off x="6108798" y="4879904"/>
+                <a:ext cx="0" cy="528675"/>
+              </a:xfrm>
+              <a:prstGeom prst="line">
+                <a:avLst/>
+              </a:prstGeom>
+              <a:ln w="76200">
+                <a:solidFill>
+                  <a:schemeClr val="bg1"/>
+                </a:solidFill>
+              </a:ln>
+            </p:spPr>
+            <p:style>
+              <a:lnRef idx="1">
+                <a:schemeClr val="accent1"/>
+              </a:lnRef>
+              <a:fillRef idx="0">
+                <a:schemeClr val="accent1"/>
+              </a:fillRef>
+              <a:effectRef idx="0">
+                <a:schemeClr val="accent1"/>
+              </a:effectRef>
+              <a:fontRef idx="minor">
+                <a:schemeClr val="tx1"/>
+              </a:fontRef>
+            </p:style>
+          </p:cxnSp>
+          <p:cxnSp>
+            <p:nvCxnSpPr>
+              <p:cNvPr id="202" name="直線コネクタ 201">
+                <a:extLst>
+                  <a:ext uri="{FF2B5EF4-FFF2-40B4-BE49-F238E27FC236}">
+                    <a16:creationId xmlns:a16="http://schemas.microsoft.com/office/drawing/2014/main" id="{7DBB1A99-C282-488D-9729-2F14D55ED138}"/>
+                  </a:ext>
+                </a:extLst>
+              </p:cNvPr>
+              <p:cNvCxnSpPr/>
+              <p:nvPr/>
+            </p:nvCxnSpPr>
+            <p:spPr>
+              <a:xfrm>
+                <a:off x="6269195" y="4879904"/>
+                <a:ext cx="0" cy="528675"/>
+              </a:xfrm>
+              <a:prstGeom prst="line">
+                <a:avLst/>
+              </a:prstGeom>
+              <a:ln w="76200">
+                <a:solidFill>
+                  <a:schemeClr val="bg1"/>
+                </a:solidFill>
+              </a:ln>
+            </p:spPr>
+            <p:style>
+              <a:lnRef idx="1">
+                <a:schemeClr val="accent1"/>
+              </a:lnRef>
+              <a:fillRef idx="0">
+                <a:schemeClr val="accent1"/>
+              </a:fillRef>
+              <a:effectRef idx="0">
+                <a:schemeClr val="accent1"/>
+              </a:effectRef>
+              <a:fontRef idx="minor">
+                <a:schemeClr val="tx1"/>
+              </a:fontRef>
+            </p:style>
+          </p:cxnSp>
+          <p:cxnSp>
+            <p:nvCxnSpPr>
+              <p:cNvPr id="203" name="直線コネクタ 202">
+                <a:extLst>
+                  <a:ext uri="{FF2B5EF4-FFF2-40B4-BE49-F238E27FC236}">
+                    <a16:creationId xmlns:a16="http://schemas.microsoft.com/office/drawing/2014/main" id="{325DC311-082D-4C0C-AD71-8A2C7E30A2A6}"/>
+                  </a:ext>
+                </a:extLst>
+              </p:cNvPr>
+              <p:cNvCxnSpPr/>
+              <p:nvPr/>
+            </p:nvCxnSpPr>
+            <p:spPr>
+              <a:xfrm>
+                <a:off x="6434925" y="4879903"/>
+                <a:ext cx="0" cy="528675"/>
+              </a:xfrm>
+              <a:prstGeom prst="line">
+                <a:avLst/>
+              </a:prstGeom>
+              <a:ln w="76200">
+                <a:solidFill>
+                  <a:schemeClr val="bg1"/>
+                </a:solidFill>
+              </a:ln>
+            </p:spPr>
+            <p:style>
+              <a:lnRef idx="1">
+                <a:schemeClr val="accent1"/>
+              </a:lnRef>
+              <a:fillRef idx="0">
+                <a:schemeClr val="accent1"/>
+              </a:fillRef>
+              <a:effectRef idx="0">
+                <a:schemeClr val="accent1"/>
+              </a:effectRef>
+              <a:fontRef idx="minor">
+                <a:schemeClr val="tx1"/>
+              </a:fontRef>
+            </p:style>
+          </p:cxnSp>
+          <p:cxnSp>
+            <p:nvCxnSpPr>
+              <p:cNvPr id="204" name="直線コネクタ 203">
+                <a:extLst>
+                  <a:ext uri="{FF2B5EF4-FFF2-40B4-BE49-F238E27FC236}">
+                    <a16:creationId xmlns:a16="http://schemas.microsoft.com/office/drawing/2014/main" id="{78815B69-2AD3-4BEE-9C09-2F1BBA92FB3D}"/>
+                  </a:ext>
+                </a:extLst>
+              </p:cNvPr>
+              <p:cNvCxnSpPr/>
+              <p:nvPr/>
+            </p:nvCxnSpPr>
+            <p:spPr>
+              <a:xfrm>
+                <a:off x="6599322" y="4879903"/>
+                <a:ext cx="0" cy="528675"/>
+              </a:xfrm>
+              <a:prstGeom prst="line">
+                <a:avLst/>
+              </a:prstGeom>
+              <a:ln w="76200">
+                <a:solidFill>
+                  <a:schemeClr val="bg1"/>
+                </a:solidFill>
+              </a:ln>
+            </p:spPr>
+            <p:style>
+              <a:lnRef idx="1">
+                <a:schemeClr val="accent1"/>
+              </a:lnRef>
+              <a:fillRef idx="0">
+                <a:schemeClr val="accent1"/>
+              </a:fillRef>
+              <a:effectRef idx="0">
+                <a:schemeClr val="accent1"/>
+              </a:effectRef>
+              <a:fontRef idx="minor">
+                <a:schemeClr val="tx1"/>
+              </a:fontRef>
+            </p:style>
+          </p:cxnSp>
+          <p:cxnSp>
+            <p:nvCxnSpPr>
+              <p:cNvPr id="205" name="直線コネクタ 204">
+                <a:extLst>
+                  <a:ext uri="{FF2B5EF4-FFF2-40B4-BE49-F238E27FC236}">
+                    <a16:creationId xmlns:a16="http://schemas.microsoft.com/office/drawing/2014/main" id="{28C30E60-1D37-43DF-BA2B-645AAFAA99D2}"/>
+                  </a:ext>
+                </a:extLst>
+              </p:cNvPr>
+              <p:cNvCxnSpPr/>
+              <p:nvPr/>
+            </p:nvCxnSpPr>
+            <p:spPr>
+              <a:xfrm>
+                <a:off x="6767717" y="4879903"/>
+                <a:ext cx="0" cy="528675"/>
+              </a:xfrm>
+              <a:prstGeom prst="line">
+                <a:avLst/>
+              </a:prstGeom>
+              <a:ln w="76200">
+                <a:solidFill>
+                  <a:schemeClr val="bg1"/>
+                </a:solidFill>
+              </a:ln>
+            </p:spPr>
+            <p:style>
+              <a:lnRef idx="1">
+                <a:schemeClr val="accent1"/>
+              </a:lnRef>
+              <a:fillRef idx="0">
+                <a:schemeClr val="accent1"/>
+              </a:fillRef>
+              <a:effectRef idx="0">
+                <a:schemeClr val="accent1"/>
+              </a:effectRef>
+              <a:fontRef idx="minor">
+                <a:schemeClr val="tx1"/>
+              </a:fontRef>
+            </p:style>
+          </p:cxnSp>
+          <p:cxnSp>
+            <p:nvCxnSpPr>
+              <p:cNvPr id="206" name="直線コネクタ 205">
+                <a:extLst>
+                  <a:ext uri="{FF2B5EF4-FFF2-40B4-BE49-F238E27FC236}">
+                    <a16:creationId xmlns:a16="http://schemas.microsoft.com/office/drawing/2014/main" id="{12892A48-9AD9-4530-8ACB-0772F1BD65BF}"/>
+                  </a:ext>
+                </a:extLst>
+              </p:cNvPr>
+              <p:cNvCxnSpPr/>
+              <p:nvPr/>
+            </p:nvCxnSpPr>
+            <p:spPr>
+              <a:xfrm>
+                <a:off x="6928114" y="4879903"/>
+                <a:ext cx="0" cy="528675"/>
+              </a:xfrm>
+              <a:prstGeom prst="line">
+                <a:avLst/>
+              </a:prstGeom>
+              <a:ln w="76200">
+                <a:solidFill>
+                  <a:schemeClr val="bg1"/>
+                </a:solidFill>
+              </a:ln>
+            </p:spPr>
+            <p:style>
+              <a:lnRef idx="1">
+                <a:schemeClr val="accent1"/>
+              </a:lnRef>
+              <a:fillRef idx="0">
+                <a:schemeClr val="accent1"/>
+              </a:fillRef>
+              <a:effectRef idx="0">
+                <a:schemeClr val="accent1"/>
+              </a:effectRef>
+              <a:fontRef idx="minor">
+                <a:schemeClr val="tx1"/>
+              </a:fontRef>
+            </p:style>
+          </p:cxnSp>
+          <p:cxnSp>
+            <p:nvCxnSpPr>
+              <p:cNvPr id="207" name="直線コネクタ 206">
+                <a:extLst>
+                  <a:ext uri="{FF2B5EF4-FFF2-40B4-BE49-F238E27FC236}">
+                    <a16:creationId xmlns:a16="http://schemas.microsoft.com/office/drawing/2014/main" id="{E66031EC-E9FE-4687-A150-D2C710DBAA13}"/>
+                  </a:ext>
+                </a:extLst>
+              </p:cNvPr>
+              <p:cNvCxnSpPr/>
+              <p:nvPr/>
+            </p:nvCxnSpPr>
+            <p:spPr>
+              <a:xfrm>
+                <a:off x="7093844" y="4879902"/>
+                <a:ext cx="0" cy="528675"/>
+              </a:xfrm>
+              <a:prstGeom prst="line">
+                <a:avLst/>
+              </a:prstGeom>
+              <a:ln w="76200">
+                <a:solidFill>
+                  <a:schemeClr val="bg1"/>
+                </a:solidFill>
+              </a:ln>
+            </p:spPr>
+            <p:style>
+              <a:lnRef idx="1">
+                <a:schemeClr val="accent1"/>
+              </a:lnRef>
+              <a:fillRef idx="0">
+                <a:schemeClr val="accent1"/>
+              </a:fillRef>
+              <a:effectRef idx="0">
+                <a:schemeClr val="accent1"/>
+              </a:effectRef>
+              <a:fontRef idx="minor">
+                <a:schemeClr val="tx1"/>
+              </a:fontRef>
+            </p:style>
+          </p:cxnSp>
+        </p:grpSp>
+        <p:grpSp>
+          <p:nvGrpSpPr>
+            <p:cNvPr id="182" name="グループ化 181">
+              <a:extLst>
+                <a:ext uri="{FF2B5EF4-FFF2-40B4-BE49-F238E27FC236}">
+                  <a16:creationId xmlns:a16="http://schemas.microsoft.com/office/drawing/2014/main" id="{A5AD6444-0C95-439E-B12A-63A4C08DE5CE}"/>
+                </a:ext>
+              </a:extLst>
+            </p:cNvPr>
+            <p:cNvGrpSpPr/>
+            <p:nvPr/>
+          </p:nvGrpSpPr>
+          <p:grpSpPr>
+            <a:xfrm>
+              <a:off x="5916171" y="7181385"/>
+              <a:ext cx="1153441" cy="528677"/>
+              <a:chOff x="5940403" y="4879902"/>
+              <a:chExt cx="1153441" cy="528677"/>
+            </a:xfrm>
+          </p:grpSpPr>
+          <p:cxnSp>
+            <p:nvCxnSpPr>
+              <p:cNvPr id="192" name="直線コネクタ 191">
+                <a:extLst>
+                  <a:ext uri="{FF2B5EF4-FFF2-40B4-BE49-F238E27FC236}">
+                    <a16:creationId xmlns:a16="http://schemas.microsoft.com/office/drawing/2014/main" id="{2B66A08E-2046-4F94-90E6-6414C75C134F}"/>
+                  </a:ext>
+                </a:extLst>
+              </p:cNvPr>
+              <p:cNvCxnSpPr/>
+              <p:nvPr/>
+            </p:nvCxnSpPr>
+            <p:spPr>
+              <a:xfrm>
+                <a:off x="5940403" y="4879904"/>
+                <a:ext cx="0" cy="528675"/>
+              </a:xfrm>
+              <a:prstGeom prst="line">
+                <a:avLst/>
+              </a:prstGeom>
+              <a:ln w="76200">
+                <a:solidFill>
+                  <a:schemeClr val="bg1"/>
+                </a:solidFill>
+              </a:ln>
+            </p:spPr>
+            <p:style>
+              <a:lnRef idx="1">
+                <a:schemeClr val="accent1"/>
+              </a:lnRef>
+              <a:fillRef idx="0">
+                <a:schemeClr val="accent1"/>
+              </a:fillRef>
+              <a:effectRef idx="0">
+                <a:schemeClr val="accent1"/>
+              </a:effectRef>
+              <a:fontRef idx="minor">
+                <a:schemeClr val="tx1"/>
+              </a:fontRef>
+            </p:style>
+          </p:cxnSp>
+          <p:cxnSp>
+            <p:nvCxnSpPr>
+              <p:cNvPr id="193" name="直線コネクタ 192">
+                <a:extLst>
+                  <a:ext uri="{FF2B5EF4-FFF2-40B4-BE49-F238E27FC236}">
+                    <a16:creationId xmlns:a16="http://schemas.microsoft.com/office/drawing/2014/main" id="{6CE876E8-9D2F-488E-9DCC-A0011666157E}"/>
+                  </a:ext>
+                </a:extLst>
+              </p:cNvPr>
+              <p:cNvCxnSpPr/>
+              <p:nvPr/>
+            </p:nvCxnSpPr>
+            <p:spPr>
+              <a:xfrm>
+                <a:off x="6108798" y="4879904"/>
+                <a:ext cx="0" cy="528675"/>
+              </a:xfrm>
+              <a:prstGeom prst="line">
+                <a:avLst/>
+              </a:prstGeom>
+              <a:ln w="76200">
+                <a:solidFill>
+                  <a:schemeClr val="bg1"/>
+                </a:solidFill>
+              </a:ln>
+            </p:spPr>
+            <p:style>
+              <a:lnRef idx="1">
+                <a:schemeClr val="accent1"/>
+              </a:lnRef>
+              <a:fillRef idx="0">
+                <a:schemeClr val="accent1"/>
+              </a:fillRef>
+              <a:effectRef idx="0">
+                <a:schemeClr val="accent1"/>
+              </a:effectRef>
+              <a:fontRef idx="minor">
+                <a:schemeClr val="tx1"/>
+              </a:fontRef>
+            </p:style>
+          </p:cxnSp>
+          <p:cxnSp>
+            <p:nvCxnSpPr>
+              <p:cNvPr id="194" name="直線コネクタ 193">
+                <a:extLst>
+                  <a:ext uri="{FF2B5EF4-FFF2-40B4-BE49-F238E27FC236}">
+                    <a16:creationId xmlns:a16="http://schemas.microsoft.com/office/drawing/2014/main" id="{7A0BDC4E-F56A-441F-AAAE-955E3437DC5A}"/>
+                  </a:ext>
+                </a:extLst>
+              </p:cNvPr>
+              <p:cNvCxnSpPr/>
+              <p:nvPr/>
+            </p:nvCxnSpPr>
+            <p:spPr>
+              <a:xfrm>
+                <a:off x="6269195" y="4879904"/>
+                <a:ext cx="0" cy="528675"/>
+              </a:xfrm>
+              <a:prstGeom prst="line">
+                <a:avLst/>
+              </a:prstGeom>
+              <a:ln w="76200">
+                <a:solidFill>
+                  <a:schemeClr val="bg1"/>
+                </a:solidFill>
+              </a:ln>
+            </p:spPr>
+            <p:style>
+              <a:lnRef idx="1">
+                <a:schemeClr val="accent1"/>
+              </a:lnRef>
+              <a:fillRef idx="0">
+                <a:schemeClr val="accent1"/>
+              </a:fillRef>
+              <a:effectRef idx="0">
+                <a:schemeClr val="accent1"/>
+              </a:effectRef>
+              <a:fontRef idx="minor">
+                <a:schemeClr val="tx1"/>
+              </a:fontRef>
+            </p:style>
+          </p:cxnSp>
+          <p:cxnSp>
+            <p:nvCxnSpPr>
+              <p:cNvPr id="195" name="直線コネクタ 194">
+                <a:extLst>
+                  <a:ext uri="{FF2B5EF4-FFF2-40B4-BE49-F238E27FC236}">
+                    <a16:creationId xmlns:a16="http://schemas.microsoft.com/office/drawing/2014/main" id="{04481F5C-E36D-4DC3-8DED-68A06564DBF4}"/>
+                  </a:ext>
+                </a:extLst>
+              </p:cNvPr>
+              <p:cNvCxnSpPr/>
+              <p:nvPr/>
+            </p:nvCxnSpPr>
+            <p:spPr>
+              <a:xfrm>
+                <a:off x="6434925" y="4879903"/>
+                <a:ext cx="0" cy="528675"/>
+              </a:xfrm>
+              <a:prstGeom prst="line">
+                <a:avLst/>
+              </a:prstGeom>
+              <a:ln w="76200">
+                <a:solidFill>
+                  <a:schemeClr val="bg1"/>
+                </a:solidFill>
+              </a:ln>
+            </p:spPr>
+            <p:style>
+              <a:lnRef idx="1">
+                <a:schemeClr val="accent1"/>
+              </a:lnRef>
+              <a:fillRef idx="0">
+                <a:schemeClr val="accent1"/>
+              </a:fillRef>
+              <a:effectRef idx="0">
+                <a:schemeClr val="accent1"/>
+              </a:effectRef>
+              <a:fontRef idx="minor">
+                <a:schemeClr val="tx1"/>
+              </a:fontRef>
+            </p:style>
+          </p:cxnSp>
+          <p:cxnSp>
+            <p:nvCxnSpPr>
+              <p:cNvPr id="196" name="直線コネクタ 195">
+                <a:extLst>
+                  <a:ext uri="{FF2B5EF4-FFF2-40B4-BE49-F238E27FC236}">
+                    <a16:creationId xmlns:a16="http://schemas.microsoft.com/office/drawing/2014/main" id="{425A3A17-DCD9-4B41-A9B4-7D4314F4DFAA}"/>
+                  </a:ext>
+                </a:extLst>
+              </p:cNvPr>
+              <p:cNvCxnSpPr/>
+              <p:nvPr/>
+            </p:nvCxnSpPr>
+            <p:spPr>
+              <a:xfrm>
+                <a:off x="6599322" y="4879903"/>
+                <a:ext cx="0" cy="528675"/>
+              </a:xfrm>
+              <a:prstGeom prst="line">
+                <a:avLst/>
+              </a:prstGeom>
+              <a:ln w="76200">
+                <a:solidFill>
+                  <a:schemeClr val="bg1"/>
+                </a:solidFill>
+              </a:ln>
+            </p:spPr>
+            <p:style>
+              <a:lnRef idx="1">
+                <a:schemeClr val="accent1"/>
+              </a:lnRef>
+              <a:fillRef idx="0">
+                <a:schemeClr val="accent1"/>
+              </a:fillRef>
+              <a:effectRef idx="0">
+                <a:schemeClr val="accent1"/>
+              </a:effectRef>
+              <a:fontRef idx="minor">
+                <a:schemeClr val="tx1"/>
+              </a:fontRef>
+            </p:style>
+          </p:cxnSp>
+          <p:cxnSp>
+            <p:nvCxnSpPr>
+              <p:cNvPr id="197" name="直線コネクタ 196">
+                <a:extLst>
+                  <a:ext uri="{FF2B5EF4-FFF2-40B4-BE49-F238E27FC236}">
+                    <a16:creationId xmlns:a16="http://schemas.microsoft.com/office/drawing/2014/main" id="{B4C07707-A2C4-40ED-BAF4-29505BF147F2}"/>
+                  </a:ext>
+                </a:extLst>
+              </p:cNvPr>
+              <p:cNvCxnSpPr/>
+              <p:nvPr/>
+            </p:nvCxnSpPr>
+            <p:spPr>
+              <a:xfrm>
+                <a:off x="6767717" y="4879903"/>
+                <a:ext cx="0" cy="528675"/>
+              </a:xfrm>
+              <a:prstGeom prst="line">
+                <a:avLst/>
+              </a:prstGeom>
+              <a:ln w="76200">
+                <a:solidFill>
+                  <a:schemeClr val="bg1"/>
+                </a:solidFill>
+              </a:ln>
+            </p:spPr>
+            <p:style>
+              <a:lnRef idx="1">
+                <a:schemeClr val="accent1"/>
+              </a:lnRef>
+              <a:fillRef idx="0">
+                <a:schemeClr val="accent1"/>
+              </a:fillRef>
+              <a:effectRef idx="0">
+                <a:schemeClr val="accent1"/>
+              </a:effectRef>
+              <a:fontRef idx="minor">
+                <a:schemeClr val="tx1"/>
+              </a:fontRef>
+            </p:style>
+          </p:cxnSp>
+          <p:cxnSp>
+            <p:nvCxnSpPr>
+              <p:cNvPr id="198" name="直線コネクタ 197">
+                <a:extLst>
+                  <a:ext uri="{FF2B5EF4-FFF2-40B4-BE49-F238E27FC236}">
+                    <a16:creationId xmlns:a16="http://schemas.microsoft.com/office/drawing/2014/main" id="{6F702831-8A37-4792-B8BE-D59A7905ECB7}"/>
+                  </a:ext>
+                </a:extLst>
+              </p:cNvPr>
+              <p:cNvCxnSpPr/>
+              <p:nvPr/>
+            </p:nvCxnSpPr>
+            <p:spPr>
+              <a:xfrm>
+                <a:off x="6928114" y="4879903"/>
+                <a:ext cx="0" cy="528675"/>
+              </a:xfrm>
+              <a:prstGeom prst="line">
+                <a:avLst/>
+              </a:prstGeom>
+              <a:ln w="76200">
+                <a:solidFill>
+                  <a:schemeClr val="bg1"/>
+                </a:solidFill>
+              </a:ln>
+            </p:spPr>
+            <p:style>
+              <a:lnRef idx="1">
+                <a:schemeClr val="accent1"/>
+              </a:lnRef>
+              <a:fillRef idx="0">
+                <a:schemeClr val="accent1"/>
+              </a:fillRef>
+              <a:effectRef idx="0">
+                <a:schemeClr val="accent1"/>
+              </a:effectRef>
+              <a:fontRef idx="minor">
+                <a:schemeClr val="tx1"/>
+              </a:fontRef>
+            </p:style>
+          </p:cxnSp>
+          <p:cxnSp>
+            <p:nvCxnSpPr>
+              <p:cNvPr id="199" name="直線コネクタ 198">
+                <a:extLst>
+                  <a:ext uri="{FF2B5EF4-FFF2-40B4-BE49-F238E27FC236}">
+                    <a16:creationId xmlns:a16="http://schemas.microsoft.com/office/drawing/2014/main" id="{1A46E148-7434-43B0-9D99-235C4A776C18}"/>
+                  </a:ext>
+                </a:extLst>
+              </p:cNvPr>
+              <p:cNvCxnSpPr/>
+              <p:nvPr/>
+            </p:nvCxnSpPr>
+            <p:spPr>
+              <a:xfrm>
+                <a:off x="7093844" y="4879902"/>
+                <a:ext cx="0" cy="528675"/>
+              </a:xfrm>
+              <a:prstGeom prst="line">
+                <a:avLst/>
+              </a:prstGeom>
+              <a:ln w="76200">
+                <a:solidFill>
+                  <a:schemeClr val="bg1"/>
+                </a:solidFill>
+              </a:ln>
+            </p:spPr>
+            <p:style>
+              <a:lnRef idx="1">
+                <a:schemeClr val="accent1"/>
+              </a:lnRef>
+              <a:fillRef idx="0">
+                <a:schemeClr val="accent1"/>
+              </a:fillRef>
+              <a:effectRef idx="0">
+                <a:schemeClr val="accent1"/>
+              </a:effectRef>
+              <a:fontRef idx="minor">
+                <a:schemeClr val="tx1"/>
+              </a:fontRef>
+            </p:style>
+          </p:cxnSp>
+        </p:grpSp>
+        <p:grpSp>
+          <p:nvGrpSpPr>
+            <p:cNvPr id="183" name="グループ化 182">
+              <a:extLst>
+                <a:ext uri="{FF2B5EF4-FFF2-40B4-BE49-F238E27FC236}">
+                  <a16:creationId xmlns:a16="http://schemas.microsoft.com/office/drawing/2014/main" id="{6DCAE609-1E79-4FE3-B259-1C884AAA8544}"/>
+                </a:ext>
+              </a:extLst>
+            </p:cNvPr>
+            <p:cNvGrpSpPr/>
+            <p:nvPr/>
+          </p:nvGrpSpPr>
+          <p:grpSpPr>
+            <a:xfrm rot="16200000">
+              <a:off x="7104237" y="5996096"/>
+              <a:ext cx="1153441" cy="528677"/>
+              <a:chOff x="5940403" y="4879902"/>
+              <a:chExt cx="1153441" cy="528677"/>
+            </a:xfrm>
+          </p:grpSpPr>
+          <p:cxnSp>
+            <p:nvCxnSpPr>
+              <p:cNvPr id="184" name="直線コネクタ 183">
+                <a:extLst>
+                  <a:ext uri="{FF2B5EF4-FFF2-40B4-BE49-F238E27FC236}">
+                    <a16:creationId xmlns:a16="http://schemas.microsoft.com/office/drawing/2014/main" id="{3B698762-2612-4A3F-AE3F-0FF3A8923D71}"/>
+                  </a:ext>
+                </a:extLst>
+              </p:cNvPr>
+              <p:cNvCxnSpPr/>
+              <p:nvPr/>
+            </p:nvCxnSpPr>
+            <p:spPr>
+              <a:xfrm>
+                <a:off x="5940403" y="4879904"/>
+                <a:ext cx="0" cy="528675"/>
+              </a:xfrm>
+              <a:prstGeom prst="line">
+                <a:avLst/>
+              </a:prstGeom>
+              <a:ln w="76200">
+                <a:solidFill>
+                  <a:schemeClr val="bg1"/>
+                </a:solidFill>
+              </a:ln>
+            </p:spPr>
+            <p:style>
+              <a:lnRef idx="1">
+                <a:schemeClr val="accent1"/>
+              </a:lnRef>
+              <a:fillRef idx="0">
+                <a:schemeClr val="accent1"/>
+              </a:fillRef>
+              <a:effectRef idx="0">
+                <a:schemeClr val="accent1"/>
+              </a:effectRef>
+              <a:fontRef idx="minor">
+                <a:schemeClr val="tx1"/>
+              </a:fontRef>
+            </p:style>
+          </p:cxnSp>
+          <p:cxnSp>
+            <p:nvCxnSpPr>
+              <p:cNvPr id="185" name="直線コネクタ 184">
+                <a:extLst>
+                  <a:ext uri="{FF2B5EF4-FFF2-40B4-BE49-F238E27FC236}">
+                    <a16:creationId xmlns:a16="http://schemas.microsoft.com/office/drawing/2014/main" id="{5EF57D6D-118D-4C48-814E-CA0C776FCBE4}"/>
+                  </a:ext>
+                </a:extLst>
+              </p:cNvPr>
+              <p:cNvCxnSpPr/>
+              <p:nvPr/>
+            </p:nvCxnSpPr>
+            <p:spPr>
+              <a:xfrm>
+                <a:off x="6108798" y="4879904"/>
+                <a:ext cx="0" cy="528675"/>
+              </a:xfrm>
+              <a:prstGeom prst="line">
+                <a:avLst/>
+              </a:prstGeom>
+              <a:ln w="76200">
+                <a:solidFill>
+                  <a:schemeClr val="bg1"/>
+                </a:solidFill>
+              </a:ln>
+            </p:spPr>
+            <p:style>
+              <a:lnRef idx="1">
+                <a:schemeClr val="accent1"/>
+              </a:lnRef>
+              <a:fillRef idx="0">
+                <a:schemeClr val="accent1"/>
+              </a:fillRef>
+              <a:effectRef idx="0">
+                <a:schemeClr val="accent1"/>
+              </a:effectRef>
+              <a:fontRef idx="minor">
+                <a:schemeClr val="tx1"/>
+              </a:fontRef>
+            </p:style>
+          </p:cxnSp>
+          <p:cxnSp>
+            <p:nvCxnSpPr>
+              <p:cNvPr id="186" name="直線コネクタ 185">
+                <a:extLst>
+                  <a:ext uri="{FF2B5EF4-FFF2-40B4-BE49-F238E27FC236}">
+                    <a16:creationId xmlns:a16="http://schemas.microsoft.com/office/drawing/2014/main" id="{C77FB076-6396-4495-909E-7419394E8AA7}"/>
+                  </a:ext>
+                </a:extLst>
+              </p:cNvPr>
+              <p:cNvCxnSpPr/>
+              <p:nvPr/>
+            </p:nvCxnSpPr>
+            <p:spPr>
+              <a:xfrm>
+                <a:off x="6269195" y="4879904"/>
+                <a:ext cx="0" cy="528675"/>
+              </a:xfrm>
+              <a:prstGeom prst="line">
+                <a:avLst/>
+              </a:prstGeom>
+              <a:ln w="76200">
+                <a:solidFill>
+                  <a:schemeClr val="bg1"/>
+                </a:solidFill>
+              </a:ln>
+            </p:spPr>
+            <p:style>
+              <a:lnRef idx="1">
+                <a:schemeClr val="accent1"/>
+              </a:lnRef>
+              <a:fillRef idx="0">
+                <a:schemeClr val="accent1"/>
+              </a:fillRef>
+              <a:effectRef idx="0">
+                <a:schemeClr val="accent1"/>
+              </a:effectRef>
+              <a:fontRef idx="minor">
+                <a:schemeClr val="tx1"/>
+              </a:fontRef>
+            </p:style>
+          </p:cxnSp>
+          <p:cxnSp>
+            <p:nvCxnSpPr>
+              <p:cNvPr id="187" name="直線コネクタ 186">
+                <a:extLst>
+                  <a:ext uri="{FF2B5EF4-FFF2-40B4-BE49-F238E27FC236}">
+                    <a16:creationId xmlns:a16="http://schemas.microsoft.com/office/drawing/2014/main" id="{2E3C2D3B-E49B-45A4-9C1F-0A9C46B10CD7}"/>
+                  </a:ext>
+                </a:extLst>
+              </p:cNvPr>
+              <p:cNvCxnSpPr/>
+              <p:nvPr/>
+            </p:nvCxnSpPr>
+            <p:spPr>
+              <a:xfrm>
+                <a:off x="6434925" y="4879903"/>
+                <a:ext cx="0" cy="528675"/>
+              </a:xfrm>
+              <a:prstGeom prst="line">
+                <a:avLst/>
+              </a:prstGeom>
+              <a:ln w="76200">
+                <a:solidFill>
+                  <a:schemeClr val="bg1"/>
+                </a:solidFill>
+              </a:ln>
+            </p:spPr>
+            <p:style>
+              <a:lnRef idx="1">
+                <a:schemeClr val="accent1"/>
+              </a:lnRef>
+              <a:fillRef idx="0">
+                <a:schemeClr val="accent1"/>
+              </a:fillRef>
+              <a:effectRef idx="0">
+                <a:schemeClr val="accent1"/>
+              </a:effectRef>
+              <a:fontRef idx="minor">
+                <a:schemeClr val="tx1"/>
+              </a:fontRef>
+            </p:style>
+          </p:cxnSp>
+          <p:cxnSp>
+            <p:nvCxnSpPr>
+              <p:cNvPr id="188" name="直線コネクタ 187">
+                <a:extLst>
+                  <a:ext uri="{FF2B5EF4-FFF2-40B4-BE49-F238E27FC236}">
+                    <a16:creationId xmlns:a16="http://schemas.microsoft.com/office/drawing/2014/main" id="{9ECE608C-8BE3-45E4-BCD7-09EC4B52A87D}"/>
+                  </a:ext>
+                </a:extLst>
+              </p:cNvPr>
+              <p:cNvCxnSpPr/>
+              <p:nvPr/>
+            </p:nvCxnSpPr>
+            <p:spPr>
+              <a:xfrm>
+                <a:off x="6599322" y="4879903"/>
+                <a:ext cx="0" cy="528675"/>
+              </a:xfrm>
+              <a:prstGeom prst="line">
+                <a:avLst/>
+              </a:prstGeom>
+              <a:ln w="76200">
+                <a:solidFill>
+                  <a:schemeClr val="bg1"/>
+                </a:solidFill>
+              </a:ln>
+            </p:spPr>
+            <p:style>
+              <a:lnRef idx="1">
+                <a:schemeClr val="accent1"/>
+              </a:lnRef>
+              <a:fillRef idx="0">
+                <a:schemeClr val="accent1"/>
+              </a:fillRef>
+              <a:effectRef idx="0">
+                <a:schemeClr val="accent1"/>
+              </a:effectRef>
+              <a:fontRef idx="minor">
+                <a:schemeClr val="tx1"/>
+              </a:fontRef>
+            </p:style>
+          </p:cxnSp>
+          <p:cxnSp>
+            <p:nvCxnSpPr>
+              <p:cNvPr id="189" name="直線コネクタ 188">
+                <a:extLst>
+                  <a:ext uri="{FF2B5EF4-FFF2-40B4-BE49-F238E27FC236}">
+                    <a16:creationId xmlns:a16="http://schemas.microsoft.com/office/drawing/2014/main" id="{DA811C18-ABAC-429A-AD79-7F95774A4BD1}"/>
+                  </a:ext>
+                </a:extLst>
+              </p:cNvPr>
+              <p:cNvCxnSpPr/>
+              <p:nvPr/>
+            </p:nvCxnSpPr>
+            <p:spPr>
+              <a:xfrm>
+                <a:off x="6767717" y="4879903"/>
+                <a:ext cx="0" cy="528675"/>
+              </a:xfrm>
+              <a:prstGeom prst="line">
+                <a:avLst/>
+              </a:prstGeom>
+              <a:ln w="76200">
+                <a:solidFill>
+                  <a:schemeClr val="bg1"/>
+                </a:solidFill>
+              </a:ln>
+            </p:spPr>
+            <p:style>
+              <a:lnRef idx="1">
+                <a:schemeClr val="accent1"/>
+              </a:lnRef>
+              <a:fillRef idx="0">
+                <a:schemeClr val="accent1"/>
+              </a:fillRef>
+              <a:effectRef idx="0">
+                <a:schemeClr val="accent1"/>
+              </a:effectRef>
+              <a:fontRef idx="minor">
+                <a:schemeClr val="tx1"/>
+              </a:fontRef>
+            </p:style>
+          </p:cxnSp>
+          <p:cxnSp>
+            <p:nvCxnSpPr>
+              <p:cNvPr id="190" name="直線コネクタ 189">
+                <a:extLst>
+                  <a:ext uri="{FF2B5EF4-FFF2-40B4-BE49-F238E27FC236}">
+                    <a16:creationId xmlns:a16="http://schemas.microsoft.com/office/drawing/2014/main" id="{348D6E6D-88AD-437E-B90C-524FB97E1CB9}"/>
+                  </a:ext>
+                </a:extLst>
+              </p:cNvPr>
+              <p:cNvCxnSpPr/>
+              <p:nvPr/>
+            </p:nvCxnSpPr>
+            <p:spPr>
+              <a:xfrm>
+                <a:off x="6928114" y="4879903"/>
+                <a:ext cx="0" cy="528675"/>
+              </a:xfrm>
+              <a:prstGeom prst="line">
+                <a:avLst/>
+              </a:prstGeom>
+              <a:ln w="76200">
+                <a:solidFill>
+                  <a:schemeClr val="bg1"/>
+                </a:solidFill>
+              </a:ln>
+            </p:spPr>
+            <p:style>
+              <a:lnRef idx="1">
+                <a:schemeClr val="accent1"/>
+              </a:lnRef>
+              <a:fillRef idx="0">
+                <a:schemeClr val="accent1"/>
+              </a:fillRef>
+              <a:effectRef idx="0">
+                <a:schemeClr val="accent1"/>
+              </a:effectRef>
+              <a:fontRef idx="minor">
+                <a:schemeClr val="tx1"/>
+              </a:fontRef>
+            </p:style>
+          </p:cxnSp>
+          <p:cxnSp>
+            <p:nvCxnSpPr>
+              <p:cNvPr id="191" name="直線コネクタ 190">
+                <a:extLst>
+                  <a:ext uri="{FF2B5EF4-FFF2-40B4-BE49-F238E27FC236}">
+                    <a16:creationId xmlns:a16="http://schemas.microsoft.com/office/drawing/2014/main" id="{94AC11D5-0AF7-4DD6-8D7A-C1FC4EEFE0E7}"/>
+                  </a:ext>
+                </a:extLst>
+              </p:cNvPr>
+              <p:cNvCxnSpPr/>
+              <p:nvPr/>
+            </p:nvCxnSpPr>
+            <p:spPr>
+              <a:xfrm>
+                <a:off x="7093844" y="4879902"/>
+                <a:ext cx="0" cy="528675"/>
+              </a:xfrm>
+              <a:prstGeom prst="line">
+                <a:avLst/>
+              </a:prstGeom>
+              <a:ln w="76200">
+                <a:solidFill>
+                  <a:schemeClr val="bg1"/>
+                </a:solidFill>
+              </a:ln>
+            </p:spPr>
+            <p:style>
+              <a:lnRef idx="1">
+                <a:schemeClr val="accent1"/>
+              </a:lnRef>
+              <a:fillRef idx="0">
+                <a:schemeClr val="accent1"/>
+              </a:fillRef>
+              <a:effectRef idx="0">
+                <a:schemeClr val="accent1"/>
+              </a:effectRef>
+              <a:fontRef idx="minor">
+                <a:schemeClr val="tx1"/>
+              </a:fontRef>
+            </p:style>
+          </p:cxnSp>
+        </p:grpSp>
+      </p:grpSp>
+      <p:sp>
+        <p:nvSpPr>
+          <p:cNvPr id="218" name="正方形/長方形 217">
+            <a:extLst>
+              <a:ext uri="{FF2B5EF4-FFF2-40B4-BE49-F238E27FC236}">
+                <a16:creationId xmlns:a16="http://schemas.microsoft.com/office/drawing/2014/main" id="{F8CC172B-492A-42E2-914A-EFE736834742}"/>
+              </a:ext>
+            </a:extLst>
+          </p:cNvPr>
+          <p:cNvSpPr/>
+          <p:nvPr/>
+        </p:nvSpPr>
+        <p:spPr>
+          <a:xfrm>
+            <a:off x="7981645" y="6254413"/>
+            <a:ext cx="97859" cy="643625"/>
+          </a:xfrm>
+          <a:prstGeom prst="rect">
+            <a:avLst/>
+          </a:prstGeom>
+          <a:solidFill>
+            <a:srgbClr val="F2F2F2"/>
+          </a:solidFill>
+          <a:ln>
+            <a:noFill/>
+          </a:ln>
+        </p:spPr>
+        <p:style>
+          <a:lnRef idx="2">
+            <a:schemeClr val="accent1">
+              <a:shade val="50000"/>
+            </a:schemeClr>
+          </a:lnRef>
+          <a:fillRef idx="1">
+            <a:schemeClr val="accent1"/>
+          </a:fillRef>
+          <a:effectRef idx="0">
+            <a:schemeClr val="accent1"/>
+          </a:effectRef>
+          <a:fontRef idx="minor">
+            <a:schemeClr val="lt1"/>
+          </a:fontRef>
+        </p:style>
+        <p:txBody>
+          <a:bodyPr rtlCol="0" anchor="ctr"/>
+          <a:lstStyle/>
+          <a:p>
+            <a:pPr algn="ctr"/>
+            <a:endParaRPr kumimoji="1" lang="ja-JP" altLang="en-US"/>
+          </a:p>
+        </p:txBody>
+      </p:sp>
+      <p:sp>
+        <p:nvSpPr>
+          <p:cNvPr id="219" name="正方形/長方形 218">
+            <a:extLst>
+              <a:ext uri="{FF2B5EF4-FFF2-40B4-BE49-F238E27FC236}">
+                <a16:creationId xmlns:a16="http://schemas.microsoft.com/office/drawing/2014/main" id="{648C5329-10E2-4414-B865-F1F614588CBA}"/>
+              </a:ext>
+            </a:extLst>
+          </p:cNvPr>
+          <p:cNvSpPr/>
+          <p:nvPr/>
+        </p:nvSpPr>
+        <p:spPr>
+          <a:xfrm>
+            <a:off x="10353693" y="5663001"/>
+            <a:ext cx="97859" cy="643625"/>
+          </a:xfrm>
+          <a:prstGeom prst="rect">
+            <a:avLst/>
+          </a:prstGeom>
+          <a:solidFill>
+            <a:srgbClr val="F2F2F2"/>
+          </a:solidFill>
+          <a:ln>
+            <a:noFill/>
+          </a:ln>
+        </p:spPr>
+        <p:style>
+          <a:lnRef idx="2">
+            <a:schemeClr val="accent1">
+              <a:shade val="50000"/>
+            </a:schemeClr>
+          </a:lnRef>
+          <a:fillRef idx="1">
+            <a:schemeClr val="accent1"/>
+          </a:fillRef>
+          <a:effectRef idx="0">
+            <a:schemeClr val="accent1"/>
+          </a:effectRef>
+          <a:fontRef idx="minor">
+            <a:schemeClr val="lt1"/>
+          </a:fontRef>
+        </p:style>
+        <p:txBody>
+          <a:bodyPr rtlCol="0" anchor="ctr"/>
+          <a:lstStyle/>
+          <a:p>
+            <a:pPr algn="ctr"/>
+            <a:endParaRPr kumimoji="1" lang="ja-JP" altLang="en-US"/>
+          </a:p>
+        </p:txBody>
+      </p:sp>
+      <p:sp>
+        <p:nvSpPr>
+          <p:cNvPr id="220" name="正方形/長方形 219">
+            <a:extLst>
+              <a:ext uri="{FF2B5EF4-FFF2-40B4-BE49-F238E27FC236}">
+                <a16:creationId xmlns:a16="http://schemas.microsoft.com/office/drawing/2014/main" id="{F19350F0-D153-4236-AA4D-C1BE4AE1985F}"/>
+              </a:ext>
+            </a:extLst>
+          </p:cNvPr>
+          <p:cNvSpPr/>
+          <p:nvPr/>
+        </p:nvSpPr>
+        <p:spPr>
+          <a:xfrm>
+            <a:off x="13445415" y="6259089"/>
+            <a:ext cx="97859" cy="643625"/>
+          </a:xfrm>
+          <a:prstGeom prst="rect">
+            <a:avLst/>
+          </a:prstGeom>
+          <a:solidFill>
+            <a:srgbClr val="F2F2F2"/>
+          </a:solidFill>
+          <a:ln>
+            <a:noFill/>
+          </a:ln>
+        </p:spPr>
+        <p:style>
+          <a:lnRef idx="2">
+            <a:schemeClr val="accent1">
+              <a:shade val="50000"/>
+            </a:schemeClr>
+          </a:lnRef>
+          <a:fillRef idx="1">
+            <a:schemeClr val="accent1"/>
+          </a:fillRef>
+          <a:effectRef idx="0">
+            <a:schemeClr val="accent1"/>
+          </a:effectRef>
+          <a:fontRef idx="minor">
+            <a:schemeClr val="lt1"/>
+          </a:fontRef>
+        </p:style>
+        <p:txBody>
+          <a:bodyPr rtlCol="0" anchor="ctr"/>
+          <a:lstStyle/>
+          <a:p>
+            <a:pPr algn="ctr"/>
+            <a:endParaRPr kumimoji="1" lang="ja-JP" altLang="en-US" dirty="0"/>
+          </a:p>
+        </p:txBody>
+      </p:sp>
+      <p:sp>
+        <p:nvSpPr>
+          <p:cNvPr id="221" name="正方形/長方形 220">
+            <a:extLst>
+              <a:ext uri="{FF2B5EF4-FFF2-40B4-BE49-F238E27FC236}">
+                <a16:creationId xmlns:a16="http://schemas.microsoft.com/office/drawing/2014/main" id="{07D01A95-DF17-41FE-90E6-690EFEB8A11A}"/>
+              </a:ext>
+            </a:extLst>
+          </p:cNvPr>
+          <p:cNvSpPr/>
+          <p:nvPr/>
+        </p:nvSpPr>
+        <p:spPr>
+          <a:xfrm>
+            <a:off x="16460210" y="5661929"/>
+            <a:ext cx="97859" cy="643625"/>
+          </a:xfrm>
+          <a:prstGeom prst="rect">
+            <a:avLst/>
+          </a:prstGeom>
+          <a:solidFill>
+            <a:srgbClr val="F2F2F2"/>
+          </a:solidFill>
+          <a:ln>
+            <a:noFill/>
+          </a:ln>
+        </p:spPr>
+        <p:style>
+          <a:lnRef idx="2">
+            <a:schemeClr val="accent1">
+              <a:shade val="50000"/>
+            </a:schemeClr>
+          </a:lnRef>
+          <a:fillRef idx="1">
+            <a:schemeClr val="accent1"/>
+          </a:fillRef>
+          <a:effectRef idx="0">
+            <a:schemeClr val="accent1"/>
+          </a:effectRef>
+          <a:fontRef idx="minor">
+            <a:schemeClr val="lt1"/>
+          </a:fontRef>
+        </p:style>
+        <p:txBody>
+          <a:bodyPr rtlCol="0" anchor="ctr"/>
+          <a:lstStyle/>
+          <a:p>
+            <a:pPr algn="ctr"/>
+            <a:endParaRPr kumimoji="1" lang="ja-JP" altLang="en-US"/>
+          </a:p>
+        </p:txBody>
+      </p:sp>
+      <p:sp>
+        <p:nvSpPr>
+          <p:cNvPr id="222" name="正方形/長方形 221">
+            <a:extLst>
+              <a:ext uri="{FF2B5EF4-FFF2-40B4-BE49-F238E27FC236}">
+                <a16:creationId xmlns:a16="http://schemas.microsoft.com/office/drawing/2014/main" id="{17F1A686-5210-4E59-AD99-A92A6AD8F018}"/>
+              </a:ext>
+            </a:extLst>
+          </p:cNvPr>
+          <p:cNvSpPr/>
+          <p:nvPr/>
+        </p:nvSpPr>
+        <p:spPr>
+          <a:xfrm>
+            <a:off x="1913645" y="6254412"/>
+            <a:ext cx="97859" cy="643625"/>
+          </a:xfrm>
+          <a:prstGeom prst="rect">
+            <a:avLst/>
+          </a:prstGeom>
+          <a:solidFill>
+            <a:srgbClr val="F2F2F2"/>
+          </a:solidFill>
+          <a:ln>
+            <a:noFill/>
+          </a:ln>
+        </p:spPr>
+        <p:style>
+          <a:lnRef idx="2">
+            <a:schemeClr val="accent1">
+              <a:shade val="50000"/>
+            </a:schemeClr>
+          </a:lnRef>
+          <a:fillRef idx="1">
+            <a:schemeClr val="accent1"/>
+          </a:fillRef>
+          <a:effectRef idx="0">
+            <a:schemeClr val="accent1"/>
+          </a:effectRef>
+          <a:fontRef idx="minor">
+            <a:schemeClr val="lt1"/>
+          </a:fontRef>
+        </p:style>
+        <p:txBody>
+          <a:bodyPr rtlCol="0" anchor="ctr"/>
+          <a:lstStyle/>
+          <a:p>
+            <a:pPr algn="ctr"/>
+            <a:endParaRPr kumimoji="1" lang="ja-JP" altLang="en-US"/>
+          </a:p>
+        </p:txBody>
+      </p:sp>
+      <p:sp>
+        <p:nvSpPr>
+          <p:cNvPr id="223" name="正方形/長方形 222">
+            <a:extLst>
+              <a:ext uri="{FF2B5EF4-FFF2-40B4-BE49-F238E27FC236}">
+                <a16:creationId xmlns:a16="http://schemas.microsoft.com/office/drawing/2014/main" id="{FF4D3221-D3C9-414B-9651-45D29ECCB7C7}"/>
+              </a:ext>
+            </a:extLst>
+          </p:cNvPr>
+          <p:cNvSpPr/>
+          <p:nvPr/>
+        </p:nvSpPr>
+        <p:spPr>
+          <a:xfrm>
+            <a:off x="4891797" y="5648940"/>
+            <a:ext cx="97859" cy="643625"/>
+          </a:xfrm>
+          <a:prstGeom prst="rect">
+            <a:avLst/>
+          </a:prstGeom>
+          <a:solidFill>
+            <a:srgbClr val="F2F2F2"/>
+          </a:solidFill>
+          <a:ln>
+            <a:noFill/>
+          </a:ln>
+        </p:spPr>
+        <p:style>
+          <a:lnRef idx="2">
+            <a:schemeClr val="accent1">
+              <a:shade val="50000"/>
+            </a:schemeClr>
+          </a:lnRef>
+          <a:fillRef idx="1">
+            <a:schemeClr val="accent1"/>
+          </a:fillRef>
+          <a:effectRef idx="0">
+            <a:schemeClr val="accent1"/>
+          </a:effectRef>
+          <a:fontRef idx="minor">
+            <a:schemeClr val="lt1"/>
+          </a:fontRef>
+        </p:style>
+        <p:txBody>
+          <a:bodyPr rtlCol="0" anchor="ctr"/>
+          <a:lstStyle/>
+          <a:p>
+            <a:pPr algn="ctr"/>
+            <a:endParaRPr kumimoji="1" lang="ja-JP" altLang="en-US"/>
+          </a:p>
+        </p:txBody>
+      </p:sp>
+      <p:sp>
+        <p:nvSpPr>
+          <p:cNvPr id="224" name="正方形/長方形 223">
+            <a:extLst>
+              <a:ext uri="{FF2B5EF4-FFF2-40B4-BE49-F238E27FC236}">
+                <a16:creationId xmlns:a16="http://schemas.microsoft.com/office/drawing/2014/main" id="{A10160FA-032B-4E10-A39F-950451EBA2DC}"/>
+              </a:ext>
+            </a:extLst>
+          </p:cNvPr>
+          <p:cNvSpPr/>
+          <p:nvPr/>
+        </p:nvSpPr>
+        <p:spPr>
+          <a:xfrm>
+            <a:off x="4906407" y="11078720"/>
+            <a:ext cx="97859" cy="643625"/>
+          </a:xfrm>
+          <a:prstGeom prst="rect">
+            <a:avLst/>
+          </a:prstGeom>
+          <a:solidFill>
+            <a:srgbClr val="F2F2F2"/>
+          </a:solidFill>
+          <a:ln>
+            <a:noFill/>
+          </a:ln>
+        </p:spPr>
+        <p:style>
+          <a:lnRef idx="2">
+            <a:schemeClr val="accent1">
+              <a:shade val="50000"/>
+            </a:schemeClr>
+          </a:lnRef>
+          <a:fillRef idx="1">
+            <a:schemeClr val="accent1"/>
+          </a:fillRef>
+          <a:effectRef idx="0">
+            <a:schemeClr val="accent1"/>
+          </a:effectRef>
+          <a:fontRef idx="minor">
+            <a:schemeClr val="lt1"/>
+          </a:fontRef>
+        </p:style>
+        <p:txBody>
+          <a:bodyPr rtlCol="0" anchor="ctr"/>
+          <a:lstStyle/>
+          <a:p>
+            <a:pPr algn="ctr"/>
+            <a:endParaRPr kumimoji="1" lang="ja-JP" altLang="en-US"/>
+          </a:p>
+        </p:txBody>
+      </p:sp>
+      <p:sp>
+        <p:nvSpPr>
+          <p:cNvPr id="225" name="正方形/長方形 224">
+            <a:extLst>
+              <a:ext uri="{FF2B5EF4-FFF2-40B4-BE49-F238E27FC236}">
+                <a16:creationId xmlns:a16="http://schemas.microsoft.com/office/drawing/2014/main" id="{FA25BC95-DC53-4A42-9127-63670F65D024}"/>
+              </a:ext>
+            </a:extLst>
+          </p:cNvPr>
+          <p:cNvSpPr/>
+          <p:nvPr/>
+        </p:nvSpPr>
+        <p:spPr>
+          <a:xfrm>
+            <a:off x="1990453" y="11668484"/>
+            <a:ext cx="97859" cy="643765"/>
+          </a:xfrm>
+          <a:prstGeom prst="rect">
+            <a:avLst/>
+          </a:prstGeom>
+          <a:solidFill>
+            <a:srgbClr val="F2F2F2"/>
+          </a:solidFill>
+          <a:ln>
+            <a:noFill/>
+          </a:ln>
+        </p:spPr>
+        <p:style>
+          <a:lnRef idx="2">
+            <a:schemeClr val="accent1">
+              <a:shade val="50000"/>
+            </a:schemeClr>
+          </a:lnRef>
+          <a:fillRef idx="1">
+            <a:schemeClr val="accent1"/>
+          </a:fillRef>
+          <a:effectRef idx="0">
+            <a:schemeClr val="accent1"/>
+          </a:effectRef>
+          <a:fontRef idx="minor">
+            <a:schemeClr val="lt1"/>
+          </a:fontRef>
+        </p:style>
+        <p:txBody>
+          <a:bodyPr rtlCol="0" anchor="ctr"/>
+          <a:lstStyle/>
+          <a:p>
+            <a:pPr algn="ctr"/>
+            <a:endParaRPr kumimoji="1" lang="ja-JP" altLang="en-US"/>
+          </a:p>
+        </p:txBody>
+      </p:sp>
+      <p:sp>
+        <p:nvSpPr>
+          <p:cNvPr id="226" name="正方形/長方形 225">
+            <a:extLst>
+              <a:ext uri="{FF2B5EF4-FFF2-40B4-BE49-F238E27FC236}">
+                <a16:creationId xmlns:a16="http://schemas.microsoft.com/office/drawing/2014/main" id="{2BE8DBA9-3D4E-4766-B815-E98209219A55}"/>
+              </a:ext>
+            </a:extLst>
+          </p:cNvPr>
+          <p:cNvSpPr/>
+          <p:nvPr/>
+        </p:nvSpPr>
+        <p:spPr>
+          <a:xfrm>
+            <a:off x="10359752" y="11078720"/>
+            <a:ext cx="97859" cy="643625"/>
+          </a:xfrm>
+          <a:prstGeom prst="rect">
+            <a:avLst/>
+          </a:prstGeom>
+          <a:solidFill>
+            <a:srgbClr val="F2F2F2"/>
+          </a:solidFill>
+          <a:ln>
+            <a:noFill/>
+          </a:ln>
+        </p:spPr>
+        <p:style>
+          <a:lnRef idx="2">
+            <a:schemeClr val="accent1">
+              <a:shade val="50000"/>
+            </a:schemeClr>
+          </a:lnRef>
+          <a:fillRef idx="1">
+            <a:schemeClr val="accent1"/>
+          </a:fillRef>
+          <a:effectRef idx="0">
+            <a:schemeClr val="accent1"/>
+          </a:effectRef>
+          <a:fontRef idx="minor">
+            <a:schemeClr val="lt1"/>
+          </a:fontRef>
+        </p:style>
+        <p:txBody>
+          <a:bodyPr rtlCol="0" anchor="ctr"/>
+          <a:lstStyle/>
+          <a:p>
+            <a:pPr algn="ctr"/>
+            <a:endParaRPr kumimoji="1" lang="ja-JP" altLang="en-US"/>
+          </a:p>
+        </p:txBody>
+      </p:sp>
+      <p:sp>
+        <p:nvSpPr>
+          <p:cNvPr id="227" name="正方形/長方形 226">
+            <a:extLst>
+              <a:ext uri="{FF2B5EF4-FFF2-40B4-BE49-F238E27FC236}">
+                <a16:creationId xmlns:a16="http://schemas.microsoft.com/office/drawing/2014/main" id="{0E4FAECE-E173-49DA-8AF5-C07CD0632011}"/>
+              </a:ext>
+            </a:extLst>
+          </p:cNvPr>
+          <p:cNvSpPr/>
+          <p:nvPr/>
+        </p:nvSpPr>
+        <p:spPr>
+          <a:xfrm>
+            <a:off x="7987562" y="11671945"/>
+            <a:ext cx="97859" cy="643625"/>
+          </a:xfrm>
+          <a:prstGeom prst="rect">
+            <a:avLst/>
+          </a:prstGeom>
+          <a:solidFill>
+            <a:srgbClr val="F2F2F2"/>
+          </a:solidFill>
+          <a:ln>
+            <a:noFill/>
+          </a:ln>
+        </p:spPr>
+        <p:style>
+          <a:lnRef idx="2">
+            <a:schemeClr val="accent1">
+              <a:shade val="50000"/>
+            </a:schemeClr>
+          </a:lnRef>
+          <a:fillRef idx="1">
+            <a:schemeClr val="accent1"/>
+          </a:fillRef>
+          <a:effectRef idx="0">
+            <a:schemeClr val="accent1"/>
+          </a:effectRef>
+          <a:fontRef idx="minor">
+            <a:schemeClr val="lt1"/>
+          </a:fontRef>
+        </p:style>
+        <p:txBody>
+          <a:bodyPr rtlCol="0" anchor="ctr"/>
+          <a:lstStyle/>
+          <a:p>
+            <a:pPr algn="ctr"/>
+            <a:endParaRPr kumimoji="1" lang="ja-JP" altLang="en-US"/>
+          </a:p>
+        </p:txBody>
+      </p:sp>
+      <p:sp>
+        <p:nvSpPr>
+          <p:cNvPr id="228" name="正方形/長方形 227">
+            <a:extLst>
+              <a:ext uri="{FF2B5EF4-FFF2-40B4-BE49-F238E27FC236}">
+                <a16:creationId xmlns:a16="http://schemas.microsoft.com/office/drawing/2014/main" id="{A6A6940A-9D7C-4DB0-8384-ECBFA60712D6}"/>
+              </a:ext>
+            </a:extLst>
+          </p:cNvPr>
+          <p:cNvSpPr/>
+          <p:nvPr/>
+        </p:nvSpPr>
+        <p:spPr>
+          <a:xfrm>
+            <a:off x="13437831" y="11668624"/>
+            <a:ext cx="97859" cy="643625"/>
+          </a:xfrm>
+          <a:prstGeom prst="rect">
+            <a:avLst/>
+          </a:prstGeom>
+          <a:solidFill>
+            <a:srgbClr val="F2F2F2"/>
+          </a:solidFill>
+          <a:ln>
+            <a:noFill/>
+          </a:ln>
+        </p:spPr>
+        <p:style>
+          <a:lnRef idx="2">
+            <a:schemeClr val="accent1">
+              <a:shade val="50000"/>
+            </a:schemeClr>
+          </a:lnRef>
+          <a:fillRef idx="1">
+            <a:schemeClr val="accent1"/>
+          </a:fillRef>
+          <a:effectRef idx="0">
+            <a:schemeClr val="accent1"/>
+          </a:effectRef>
+          <a:fontRef idx="minor">
+            <a:schemeClr val="lt1"/>
+          </a:fontRef>
+        </p:style>
+        <p:txBody>
+          <a:bodyPr rtlCol="0" anchor="ctr"/>
+          <a:lstStyle/>
+          <a:p>
+            <a:pPr algn="ctr"/>
+            <a:endParaRPr kumimoji="1" lang="ja-JP" altLang="en-US"/>
+          </a:p>
+        </p:txBody>
+      </p:sp>
+      <p:sp>
+        <p:nvSpPr>
+          <p:cNvPr id="229" name="正方形/長方形 228">
+            <a:extLst>
+              <a:ext uri="{FF2B5EF4-FFF2-40B4-BE49-F238E27FC236}">
+                <a16:creationId xmlns:a16="http://schemas.microsoft.com/office/drawing/2014/main" id="{0D675D27-FE81-440E-B4AD-9FA47EAED75A}"/>
+              </a:ext>
+            </a:extLst>
+          </p:cNvPr>
+          <p:cNvSpPr/>
+          <p:nvPr/>
+        </p:nvSpPr>
+        <p:spPr>
+          <a:xfrm>
+            <a:off x="16515202" y="11078720"/>
+            <a:ext cx="97859" cy="643625"/>
+          </a:xfrm>
+          <a:prstGeom prst="rect">
+            <a:avLst/>
+          </a:prstGeom>
+          <a:solidFill>
+            <a:srgbClr val="F2F2F2"/>
+          </a:solidFill>
+          <a:ln>
+            <a:noFill/>
+          </a:ln>
+        </p:spPr>
+        <p:style>
+          <a:lnRef idx="2">
+            <a:schemeClr val="accent1">
+              <a:shade val="50000"/>
+            </a:schemeClr>
+          </a:lnRef>
+          <a:fillRef idx="1">
+            <a:schemeClr val="accent1"/>
+          </a:fillRef>
+          <a:effectRef idx="0">
+            <a:schemeClr val="accent1"/>
+          </a:effectRef>
+          <a:fontRef idx="minor">
+            <a:schemeClr val="lt1"/>
+          </a:fontRef>
+        </p:style>
+        <p:txBody>
+          <a:bodyPr rtlCol="0" anchor="ctr"/>
+          <a:lstStyle/>
+          <a:p>
+            <a:pPr algn="ctr"/>
+            <a:endParaRPr kumimoji="1" lang="ja-JP" altLang="en-US"/>
+          </a:p>
+        </p:txBody>
+      </p:sp>
+      <p:sp>
+        <p:nvSpPr>
+          <p:cNvPr id="230" name="正方形/長方形 229">
+            <a:extLst>
+              <a:ext uri="{FF2B5EF4-FFF2-40B4-BE49-F238E27FC236}">
+                <a16:creationId xmlns:a16="http://schemas.microsoft.com/office/drawing/2014/main" id="{060684CE-D5BD-4A03-9785-CDA7FD7F8430}"/>
+              </a:ext>
+            </a:extLst>
+          </p:cNvPr>
+          <p:cNvSpPr/>
+          <p:nvPr/>
+        </p:nvSpPr>
+        <p:spPr>
+          <a:xfrm rot="16200000">
+            <a:off x="6126966" y="12977792"/>
+            <a:ext cx="97859" cy="643625"/>
+          </a:xfrm>
+          <a:prstGeom prst="rect">
+            <a:avLst/>
+          </a:prstGeom>
+          <a:solidFill>
+            <a:srgbClr val="F2F2F2"/>
+          </a:solidFill>
+          <a:ln>
+            <a:noFill/>
+          </a:ln>
+        </p:spPr>
+        <p:style>
+          <a:lnRef idx="2">
+            <a:schemeClr val="accent1">
+              <a:shade val="50000"/>
+            </a:schemeClr>
+          </a:lnRef>
+          <a:fillRef idx="1">
+            <a:schemeClr val="accent1"/>
+          </a:fillRef>
+          <a:effectRef idx="0">
+            <a:schemeClr val="accent1"/>
+          </a:effectRef>
+          <a:fontRef idx="minor">
+            <a:schemeClr val="lt1"/>
+          </a:fontRef>
+        </p:style>
+        <p:txBody>
+          <a:bodyPr rtlCol="0" anchor="ctr"/>
+          <a:lstStyle/>
+          <a:p>
+            <a:pPr algn="ctr"/>
+            <a:endParaRPr kumimoji="1" lang="ja-JP" altLang="en-US"/>
+          </a:p>
+        </p:txBody>
+      </p:sp>
+      <p:sp>
+        <p:nvSpPr>
+          <p:cNvPr id="231" name="正方形/長方形 230">
+            <a:extLst>
+              <a:ext uri="{FF2B5EF4-FFF2-40B4-BE49-F238E27FC236}">
+                <a16:creationId xmlns:a16="http://schemas.microsoft.com/office/drawing/2014/main" id="{4EE56FF2-C2FE-40E6-83B4-CACC54631A3C}"/>
+              </a:ext>
+            </a:extLst>
+          </p:cNvPr>
+          <p:cNvSpPr/>
+          <p:nvPr/>
+        </p:nvSpPr>
+        <p:spPr>
+          <a:xfrm rot="16200000">
+            <a:off x="11577744" y="12980504"/>
+            <a:ext cx="97859" cy="643625"/>
+          </a:xfrm>
+          <a:prstGeom prst="rect">
+            <a:avLst/>
+          </a:prstGeom>
+          <a:solidFill>
+            <a:srgbClr val="F2F2F2"/>
+          </a:solidFill>
+          <a:ln>
+            <a:noFill/>
+          </a:ln>
+        </p:spPr>
+        <p:style>
+          <a:lnRef idx="2">
+            <a:schemeClr val="accent1">
+              <a:shade val="50000"/>
+            </a:schemeClr>
+          </a:lnRef>
+          <a:fillRef idx="1">
+            <a:schemeClr val="accent1"/>
+          </a:fillRef>
+          <a:effectRef idx="0">
+            <a:schemeClr val="accent1"/>
+          </a:effectRef>
+          <a:fontRef idx="minor">
+            <a:schemeClr val="lt1"/>
+          </a:fontRef>
+        </p:style>
+        <p:txBody>
+          <a:bodyPr rtlCol="0" anchor="ctr"/>
+          <a:lstStyle/>
+          <a:p>
+            <a:pPr algn="ctr"/>
+            <a:endParaRPr kumimoji="1" lang="ja-JP" altLang="en-US"/>
+          </a:p>
+        </p:txBody>
+      </p:sp>
+      <p:sp>
+        <p:nvSpPr>
+          <p:cNvPr id="232" name="正方形/長方形 231">
+            <a:extLst>
+              <a:ext uri="{FF2B5EF4-FFF2-40B4-BE49-F238E27FC236}">
+                <a16:creationId xmlns:a16="http://schemas.microsoft.com/office/drawing/2014/main" id="{E58B2A96-BCE5-4B45-879A-6530ABE85E20}"/>
+              </a:ext>
+            </a:extLst>
+          </p:cNvPr>
+          <p:cNvSpPr/>
+          <p:nvPr/>
+        </p:nvSpPr>
+        <p:spPr>
+          <a:xfrm rot="16200000">
+            <a:off x="12207136" y="9883096"/>
+            <a:ext cx="97859" cy="643625"/>
+          </a:xfrm>
+          <a:prstGeom prst="rect">
+            <a:avLst/>
+          </a:prstGeom>
+          <a:solidFill>
+            <a:srgbClr val="F2F2F2"/>
+          </a:solidFill>
+          <a:ln>
+            <a:noFill/>
+          </a:ln>
+        </p:spPr>
+        <p:style>
+          <a:lnRef idx="2">
+            <a:schemeClr val="accent1">
+              <a:shade val="50000"/>
+            </a:schemeClr>
+          </a:lnRef>
+          <a:fillRef idx="1">
+            <a:schemeClr val="accent1"/>
+          </a:fillRef>
+          <a:effectRef idx="0">
+            <a:schemeClr val="accent1"/>
+          </a:effectRef>
+          <a:fontRef idx="minor">
+            <a:schemeClr val="lt1"/>
+          </a:fontRef>
+        </p:style>
+        <p:txBody>
+          <a:bodyPr rtlCol="0" anchor="ctr"/>
+          <a:lstStyle/>
+          <a:p>
+            <a:pPr algn="ctr"/>
+            <a:endParaRPr kumimoji="1" lang="ja-JP" altLang="en-US"/>
+          </a:p>
+        </p:txBody>
+      </p:sp>
+      <p:sp>
+        <p:nvSpPr>
+          <p:cNvPr id="233" name="正方形/長方形 232">
+            <a:extLst>
+              <a:ext uri="{FF2B5EF4-FFF2-40B4-BE49-F238E27FC236}">
+                <a16:creationId xmlns:a16="http://schemas.microsoft.com/office/drawing/2014/main" id="{3AFDD4E8-3BC8-471F-B2C2-24C87AC75DA3}"/>
+              </a:ext>
+            </a:extLst>
+          </p:cNvPr>
+          <p:cNvSpPr/>
+          <p:nvPr/>
+        </p:nvSpPr>
+        <p:spPr>
+          <a:xfrm rot="16200000">
+            <a:off x="11591978" y="7604217"/>
+            <a:ext cx="97859" cy="643625"/>
+          </a:xfrm>
+          <a:prstGeom prst="rect">
+            <a:avLst/>
+          </a:prstGeom>
+          <a:solidFill>
+            <a:srgbClr val="F2F2F2"/>
+          </a:solidFill>
+          <a:ln>
+            <a:noFill/>
+          </a:ln>
+        </p:spPr>
+        <p:style>
+          <a:lnRef idx="2">
+            <a:schemeClr val="accent1">
+              <a:shade val="50000"/>
+            </a:schemeClr>
+          </a:lnRef>
+          <a:fillRef idx="1">
+            <a:schemeClr val="accent1"/>
+          </a:fillRef>
+          <a:effectRef idx="0">
+            <a:schemeClr val="accent1"/>
+          </a:effectRef>
+          <a:fontRef idx="minor">
+            <a:schemeClr val="lt1"/>
+          </a:fontRef>
+        </p:style>
+        <p:txBody>
+          <a:bodyPr rtlCol="0" anchor="ctr"/>
+          <a:lstStyle/>
+          <a:p>
+            <a:pPr algn="ctr"/>
+            <a:endParaRPr kumimoji="1" lang="ja-JP" altLang="en-US"/>
+          </a:p>
+        </p:txBody>
+      </p:sp>
+      <p:sp>
+        <p:nvSpPr>
+          <p:cNvPr id="234" name="正方形/長方形 233">
+            <a:extLst>
+              <a:ext uri="{FF2B5EF4-FFF2-40B4-BE49-F238E27FC236}">
+                <a16:creationId xmlns:a16="http://schemas.microsoft.com/office/drawing/2014/main" id="{407C878E-3836-454C-8B5B-57C87DA15CBB}"/>
+              </a:ext>
+            </a:extLst>
+          </p:cNvPr>
+          <p:cNvSpPr/>
+          <p:nvPr/>
+        </p:nvSpPr>
+        <p:spPr>
+          <a:xfrm rot="16200000">
+            <a:off x="6143231" y="7484886"/>
+            <a:ext cx="97859" cy="643625"/>
+          </a:xfrm>
+          <a:prstGeom prst="rect">
+            <a:avLst/>
+          </a:prstGeom>
+          <a:solidFill>
+            <a:srgbClr val="F2F2F2"/>
+          </a:solidFill>
+          <a:ln>
+            <a:noFill/>
+          </a:ln>
+        </p:spPr>
+        <p:style>
+          <a:lnRef idx="2">
+            <a:schemeClr val="accent1">
+              <a:shade val="50000"/>
+            </a:schemeClr>
+          </a:lnRef>
+          <a:fillRef idx="1">
+            <a:schemeClr val="accent1"/>
+          </a:fillRef>
+          <a:effectRef idx="0">
+            <a:schemeClr val="accent1"/>
+          </a:effectRef>
+          <a:fontRef idx="minor">
+            <a:schemeClr val="lt1"/>
+          </a:fontRef>
+        </p:style>
+        <p:txBody>
+          <a:bodyPr rtlCol="0" anchor="ctr"/>
+          <a:lstStyle/>
+          <a:p>
+            <a:pPr algn="ctr"/>
+            <a:endParaRPr kumimoji="1" lang="ja-JP" altLang="en-US"/>
+          </a:p>
+        </p:txBody>
+      </p:sp>
+      <p:sp>
+        <p:nvSpPr>
+          <p:cNvPr id="235" name="正方形/長方形 234">
+            <a:extLst>
+              <a:ext uri="{FF2B5EF4-FFF2-40B4-BE49-F238E27FC236}">
+                <a16:creationId xmlns:a16="http://schemas.microsoft.com/office/drawing/2014/main" id="{34D1CFC5-149B-400B-A8ED-A5442E0CA367}"/>
+              </a:ext>
+            </a:extLst>
+          </p:cNvPr>
+          <p:cNvSpPr/>
+          <p:nvPr/>
+        </p:nvSpPr>
+        <p:spPr>
+          <a:xfrm rot="16200000">
+            <a:off x="6764218" y="9921108"/>
+            <a:ext cx="97859" cy="643625"/>
+          </a:xfrm>
+          <a:prstGeom prst="rect">
+            <a:avLst/>
+          </a:prstGeom>
+          <a:solidFill>
+            <a:srgbClr val="F2F2F2"/>
+          </a:solidFill>
+          <a:ln>
+            <a:noFill/>
+          </a:ln>
+        </p:spPr>
+        <p:style>
+          <a:lnRef idx="2">
+            <a:schemeClr val="accent1">
+              <a:shade val="50000"/>
+            </a:schemeClr>
+          </a:lnRef>
+          <a:fillRef idx="1">
+            <a:schemeClr val="accent1"/>
+          </a:fillRef>
+          <a:effectRef idx="0">
+            <a:schemeClr val="accent1"/>
+          </a:effectRef>
+          <a:fontRef idx="minor">
+            <a:schemeClr val="lt1"/>
+          </a:fontRef>
+        </p:style>
+        <p:txBody>
+          <a:bodyPr rtlCol="0" anchor="ctr"/>
+          <a:lstStyle/>
+          <a:p>
+            <a:pPr algn="ctr"/>
+            <a:endParaRPr kumimoji="1" lang="ja-JP" altLang="en-US"/>
+          </a:p>
+        </p:txBody>
+      </p:sp>
+      <p:sp>
+        <p:nvSpPr>
+          <p:cNvPr id="236" name="正方形/長方形 235">
+            <a:extLst>
+              <a:ext uri="{FF2B5EF4-FFF2-40B4-BE49-F238E27FC236}">
+                <a16:creationId xmlns:a16="http://schemas.microsoft.com/office/drawing/2014/main" id="{98CCCAC3-AA32-40B9-8B6B-01F0B934BF9B}"/>
+              </a:ext>
+            </a:extLst>
+          </p:cNvPr>
+          <p:cNvSpPr/>
+          <p:nvPr/>
+        </p:nvSpPr>
+        <p:spPr>
+          <a:xfrm rot="16200000">
+            <a:off x="12207136" y="4508906"/>
+            <a:ext cx="97859" cy="643625"/>
+          </a:xfrm>
+          <a:prstGeom prst="rect">
+            <a:avLst/>
+          </a:prstGeom>
+          <a:solidFill>
+            <a:srgbClr val="F2F2F2"/>
+          </a:solidFill>
+          <a:ln>
+            <a:noFill/>
+          </a:ln>
+        </p:spPr>
+        <p:style>
+          <a:lnRef idx="2">
+            <a:schemeClr val="accent1">
+              <a:shade val="50000"/>
+            </a:schemeClr>
+          </a:lnRef>
+          <a:fillRef idx="1">
+            <a:schemeClr val="accent1"/>
+          </a:fillRef>
+          <a:effectRef idx="0">
+            <a:schemeClr val="accent1"/>
+          </a:effectRef>
+          <a:fontRef idx="minor">
+            <a:schemeClr val="lt1"/>
+          </a:fontRef>
+        </p:style>
+        <p:txBody>
+          <a:bodyPr rtlCol="0" anchor="ctr"/>
+          <a:lstStyle/>
+          <a:p>
+            <a:pPr algn="ctr"/>
+            <a:endParaRPr kumimoji="1" lang="ja-JP" altLang="en-US"/>
+          </a:p>
+        </p:txBody>
+      </p:sp>
+      <p:sp>
+        <p:nvSpPr>
+          <p:cNvPr id="237" name="正方形/長方形 236">
+            <a:extLst>
+              <a:ext uri="{FF2B5EF4-FFF2-40B4-BE49-F238E27FC236}">
+                <a16:creationId xmlns:a16="http://schemas.microsoft.com/office/drawing/2014/main" id="{65366C75-CB87-4757-8682-2A6BB41B3D95}"/>
+              </a:ext>
+            </a:extLst>
+          </p:cNvPr>
+          <p:cNvSpPr/>
+          <p:nvPr/>
+        </p:nvSpPr>
+        <p:spPr>
+          <a:xfrm rot="16200000">
+            <a:off x="6739662" y="4483296"/>
+            <a:ext cx="97859" cy="643625"/>
+          </a:xfrm>
+          <a:prstGeom prst="rect">
+            <a:avLst/>
+          </a:prstGeom>
+          <a:solidFill>
+            <a:srgbClr val="F2F2F2"/>
+          </a:solidFill>
+          <a:ln>
+            <a:noFill/>
+          </a:ln>
+        </p:spPr>
+        <p:style>
+          <a:lnRef idx="2">
+            <a:schemeClr val="accent1">
+              <a:shade val="50000"/>
+            </a:schemeClr>
+          </a:lnRef>
+          <a:fillRef idx="1">
+            <a:schemeClr val="accent1"/>
+          </a:fillRef>
+          <a:effectRef idx="0">
+            <a:schemeClr val="accent1"/>
+          </a:effectRef>
+          <a:fontRef idx="minor">
+            <a:schemeClr val="lt1"/>
+          </a:fontRef>
+        </p:style>
+        <p:txBody>
+          <a:bodyPr rtlCol="0" anchor="ctr"/>
+          <a:lstStyle/>
+          <a:p>
+            <a:pPr algn="ctr"/>
+            <a:endParaRPr kumimoji="1" lang="ja-JP" altLang="en-US"/>
+          </a:p>
+        </p:txBody>
+      </p:sp>
+      <p:cxnSp>
+        <p:nvCxnSpPr>
+          <p:cNvPr id="238" name="直線コネクタ 237">
+            <a:extLst>
+              <a:ext uri="{FF2B5EF4-FFF2-40B4-BE49-F238E27FC236}">
+                <a16:creationId xmlns:a16="http://schemas.microsoft.com/office/drawing/2014/main" id="{7CB0D760-B9AC-4581-8CF2-2CCE925D610E}"/>
+              </a:ext>
+            </a:extLst>
+          </p:cNvPr>
+          <p:cNvCxnSpPr>
+            <a:cxnSpLocks/>
+          </p:cNvCxnSpPr>
+          <p:nvPr/>
+        </p:nvCxnSpPr>
+        <p:spPr>
+          <a:xfrm>
+            <a:off x="11947923" y="17011650"/>
+            <a:ext cx="0" cy="237566"/>
+          </a:xfrm>
+          <a:prstGeom prst="line">
+            <a:avLst/>
+          </a:prstGeom>
+          <a:ln w="57150">
+            <a:solidFill>
+              <a:schemeClr val="bg1">
+                <a:lumMod val="95000"/>
+              </a:schemeClr>
+            </a:solidFill>
+          </a:ln>
+        </p:spPr>
+        <p:style>
+          <a:lnRef idx="1">
+            <a:schemeClr val="accent1"/>
+          </a:lnRef>
+          <a:fillRef idx="0">
+            <a:schemeClr val="accent1"/>
+          </a:fillRef>
+          <a:effectRef idx="0">
+            <a:schemeClr val="accent1"/>
+          </a:effectRef>
+          <a:fontRef idx="minor">
+            <a:schemeClr val="tx1"/>
+          </a:fontRef>
+        </p:style>
+      </p:cxnSp>
+      <p:cxnSp>
+        <p:nvCxnSpPr>
+          <p:cNvPr id="241" name="直線コネクタ 240">
+            <a:extLst>
+              <a:ext uri="{FF2B5EF4-FFF2-40B4-BE49-F238E27FC236}">
+                <a16:creationId xmlns:a16="http://schemas.microsoft.com/office/drawing/2014/main" id="{F0E6C284-E13E-4B76-9E04-014E876EFA53}"/>
+              </a:ext>
+            </a:extLst>
+          </p:cNvPr>
+          <p:cNvCxnSpPr>
+            <a:cxnSpLocks/>
+          </p:cNvCxnSpPr>
+          <p:nvPr/>
+        </p:nvCxnSpPr>
+        <p:spPr>
+          <a:xfrm flipH="1">
+            <a:off x="11704560" y="17249216"/>
+            <a:ext cx="482980" cy="0"/>
+          </a:xfrm>
+          <a:prstGeom prst="line">
+            <a:avLst/>
+          </a:prstGeom>
+          <a:ln w="57150">
+            <a:solidFill>
+              <a:schemeClr val="bg1">
+                <a:lumMod val="95000"/>
+              </a:schemeClr>
+            </a:solidFill>
+          </a:ln>
+        </p:spPr>
+        <p:style>
+          <a:lnRef idx="1">
+            <a:schemeClr val="accent1"/>
+          </a:lnRef>
+          <a:fillRef idx="0">
+            <a:schemeClr val="accent1"/>
+          </a:fillRef>
+          <a:effectRef idx="0">
+            <a:schemeClr val="accent1"/>
+          </a:effectRef>
+          <a:fontRef idx="minor">
+            <a:schemeClr val="tx1"/>
+          </a:fontRef>
+        </p:style>
+      </p:cxnSp>
+      <p:grpSp>
+        <p:nvGrpSpPr>
+          <p:cNvPr id="252" name="グループ化 251">
+            <a:extLst>
+              <a:ext uri="{FF2B5EF4-FFF2-40B4-BE49-F238E27FC236}">
+                <a16:creationId xmlns:a16="http://schemas.microsoft.com/office/drawing/2014/main" id="{F4164359-CEAD-4C7F-80DC-C02905D97FEA}"/>
+              </a:ext>
+            </a:extLst>
+          </p:cNvPr>
+          <p:cNvGrpSpPr/>
+          <p:nvPr/>
+        </p:nvGrpSpPr>
+        <p:grpSpPr>
+          <a:xfrm>
+            <a:off x="6248886" y="17011650"/>
+            <a:ext cx="482980" cy="237566"/>
+            <a:chOff x="11856960" y="17164050"/>
+            <a:chExt cx="482980" cy="237566"/>
+          </a:xfrm>
+        </p:grpSpPr>
+        <p:cxnSp>
+          <p:nvCxnSpPr>
+            <p:cNvPr id="250" name="直線コネクタ 249">
+              <a:extLst>
+                <a:ext uri="{FF2B5EF4-FFF2-40B4-BE49-F238E27FC236}">
+                  <a16:creationId xmlns:a16="http://schemas.microsoft.com/office/drawing/2014/main" id="{E5756E52-FA4B-403A-AB0A-51563C53F7F9}"/>
+                </a:ext>
+              </a:extLst>
+            </p:cNvPr>
+            <p:cNvCxnSpPr>
+              <a:cxnSpLocks/>
+            </p:cNvCxnSpPr>
+            <p:nvPr/>
+          </p:nvCxnSpPr>
+          <p:spPr>
+            <a:xfrm>
+              <a:off x="12100323" y="17164050"/>
+              <a:ext cx="0" cy="237566"/>
+            </a:xfrm>
+            <a:prstGeom prst="line">
+              <a:avLst/>
+            </a:prstGeom>
+            <a:ln w="57150">
+              <a:solidFill>
+                <a:schemeClr val="bg1">
+                  <a:lumMod val="95000"/>
+                </a:schemeClr>
+              </a:solidFill>
+            </a:ln>
+          </p:spPr>
+          <p:style>
+            <a:lnRef idx="1">
+              <a:schemeClr val="accent1"/>
+            </a:lnRef>
+            <a:fillRef idx="0">
+              <a:schemeClr val="accent1"/>
+            </a:fillRef>
+            <a:effectRef idx="0">
+              <a:schemeClr val="accent1"/>
+            </a:effectRef>
+            <a:fontRef idx="minor">
+              <a:schemeClr val="tx1"/>
+            </a:fontRef>
+          </p:style>
+        </p:cxnSp>
+        <p:cxnSp>
+          <p:nvCxnSpPr>
+            <p:cNvPr id="251" name="直線コネクタ 250">
+              <a:extLst>
+                <a:ext uri="{FF2B5EF4-FFF2-40B4-BE49-F238E27FC236}">
+                  <a16:creationId xmlns:a16="http://schemas.microsoft.com/office/drawing/2014/main" id="{22C17EDE-72F1-4275-BB8C-9B9D9D5FF4C2}"/>
+                </a:ext>
+              </a:extLst>
+            </p:cNvPr>
+            <p:cNvCxnSpPr>
+              <a:cxnSpLocks/>
+            </p:cNvCxnSpPr>
+            <p:nvPr/>
+          </p:nvCxnSpPr>
+          <p:spPr>
+            <a:xfrm flipH="1">
+              <a:off x="11856960" y="17401616"/>
+              <a:ext cx="482980" cy="0"/>
+            </a:xfrm>
+            <a:prstGeom prst="line">
+              <a:avLst/>
+            </a:prstGeom>
+            <a:ln w="57150">
+              <a:solidFill>
+                <a:schemeClr val="bg1">
+                  <a:lumMod val="95000"/>
+                </a:schemeClr>
+              </a:solidFill>
+            </a:ln>
+          </p:spPr>
+          <p:style>
+            <a:lnRef idx="1">
+              <a:schemeClr val="accent1"/>
+            </a:lnRef>
+            <a:fillRef idx="0">
+              <a:schemeClr val="accent1"/>
+            </a:fillRef>
+            <a:effectRef idx="0">
+              <a:schemeClr val="accent1"/>
+            </a:effectRef>
+            <a:fontRef idx="minor">
+              <a:schemeClr val="tx1"/>
+            </a:fontRef>
+          </p:style>
+        </p:cxnSp>
+      </p:grpSp>
+      <p:grpSp>
+        <p:nvGrpSpPr>
+          <p:cNvPr id="253" name="グループ化 252">
+            <a:extLst>
+              <a:ext uri="{FF2B5EF4-FFF2-40B4-BE49-F238E27FC236}">
+                <a16:creationId xmlns:a16="http://schemas.microsoft.com/office/drawing/2014/main" id="{ABD1AF13-457E-48A7-91D5-4488B54BE5B8}"/>
+              </a:ext>
+            </a:extLst>
+          </p:cNvPr>
+          <p:cNvGrpSpPr/>
+          <p:nvPr/>
+        </p:nvGrpSpPr>
+        <p:grpSpPr>
+          <a:xfrm rot="10800000">
+            <a:off x="6257364" y="749194"/>
+            <a:ext cx="482980" cy="237566"/>
+            <a:chOff x="11856960" y="17164050"/>
+            <a:chExt cx="482980" cy="237566"/>
+          </a:xfrm>
+        </p:grpSpPr>
+        <p:cxnSp>
+          <p:nvCxnSpPr>
+            <p:cNvPr id="254" name="直線コネクタ 253">
+              <a:extLst>
+                <a:ext uri="{FF2B5EF4-FFF2-40B4-BE49-F238E27FC236}">
+                  <a16:creationId xmlns:a16="http://schemas.microsoft.com/office/drawing/2014/main" id="{3143C230-9F60-4F5A-A1D0-BBB277A51097}"/>
+                </a:ext>
+              </a:extLst>
+            </p:cNvPr>
+            <p:cNvCxnSpPr>
+              <a:cxnSpLocks/>
+            </p:cNvCxnSpPr>
+            <p:nvPr/>
+          </p:nvCxnSpPr>
+          <p:spPr>
+            <a:xfrm>
+              <a:off x="12100323" y="17164050"/>
+              <a:ext cx="0" cy="237566"/>
+            </a:xfrm>
+            <a:prstGeom prst="line">
+              <a:avLst/>
+            </a:prstGeom>
+            <a:ln w="57150">
+              <a:solidFill>
+                <a:schemeClr val="bg1">
+                  <a:lumMod val="95000"/>
+                </a:schemeClr>
+              </a:solidFill>
+            </a:ln>
+          </p:spPr>
+          <p:style>
+            <a:lnRef idx="1">
+              <a:schemeClr val="accent1"/>
+            </a:lnRef>
+            <a:fillRef idx="0">
+              <a:schemeClr val="accent1"/>
+            </a:fillRef>
+            <a:effectRef idx="0">
+              <a:schemeClr val="accent1"/>
+            </a:effectRef>
+            <a:fontRef idx="minor">
+              <a:schemeClr val="tx1"/>
+            </a:fontRef>
+          </p:style>
+        </p:cxnSp>
+        <p:cxnSp>
+          <p:nvCxnSpPr>
+            <p:cNvPr id="255" name="直線コネクタ 254">
+              <a:extLst>
+                <a:ext uri="{FF2B5EF4-FFF2-40B4-BE49-F238E27FC236}">
+                  <a16:creationId xmlns:a16="http://schemas.microsoft.com/office/drawing/2014/main" id="{DACB1AE2-FB0B-46D3-A897-CE1DC9CE0FD3}"/>
+                </a:ext>
+              </a:extLst>
+            </p:cNvPr>
+            <p:cNvCxnSpPr>
+              <a:cxnSpLocks/>
+            </p:cNvCxnSpPr>
+            <p:nvPr/>
+          </p:nvCxnSpPr>
+          <p:spPr>
+            <a:xfrm flipH="1">
+              <a:off x="11856960" y="17401616"/>
+              <a:ext cx="482980" cy="0"/>
+            </a:xfrm>
+            <a:prstGeom prst="line">
+              <a:avLst/>
+            </a:prstGeom>
+            <a:ln w="57150">
+              <a:solidFill>
+                <a:schemeClr val="bg1">
+                  <a:lumMod val="95000"/>
+                </a:schemeClr>
+              </a:solidFill>
+            </a:ln>
+          </p:spPr>
+          <p:style>
+            <a:lnRef idx="1">
+              <a:schemeClr val="accent1"/>
+            </a:lnRef>
+            <a:fillRef idx="0">
+              <a:schemeClr val="accent1"/>
+            </a:fillRef>
+            <a:effectRef idx="0">
+              <a:schemeClr val="accent1"/>
+            </a:effectRef>
+            <a:fontRef idx="minor">
+              <a:schemeClr val="tx1"/>
+            </a:fontRef>
+          </p:style>
+        </p:cxnSp>
+      </p:grpSp>
+      <p:grpSp>
+        <p:nvGrpSpPr>
+          <p:cNvPr id="256" name="グループ化 255">
+            <a:extLst>
+              <a:ext uri="{FF2B5EF4-FFF2-40B4-BE49-F238E27FC236}">
+                <a16:creationId xmlns:a16="http://schemas.microsoft.com/office/drawing/2014/main" id="{42EB9501-3CA4-43BE-88DF-F48DD739E2FB}"/>
+              </a:ext>
+            </a:extLst>
+          </p:cNvPr>
+          <p:cNvGrpSpPr/>
+          <p:nvPr/>
+        </p:nvGrpSpPr>
+        <p:grpSpPr>
+          <a:xfrm rot="10800000">
+            <a:off x="11711747" y="749193"/>
+            <a:ext cx="482980" cy="237566"/>
+            <a:chOff x="11856960" y="17164050"/>
+            <a:chExt cx="482980" cy="237566"/>
+          </a:xfrm>
+        </p:grpSpPr>
+        <p:cxnSp>
+          <p:nvCxnSpPr>
+            <p:cNvPr id="257" name="直線コネクタ 256">
+              <a:extLst>
+                <a:ext uri="{FF2B5EF4-FFF2-40B4-BE49-F238E27FC236}">
+                  <a16:creationId xmlns:a16="http://schemas.microsoft.com/office/drawing/2014/main" id="{D672852F-D133-48B1-BA23-B95CD409DAF4}"/>
+                </a:ext>
+              </a:extLst>
+            </p:cNvPr>
+            <p:cNvCxnSpPr>
+              <a:cxnSpLocks/>
+            </p:cNvCxnSpPr>
+            <p:nvPr/>
+          </p:nvCxnSpPr>
+          <p:spPr>
+            <a:xfrm>
+              <a:off x="12100323" y="17164050"/>
+              <a:ext cx="0" cy="237566"/>
+            </a:xfrm>
+            <a:prstGeom prst="line">
+              <a:avLst/>
+            </a:prstGeom>
+            <a:ln w="57150">
+              <a:solidFill>
+                <a:schemeClr val="bg1">
+                  <a:lumMod val="95000"/>
+                </a:schemeClr>
+              </a:solidFill>
+            </a:ln>
+          </p:spPr>
+          <p:style>
+            <a:lnRef idx="1">
+              <a:schemeClr val="accent1"/>
+            </a:lnRef>
+            <a:fillRef idx="0">
+              <a:schemeClr val="accent1"/>
+            </a:fillRef>
+            <a:effectRef idx="0">
+              <a:schemeClr val="accent1"/>
+            </a:effectRef>
+            <a:fontRef idx="minor">
+              <a:schemeClr val="tx1"/>
+            </a:fontRef>
+          </p:style>
+        </p:cxnSp>
+        <p:cxnSp>
+          <p:nvCxnSpPr>
+            <p:cNvPr id="258" name="直線コネクタ 257">
+              <a:extLst>
+                <a:ext uri="{FF2B5EF4-FFF2-40B4-BE49-F238E27FC236}">
+                  <a16:creationId xmlns:a16="http://schemas.microsoft.com/office/drawing/2014/main" id="{AD966932-0948-4A09-9DC4-661DE13E8132}"/>
+                </a:ext>
+              </a:extLst>
+            </p:cNvPr>
+            <p:cNvCxnSpPr>
+              <a:cxnSpLocks/>
+            </p:cNvCxnSpPr>
+            <p:nvPr/>
+          </p:nvCxnSpPr>
+          <p:spPr>
+            <a:xfrm flipH="1">
+              <a:off x="11856960" y="17401616"/>
+              <a:ext cx="482980" cy="0"/>
+            </a:xfrm>
+            <a:prstGeom prst="line">
+              <a:avLst/>
+            </a:prstGeom>
+            <a:ln w="57150">
+              <a:solidFill>
+                <a:schemeClr val="bg1">
+                  <a:lumMod val="95000"/>
+                </a:schemeClr>
+              </a:solidFill>
+            </a:ln>
+          </p:spPr>
+          <p:style>
+            <a:lnRef idx="1">
+              <a:schemeClr val="accent1"/>
+            </a:lnRef>
+            <a:fillRef idx="0">
+              <a:schemeClr val="accent1"/>
+            </a:fillRef>
+            <a:effectRef idx="0">
+              <a:schemeClr val="accent1"/>
+            </a:effectRef>
+            <a:fontRef idx="minor">
+              <a:schemeClr val="tx1"/>
+            </a:fontRef>
+          </p:style>
+        </p:cxnSp>
+      </p:grpSp>
+      <p:grpSp>
+        <p:nvGrpSpPr>
+          <p:cNvPr id="259" name="グループ化 258">
+            <a:extLst>
+              <a:ext uri="{FF2B5EF4-FFF2-40B4-BE49-F238E27FC236}">
+                <a16:creationId xmlns:a16="http://schemas.microsoft.com/office/drawing/2014/main" id="{CF751627-6B31-4581-92C2-116D2051FA97}"/>
+              </a:ext>
+            </a:extLst>
+          </p:cNvPr>
+          <p:cNvGrpSpPr/>
+          <p:nvPr/>
+        </p:nvGrpSpPr>
+        <p:grpSpPr>
+          <a:xfrm rot="5400000">
+            <a:off x="788879" y="6148089"/>
+            <a:ext cx="482980" cy="237566"/>
+            <a:chOff x="11856960" y="17164050"/>
+            <a:chExt cx="482980" cy="237566"/>
+          </a:xfrm>
+        </p:grpSpPr>
+        <p:cxnSp>
+          <p:nvCxnSpPr>
+            <p:cNvPr id="260" name="直線コネクタ 259">
+              <a:extLst>
+                <a:ext uri="{FF2B5EF4-FFF2-40B4-BE49-F238E27FC236}">
+                  <a16:creationId xmlns:a16="http://schemas.microsoft.com/office/drawing/2014/main" id="{6F829CB1-A461-43B2-A213-23FBE9C651A1}"/>
+                </a:ext>
+              </a:extLst>
+            </p:cNvPr>
+            <p:cNvCxnSpPr>
+              <a:cxnSpLocks/>
+            </p:cNvCxnSpPr>
+            <p:nvPr/>
+          </p:nvCxnSpPr>
+          <p:spPr>
+            <a:xfrm>
+              <a:off x="12100323" y="17164050"/>
+              <a:ext cx="0" cy="237566"/>
+            </a:xfrm>
+            <a:prstGeom prst="line">
+              <a:avLst/>
+            </a:prstGeom>
+            <a:ln w="57150">
+              <a:solidFill>
+                <a:schemeClr val="bg1">
+                  <a:lumMod val="95000"/>
+                </a:schemeClr>
+              </a:solidFill>
+            </a:ln>
+          </p:spPr>
+          <p:style>
+            <a:lnRef idx="1">
+              <a:schemeClr val="accent1"/>
+            </a:lnRef>
+            <a:fillRef idx="0">
+              <a:schemeClr val="accent1"/>
+            </a:fillRef>
+            <a:effectRef idx="0">
+              <a:schemeClr val="accent1"/>
+            </a:effectRef>
+            <a:fontRef idx="minor">
+              <a:schemeClr val="tx1"/>
+            </a:fontRef>
+          </p:style>
+        </p:cxnSp>
+        <p:cxnSp>
+          <p:nvCxnSpPr>
+            <p:cNvPr id="261" name="直線コネクタ 260">
+              <a:extLst>
+                <a:ext uri="{FF2B5EF4-FFF2-40B4-BE49-F238E27FC236}">
+                  <a16:creationId xmlns:a16="http://schemas.microsoft.com/office/drawing/2014/main" id="{941A5627-135B-44DE-9031-1812BEB0D16A}"/>
+                </a:ext>
+              </a:extLst>
+            </p:cNvPr>
+            <p:cNvCxnSpPr>
+              <a:cxnSpLocks/>
+            </p:cNvCxnSpPr>
+            <p:nvPr/>
+          </p:nvCxnSpPr>
+          <p:spPr>
+            <a:xfrm flipH="1">
+              <a:off x="11856960" y="17401616"/>
+              <a:ext cx="482980" cy="0"/>
+            </a:xfrm>
+            <a:prstGeom prst="line">
+              <a:avLst/>
+            </a:prstGeom>
+            <a:ln w="57150">
+              <a:solidFill>
+                <a:schemeClr val="bg1">
+                  <a:lumMod val="95000"/>
+                </a:schemeClr>
+              </a:solidFill>
+            </a:ln>
+          </p:spPr>
+          <p:style>
+            <a:lnRef idx="1">
+              <a:schemeClr val="accent1"/>
+            </a:lnRef>
+            <a:fillRef idx="0">
+              <a:schemeClr val="accent1"/>
+            </a:fillRef>
+            <a:effectRef idx="0">
+              <a:schemeClr val="accent1"/>
+            </a:effectRef>
+            <a:fontRef idx="minor">
+              <a:schemeClr val="tx1"/>
+            </a:fontRef>
+          </p:style>
+        </p:cxnSp>
+      </p:grpSp>
+      <p:grpSp>
+        <p:nvGrpSpPr>
+          <p:cNvPr id="262" name="グループ化 261">
+            <a:extLst>
+              <a:ext uri="{FF2B5EF4-FFF2-40B4-BE49-F238E27FC236}">
+                <a16:creationId xmlns:a16="http://schemas.microsoft.com/office/drawing/2014/main" id="{03FE6DA4-7539-4AD4-A097-7166E0F6B379}"/>
+              </a:ext>
+            </a:extLst>
+          </p:cNvPr>
+          <p:cNvGrpSpPr/>
+          <p:nvPr/>
+        </p:nvGrpSpPr>
+        <p:grpSpPr>
+          <a:xfrm rot="5400000">
+            <a:off x="788879" y="11591630"/>
+            <a:ext cx="482980" cy="237566"/>
+            <a:chOff x="11856960" y="17164050"/>
+            <a:chExt cx="482980" cy="237566"/>
+          </a:xfrm>
+        </p:grpSpPr>
+        <p:cxnSp>
+          <p:nvCxnSpPr>
+            <p:cNvPr id="263" name="直線コネクタ 262">
+              <a:extLst>
+                <a:ext uri="{FF2B5EF4-FFF2-40B4-BE49-F238E27FC236}">
+                  <a16:creationId xmlns:a16="http://schemas.microsoft.com/office/drawing/2014/main" id="{C2F2ED20-1C2D-4B2A-BCF5-F98F555EBBB7}"/>
+                </a:ext>
+              </a:extLst>
+            </p:cNvPr>
+            <p:cNvCxnSpPr>
+              <a:cxnSpLocks/>
+            </p:cNvCxnSpPr>
+            <p:nvPr/>
+          </p:nvCxnSpPr>
+          <p:spPr>
+            <a:xfrm>
+              <a:off x="12100323" y="17164050"/>
+              <a:ext cx="0" cy="237566"/>
+            </a:xfrm>
+            <a:prstGeom prst="line">
+              <a:avLst/>
+            </a:prstGeom>
+            <a:ln w="57150">
+              <a:solidFill>
+                <a:schemeClr val="bg1">
+                  <a:lumMod val="95000"/>
+                </a:schemeClr>
+              </a:solidFill>
+            </a:ln>
+          </p:spPr>
+          <p:style>
+            <a:lnRef idx="1">
+              <a:schemeClr val="accent1"/>
+            </a:lnRef>
+            <a:fillRef idx="0">
+              <a:schemeClr val="accent1"/>
+            </a:fillRef>
+            <a:effectRef idx="0">
+              <a:schemeClr val="accent1"/>
+            </a:effectRef>
+            <a:fontRef idx="minor">
+              <a:schemeClr val="tx1"/>
+            </a:fontRef>
+          </p:style>
+        </p:cxnSp>
+        <p:cxnSp>
+          <p:nvCxnSpPr>
+            <p:cNvPr id="264" name="直線コネクタ 263">
+              <a:extLst>
+                <a:ext uri="{FF2B5EF4-FFF2-40B4-BE49-F238E27FC236}">
+                  <a16:creationId xmlns:a16="http://schemas.microsoft.com/office/drawing/2014/main" id="{E534A10E-795B-424D-864D-92B969A0F972}"/>
+                </a:ext>
+              </a:extLst>
+            </p:cNvPr>
+            <p:cNvCxnSpPr>
+              <a:cxnSpLocks/>
+            </p:cNvCxnSpPr>
+            <p:nvPr/>
+          </p:nvCxnSpPr>
+          <p:spPr>
+            <a:xfrm flipH="1">
+              <a:off x="11856960" y="17401616"/>
+              <a:ext cx="482980" cy="0"/>
+            </a:xfrm>
+            <a:prstGeom prst="line">
+              <a:avLst/>
+            </a:prstGeom>
+            <a:ln w="57150">
+              <a:solidFill>
+                <a:schemeClr val="bg1">
+                  <a:lumMod val="95000"/>
+                </a:schemeClr>
+              </a:solidFill>
+            </a:ln>
+          </p:spPr>
+          <p:style>
+            <a:lnRef idx="1">
+              <a:schemeClr val="accent1"/>
+            </a:lnRef>
+            <a:fillRef idx="0">
+              <a:schemeClr val="accent1"/>
+            </a:fillRef>
+            <a:effectRef idx="0">
+              <a:schemeClr val="accent1"/>
+            </a:effectRef>
+            <a:fontRef idx="minor">
+              <a:schemeClr val="tx1"/>
+            </a:fontRef>
+          </p:style>
+        </p:cxnSp>
+      </p:grpSp>
+      <p:grpSp>
+        <p:nvGrpSpPr>
+          <p:cNvPr id="265" name="グループ化 264">
+            <a:extLst>
+              <a:ext uri="{FF2B5EF4-FFF2-40B4-BE49-F238E27FC236}">
+                <a16:creationId xmlns:a16="http://schemas.microsoft.com/office/drawing/2014/main" id="{A25EDCD5-FD90-4244-A465-A954B9814AA0}"/>
+              </a:ext>
+            </a:extLst>
+          </p:cNvPr>
+          <p:cNvGrpSpPr/>
+          <p:nvPr/>
+        </p:nvGrpSpPr>
+        <p:grpSpPr>
+          <a:xfrm rot="16200000">
+            <a:off x="16920222" y="11586781"/>
+            <a:ext cx="482980" cy="237566"/>
+            <a:chOff x="11856960" y="17164050"/>
+            <a:chExt cx="482980" cy="237566"/>
+          </a:xfrm>
+        </p:grpSpPr>
+        <p:cxnSp>
+          <p:nvCxnSpPr>
+            <p:cNvPr id="266" name="直線コネクタ 265">
+              <a:extLst>
+                <a:ext uri="{FF2B5EF4-FFF2-40B4-BE49-F238E27FC236}">
+                  <a16:creationId xmlns:a16="http://schemas.microsoft.com/office/drawing/2014/main" id="{30CA3BD7-1DB5-4410-8160-E64F9C0425ED}"/>
+                </a:ext>
+              </a:extLst>
+            </p:cNvPr>
+            <p:cNvCxnSpPr>
+              <a:cxnSpLocks/>
+            </p:cNvCxnSpPr>
+            <p:nvPr/>
+          </p:nvCxnSpPr>
+          <p:spPr>
+            <a:xfrm>
+              <a:off x="12100323" y="17164050"/>
+              <a:ext cx="0" cy="237566"/>
+            </a:xfrm>
+            <a:prstGeom prst="line">
+              <a:avLst/>
+            </a:prstGeom>
+            <a:ln w="57150">
+              <a:solidFill>
+                <a:schemeClr val="bg1">
+                  <a:lumMod val="95000"/>
+                </a:schemeClr>
+              </a:solidFill>
+            </a:ln>
+          </p:spPr>
+          <p:style>
+            <a:lnRef idx="1">
+              <a:schemeClr val="accent1"/>
+            </a:lnRef>
+            <a:fillRef idx="0">
+              <a:schemeClr val="accent1"/>
+            </a:fillRef>
+            <a:effectRef idx="0">
+              <a:schemeClr val="accent1"/>
+            </a:effectRef>
+            <a:fontRef idx="minor">
+              <a:schemeClr val="tx1"/>
+            </a:fontRef>
+          </p:style>
+        </p:cxnSp>
+        <p:cxnSp>
+          <p:nvCxnSpPr>
+            <p:cNvPr id="267" name="直線コネクタ 266">
+              <a:extLst>
+                <a:ext uri="{FF2B5EF4-FFF2-40B4-BE49-F238E27FC236}">
+                  <a16:creationId xmlns:a16="http://schemas.microsoft.com/office/drawing/2014/main" id="{9326B9AB-3424-4A82-97DC-12DF1D14ED34}"/>
+                </a:ext>
+              </a:extLst>
+            </p:cNvPr>
+            <p:cNvCxnSpPr>
+              <a:cxnSpLocks/>
+            </p:cNvCxnSpPr>
+            <p:nvPr/>
+          </p:nvCxnSpPr>
+          <p:spPr>
+            <a:xfrm flipH="1">
+              <a:off x="11856960" y="17401616"/>
+              <a:ext cx="482980" cy="0"/>
+            </a:xfrm>
+            <a:prstGeom prst="line">
+              <a:avLst/>
+            </a:prstGeom>
+            <a:ln w="57150">
+              <a:solidFill>
+                <a:schemeClr val="bg1">
+                  <a:lumMod val="95000"/>
+                </a:schemeClr>
+              </a:solidFill>
+            </a:ln>
+          </p:spPr>
+          <p:style>
+            <a:lnRef idx="1">
+              <a:schemeClr val="accent1"/>
+            </a:lnRef>
+            <a:fillRef idx="0">
+              <a:schemeClr val="accent1"/>
+            </a:fillRef>
+            <a:effectRef idx="0">
+              <a:schemeClr val="accent1"/>
+            </a:effectRef>
+            <a:fontRef idx="minor">
+              <a:schemeClr val="tx1"/>
+            </a:fontRef>
+          </p:style>
+        </p:cxnSp>
+      </p:grpSp>
+      <p:grpSp>
+        <p:nvGrpSpPr>
+          <p:cNvPr id="268" name="グループ化 267">
+            <a:extLst>
+              <a:ext uri="{FF2B5EF4-FFF2-40B4-BE49-F238E27FC236}">
+                <a16:creationId xmlns:a16="http://schemas.microsoft.com/office/drawing/2014/main" id="{39D3D8F0-EB71-45F7-B8EB-206F9728CFCC}"/>
+              </a:ext>
+            </a:extLst>
+          </p:cNvPr>
+          <p:cNvGrpSpPr/>
+          <p:nvPr/>
+        </p:nvGrpSpPr>
+        <p:grpSpPr>
+          <a:xfrm rot="16200000">
+            <a:off x="16929665" y="6148089"/>
+            <a:ext cx="482980" cy="237566"/>
+            <a:chOff x="11856960" y="17164050"/>
+            <a:chExt cx="482980" cy="237566"/>
+          </a:xfrm>
+        </p:grpSpPr>
+        <p:cxnSp>
+          <p:nvCxnSpPr>
+            <p:cNvPr id="269" name="直線コネクタ 268">
+              <a:extLst>
+                <a:ext uri="{FF2B5EF4-FFF2-40B4-BE49-F238E27FC236}">
+                  <a16:creationId xmlns:a16="http://schemas.microsoft.com/office/drawing/2014/main" id="{5DE828AF-AF82-40AD-9AFA-3F9611791AB6}"/>
+                </a:ext>
+              </a:extLst>
+            </p:cNvPr>
+            <p:cNvCxnSpPr>
+              <a:cxnSpLocks/>
+            </p:cNvCxnSpPr>
+            <p:nvPr/>
+          </p:nvCxnSpPr>
+          <p:spPr>
+            <a:xfrm>
+              <a:off x="12100323" y="17164050"/>
+              <a:ext cx="0" cy="237566"/>
+            </a:xfrm>
+            <a:prstGeom prst="line">
+              <a:avLst/>
+            </a:prstGeom>
+            <a:ln w="57150">
+              <a:solidFill>
+                <a:schemeClr val="bg1">
+                  <a:lumMod val="95000"/>
+                </a:schemeClr>
+              </a:solidFill>
+            </a:ln>
+          </p:spPr>
+          <p:style>
+            <a:lnRef idx="1">
+              <a:schemeClr val="accent1"/>
+            </a:lnRef>
+            <a:fillRef idx="0">
+              <a:schemeClr val="accent1"/>
+            </a:fillRef>
+            <a:effectRef idx="0">
+              <a:schemeClr val="accent1"/>
+            </a:effectRef>
+            <a:fontRef idx="minor">
+              <a:schemeClr val="tx1"/>
+            </a:fontRef>
+          </p:style>
+        </p:cxnSp>
+        <p:cxnSp>
+          <p:nvCxnSpPr>
+            <p:cNvPr id="270" name="直線コネクタ 269">
+              <a:extLst>
+                <a:ext uri="{FF2B5EF4-FFF2-40B4-BE49-F238E27FC236}">
+                  <a16:creationId xmlns:a16="http://schemas.microsoft.com/office/drawing/2014/main" id="{8633EF6B-8563-40E9-9DDE-5D056DC25CB2}"/>
+                </a:ext>
+              </a:extLst>
+            </p:cNvPr>
+            <p:cNvCxnSpPr>
+              <a:cxnSpLocks/>
+            </p:cNvCxnSpPr>
+            <p:nvPr/>
+          </p:nvCxnSpPr>
+          <p:spPr>
+            <a:xfrm flipH="1">
+              <a:off x="11856960" y="17401616"/>
+              <a:ext cx="482980" cy="0"/>
+            </a:xfrm>
+            <a:prstGeom prst="line">
+              <a:avLst/>
+            </a:prstGeom>
+            <a:ln w="57150">
+              <a:solidFill>
+                <a:schemeClr val="bg1">
+                  <a:lumMod val="95000"/>
+                </a:schemeClr>
+              </a:solidFill>
+            </a:ln>
+          </p:spPr>
+          <p:style>
+            <a:lnRef idx="1">
+              <a:schemeClr val="accent1"/>
+            </a:lnRef>
+            <a:fillRef idx="0">
+              <a:schemeClr val="accent1"/>
+            </a:fillRef>
+            <a:effectRef idx="0">
+              <a:schemeClr val="accent1"/>
+            </a:effectRef>
+            <a:fontRef idx="minor">
+              <a:schemeClr val="tx1"/>
+            </a:fontRef>
+          </p:style>
+        </p:cxnSp>
+      </p:grpSp>
+      <p:grpSp>
+        <p:nvGrpSpPr>
+          <p:cNvPr id="271" name="グループ化 270">
+            <a:extLst>
+              <a:ext uri="{FF2B5EF4-FFF2-40B4-BE49-F238E27FC236}">
+                <a16:creationId xmlns:a16="http://schemas.microsoft.com/office/drawing/2014/main" id="{C93286FF-0FCD-41FA-A568-0CC41AB32AC1}"/>
+              </a:ext>
+            </a:extLst>
+          </p:cNvPr>
+          <p:cNvGrpSpPr/>
+          <p:nvPr/>
+        </p:nvGrpSpPr>
+        <p:grpSpPr>
+          <a:xfrm rot="16200000">
+            <a:off x="11708654" y="11462078"/>
+            <a:ext cx="482980" cy="453724"/>
+            <a:chOff x="11856960" y="17140121"/>
+            <a:chExt cx="482980" cy="522988"/>
+          </a:xfrm>
+        </p:grpSpPr>
+        <p:cxnSp>
+          <p:nvCxnSpPr>
+            <p:cNvPr id="272" name="直線コネクタ 271">
+              <a:extLst>
+                <a:ext uri="{FF2B5EF4-FFF2-40B4-BE49-F238E27FC236}">
+                  <a16:creationId xmlns:a16="http://schemas.microsoft.com/office/drawing/2014/main" id="{9A622E7F-FB1E-4D13-BD56-25D1863466DF}"/>
+                </a:ext>
+              </a:extLst>
+            </p:cNvPr>
+            <p:cNvCxnSpPr>
+              <a:cxnSpLocks/>
+            </p:cNvCxnSpPr>
+            <p:nvPr/>
+          </p:nvCxnSpPr>
+          <p:spPr>
+            <a:xfrm rot="5400000">
+              <a:off x="11833738" y="17401615"/>
+              <a:ext cx="522988" cy="0"/>
+            </a:xfrm>
+            <a:prstGeom prst="line">
+              <a:avLst/>
+            </a:prstGeom>
+            <a:ln w="57150">
+              <a:solidFill>
+                <a:schemeClr val="bg1">
+                  <a:lumMod val="95000"/>
+                </a:schemeClr>
+              </a:solidFill>
+            </a:ln>
+          </p:spPr>
+          <p:style>
+            <a:lnRef idx="1">
+              <a:schemeClr val="accent1"/>
+            </a:lnRef>
+            <a:fillRef idx="0">
+              <a:schemeClr val="accent1"/>
+            </a:fillRef>
+            <a:effectRef idx="0">
+              <a:schemeClr val="accent1"/>
+            </a:effectRef>
+            <a:fontRef idx="minor">
+              <a:schemeClr val="tx1"/>
+            </a:fontRef>
+          </p:style>
+        </p:cxnSp>
+        <p:cxnSp>
+          <p:nvCxnSpPr>
+            <p:cNvPr id="273" name="直線コネクタ 272">
+              <a:extLst>
+                <a:ext uri="{FF2B5EF4-FFF2-40B4-BE49-F238E27FC236}">
+                  <a16:creationId xmlns:a16="http://schemas.microsoft.com/office/drawing/2014/main" id="{FE831874-C792-426C-A3A2-BC2FE131D23F}"/>
+                </a:ext>
+              </a:extLst>
+            </p:cNvPr>
+            <p:cNvCxnSpPr>
+              <a:cxnSpLocks/>
+            </p:cNvCxnSpPr>
+            <p:nvPr/>
+          </p:nvCxnSpPr>
+          <p:spPr>
+            <a:xfrm flipH="1">
+              <a:off x="11856960" y="17401616"/>
+              <a:ext cx="482980" cy="0"/>
+            </a:xfrm>
+            <a:prstGeom prst="line">
+              <a:avLst/>
+            </a:prstGeom>
+            <a:ln w="57150">
+              <a:solidFill>
+                <a:schemeClr val="bg1">
+                  <a:lumMod val="95000"/>
+                </a:schemeClr>
+              </a:solidFill>
+            </a:ln>
+          </p:spPr>
+          <p:style>
+            <a:lnRef idx="1">
+              <a:schemeClr val="accent1"/>
+            </a:lnRef>
+            <a:fillRef idx="0">
+              <a:schemeClr val="accent1"/>
+            </a:fillRef>
+            <a:effectRef idx="0">
+              <a:schemeClr val="accent1"/>
+            </a:effectRef>
+            <a:fontRef idx="minor">
+              <a:schemeClr val="tx1"/>
+            </a:fontRef>
+          </p:style>
+        </p:cxnSp>
+      </p:grpSp>
+      <p:grpSp>
+        <p:nvGrpSpPr>
+          <p:cNvPr id="276" name="グループ化 275">
+            <a:extLst>
+              <a:ext uri="{FF2B5EF4-FFF2-40B4-BE49-F238E27FC236}">
+                <a16:creationId xmlns:a16="http://schemas.microsoft.com/office/drawing/2014/main" id="{7A2C02DD-51F1-4CE3-9EC0-0DC46A95B1C1}"/>
+              </a:ext>
+            </a:extLst>
+          </p:cNvPr>
+          <p:cNvGrpSpPr/>
+          <p:nvPr/>
+        </p:nvGrpSpPr>
+        <p:grpSpPr>
+          <a:xfrm rot="16200000">
+            <a:off x="6264594" y="11462078"/>
+            <a:ext cx="482980" cy="453724"/>
+            <a:chOff x="11856960" y="17140121"/>
+            <a:chExt cx="482980" cy="522988"/>
+          </a:xfrm>
+        </p:grpSpPr>
+        <p:cxnSp>
+          <p:nvCxnSpPr>
+            <p:cNvPr id="277" name="直線コネクタ 276">
+              <a:extLst>
+                <a:ext uri="{FF2B5EF4-FFF2-40B4-BE49-F238E27FC236}">
+                  <a16:creationId xmlns:a16="http://schemas.microsoft.com/office/drawing/2014/main" id="{42B36BC3-6EAB-418F-BC78-E016A82441F7}"/>
+                </a:ext>
+              </a:extLst>
+            </p:cNvPr>
+            <p:cNvCxnSpPr>
+              <a:cxnSpLocks/>
+            </p:cNvCxnSpPr>
+            <p:nvPr/>
+          </p:nvCxnSpPr>
+          <p:spPr>
+            <a:xfrm rot="5400000">
+              <a:off x="11833738" y="17401615"/>
+              <a:ext cx="522988" cy="0"/>
+            </a:xfrm>
+            <a:prstGeom prst="line">
+              <a:avLst/>
+            </a:prstGeom>
+            <a:ln w="57150">
+              <a:solidFill>
+                <a:schemeClr val="bg1">
+                  <a:lumMod val="95000"/>
+                </a:schemeClr>
+              </a:solidFill>
+            </a:ln>
+          </p:spPr>
+          <p:style>
+            <a:lnRef idx="1">
+              <a:schemeClr val="accent1"/>
+            </a:lnRef>
+            <a:fillRef idx="0">
+              <a:schemeClr val="accent1"/>
+            </a:fillRef>
+            <a:effectRef idx="0">
+              <a:schemeClr val="accent1"/>
+            </a:effectRef>
+            <a:fontRef idx="minor">
+              <a:schemeClr val="tx1"/>
+            </a:fontRef>
+          </p:style>
+        </p:cxnSp>
+        <p:cxnSp>
+          <p:nvCxnSpPr>
+            <p:cNvPr id="278" name="直線コネクタ 277">
+              <a:extLst>
+                <a:ext uri="{FF2B5EF4-FFF2-40B4-BE49-F238E27FC236}">
+                  <a16:creationId xmlns:a16="http://schemas.microsoft.com/office/drawing/2014/main" id="{D6AD532F-B3A1-4A61-8F41-7E113C55EB4A}"/>
+                </a:ext>
+              </a:extLst>
+            </p:cNvPr>
+            <p:cNvCxnSpPr>
+              <a:cxnSpLocks/>
+            </p:cNvCxnSpPr>
+            <p:nvPr/>
+          </p:nvCxnSpPr>
+          <p:spPr>
+            <a:xfrm flipH="1">
+              <a:off x="11856960" y="17401616"/>
+              <a:ext cx="482980" cy="0"/>
+            </a:xfrm>
+            <a:prstGeom prst="line">
+              <a:avLst/>
+            </a:prstGeom>
+            <a:ln w="57150">
+              <a:solidFill>
+                <a:schemeClr val="bg1">
+                  <a:lumMod val="95000"/>
+                </a:schemeClr>
+              </a:solidFill>
+            </a:ln>
+          </p:spPr>
+          <p:style>
+            <a:lnRef idx="1">
+              <a:schemeClr val="accent1"/>
+            </a:lnRef>
+            <a:fillRef idx="0">
+              <a:schemeClr val="accent1"/>
+            </a:fillRef>
+            <a:effectRef idx="0">
+              <a:schemeClr val="accent1"/>
+            </a:effectRef>
+            <a:fontRef idx="minor">
+              <a:schemeClr val="tx1"/>
+            </a:fontRef>
+          </p:style>
+        </p:cxnSp>
+      </p:grpSp>
+      <p:grpSp>
+        <p:nvGrpSpPr>
+          <p:cNvPr id="279" name="グループ化 278">
+            <a:extLst>
+              <a:ext uri="{FF2B5EF4-FFF2-40B4-BE49-F238E27FC236}">
+                <a16:creationId xmlns:a16="http://schemas.microsoft.com/office/drawing/2014/main" id="{7BC8598F-5B20-4289-94AE-DAB9D9B57F24}"/>
+              </a:ext>
+            </a:extLst>
+          </p:cNvPr>
+          <p:cNvGrpSpPr/>
+          <p:nvPr/>
+        </p:nvGrpSpPr>
+        <p:grpSpPr>
+          <a:xfrm rot="16200000">
+            <a:off x="6274993" y="6036029"/>
+            <a:ext cx="482980" cy="453724"/>
+            <a:chOff x="11856960" y="17140121"/>
+            <a:chExt cx="482980" cy="522988"/>
+          </a:xfrm>
+        </p:grpSpPr>
+        <p:cxnSp>
+          <p:nvCxnSpPr>
+            <p:cNvPr id="280" name="直線コネクタ 279">
+              <a:extLst>
+                <a:ext uri="{FF2B5EF4-FFF2-40B4-BE49-F238E27FC236}">
+                  <a16:creationId xmlns:a16="http://schemas.microsoft.com/office/drawing/2014/main" id="{28BECEA0-3884-4CEF-A50B-D2DD60595616}"/>
+                </a:ext>
+              </a:extLst>
+            </p:cNvPr>
+            <p:cNvCxnSpPr>
+              <a:cxnSpLocks/>
+            </p:cNvCxnSpPr>
+            <p:nvPr/>
+          </p:nvCxnSpPr>
+          <p:spPr>
+            <a:xfrm rot="5400000">
+              <a:off x="11833738" y="17401615"/>
+              <a:ext cx="522988" cy="0"/>
+            </a:xfrm>
+            <a:prstGeom prst="line">
+              <a:avLst/>
+            </a:prstGeom>
+            <a:ln w="57150">
+              <a:solidFill>
+                <a:schemeClr val="bg1">
+                  <a:lumMod val="95000"/>
+                </a:schemeClr>
+              </a:solidFill>
+            </a:ln>
+          </p:spPr>
+          <p:style>
+            <a:lnRef idx="1">
+              <a:schemeClr val="accent1"/>
+            </a:lnRef>
+            <a:fillRef idx="0">
+              <a:schemeClr val="accent1"/>
+            </a:fillRef>
+            <a:effectRef idx="0">
+              <a:schemeClr val="accent1"/>
+            </a:effectRef>
+            <a:fontRef idx="minor">
+              <a:schemeClr val="tx1"/>
+            </a:fontRef>
+          </p:style>
+        </p:cxnSp>
+        <p:cxnSp>
+          <p:nvCxnSpPr>
+            <p:cNvPr id="281" name="直線コネクタ 280">
+              <a:extLst>
+                <a:ext uri="{FF2B5EF4-FFF2-40B4-BE49-F238E27FC236}">
+                  <a16:creationId xmlns:a16="http://schemas.microsoft.com/office/drawing/2014/main" id="{A2FD5A92-F3E4-45CE-B7DC-AC2A8A67D34F}"/>
+                </a:ext>
+              </a:extLst>
+            </p:cNvPr>
+            <p:cNvCxnSpPr>
+              <a:cxnSpLocks/>
+            </p:cNvCxnSpPr>
+            <p:nvPr/>
+          </p:nvCxnSpPr>
+          <p:spPr>
+            <a:xfrm flipH="1">
+              <a:off x="11856960" y="17401616"/>
+              <a:ext cx="482980" cy="0"/>
+            </a:xfrm>
+            <a:prstGeom prst="line">
+              <a:avLst/>
+            </a:prstGeom>
+            <a:ln w="57150">
+              <a:solidFill>
+                <a:schemeClr val="bg1">
+                  <a:lumMod val="95000"/>
+                </a:schemeClr>
+              </a:solidFill>
+            </a:ln>
+          </p:spPr>
+          <p:style>
+            <a:lnRef idx="1">
+              <a:schemeClr val="accent1"/>
+            </a:lnRef>
+            <a:fillRef idx="0">
+              <a:schemeClr val="accent1"/>
+            </a:fillRef>
+            <a:effectRef idx="0">
+              <a:schemeClr val="accent1"/>
+            </a:effectRef>
+            <a:fontRef idx="minor">
+              <a:schemeClr val="tx1"/>
+            </a:fontRef>
+          </p:style>
+        </p:cxnSp>
+      </p:grpSp>
+      <p:grpSp>
+        <p:nvGrpSpPr>
+          <p:cNvPr id="282" name="グループ化 281">
+            <a:extLst>
+              <a:ext uri="{FF2B5EF4-FFF2-40B4-BE49-F238E27FC236}">
+                <a16:creationId xmlns:a16="http://schemas.microsoft.com/office/drawing/2014/main" id="{D05839BA-5D71-42F4-BC23-10D526E6FEF7}"/>
+              </a:ext>
+            </a:extLst>
+          </p:cNvPr>
+          <p:cNvGrpSpPr/>
+          <p:nvPr/>
+        </p:nvGrpSpPr>
+        <p:grpSpPr>
+          <a:xfrm rot="16200000">
+            <a:off x="11704560" y="6029440"/>
+            <a:ext cx="482980" cy="453724"/>
+            <a:chOff x="11856960" y="17140121"/>
+            <a:chExt cx="482980" cy="522988"/>
+          </a:xfrm>
+        </p:grpSpPr>
+        <p:cxnSp>
+          <p:nvCxnSpPr>
+            <p:cNvPr id="283" name="直線コネクタ 282">
+              <a:extLst>
+                <a:ext uri="{FF2B5EF4-FFF2-40B4-BE49-F238E27FC236}">
+                  <a16:creationId xmlns:a16="http://schemas.microsoft.com/office/drawing/2014/main" id="{4F033FFD-5067-4D47-AD81-69249B8B0AD8}"/>
+                </a:ext>
+              </a:extLst>
+            </p:cNvPr>
+            <p:cNvCxnSpPr>
+              <a:cxnSpLocks/>
+            </p:cNvCxnSpPr>
+            <p:nvPr/>
+          </p:nvCxnSpPr>
+          <p:spPr>
+            <a:xfrm rot="5400000">
+              <a:off x="11833738" y="17401615"/>
+              <a:ext cx="522988" cy="0"/>
+            </a:xfrm>
+            <a:prstGeom prst="line">
+              <a:avLst/>
+            </a:prstGeom>
+            <a:ln w="57150">
+              <a:solidFill>
+                <a:schemeClr val="bg1">
+                  <a:lumMod val="95000"/>
+                </a:schemeClr>
+              </a:solidFill>
+            </a:ln>
+          </p:spPr>
+          <p:style>
+            <a:lnRef idx="1">
+              <a:schemeClr val="accent1"/>
+            </a:lnRef>
+            <a:fillRef idx="0">
+              <a:schemeClr val="accent1"/>
+            </a:fillRef>
+            <a:effectRef idx="0">
+              <a:schemeClr val="accent1"/>
+            </a:effectRef>
+            <a:fontRef idx="minor">
+              <a:schemeClr val="tx1"/>
+            </a:fontRef>
+          </p:style>
+        </p:cxnSp>
+        <p:cxnSp>
+          <p:nvCxnSpPr>
+            <p:cNvPr id="284" name="直線コネクタ 283">
+              <a:extLst>
+                <a:ext uri="{FF2B5EF4-FFF2-40B4-BE49-F238E27FC236}">
+                  <a16:creationId xmlns:a16="http://schemas.microsoft.com/office/drawing/2014/main" id="{0ADA821A-1E27-4738-8250-8B6539703818}"/>
+                </a:ext>
+              </a:extLst>
+            </p:cNvPr>
+            <p:cNvCxnSpPr>
+              <a:cxnSpLocks/>
+            </p:cNvCxnSpPr>
+            <p:nvPr/>
+          </p:nvCxnSpPr>
+          <p:spPr>
+            <a:xfrm flipH="1">
+              <a:off x="11856960" y="17401616"/>
+              <a:ext cx="482980" cy="0"/>
+            </a:xfrm>
+            <a:prstGeom prst="line">
+              <a:avLst/>
+            </a:prstGeom>
+            <a:ln w="57150">
+              <a:solidFill>
+                <a:schemeClr val="bg1">
+                  <a:lumMod val="95000"/>
+                </a:schemeClr>
+              </a:solidFill>
+            </a:ln>
+          </p:spPr>
+          <p:style>
+            <a:lnRef idx="1">
+              <a:schemeClr val="accent1"/>
+            </a:lnRef>
+            <a:fillRef idx="0">
+              <a:schemeClr val="accent1"/>
+            </a:fillRef>
+            <a:effectRef idx="0">
+              <a:schemeClr val="accent1"/>
+            </a:effectRef>
+            <a:fontRef idx="minor">
+              <a:schemeClr val="tx1"/>
+            </a:fontRef>
+          </p:style>
+        </p:cxnSp>
+      </p:grpSp>
     </p:spTree>
     <p:extLst>
       <p:ext uri="{BB962C8B-B14F-4D97-AF65-F5344CB8AC3E}">

--- a/models/car_simulator/test/obj/map.pptx
+++ b/models/car_simulator/test/obj/map.pptx
@@ -259,7 +259,7 @@
           <a:p>
             <a:fld id="{6F6208B2-DA1B-4689-A3F7-4DE663932C7D}" type="datetimeFigureOut">
               <a:rPr kumimoji="1" lang="ja-JP" altLang="en-US" smtClean="0"/>
-              <a:t>2021/5/5</a:t>
+              <a:t>2021/7/19</a:t>
             </a:fld>
             <a:endParaRPr kumimoji="1" lang="ja-JP" altLang="en-US"/>
           </a:p>
@@ -489,7 +489,7 @@
           <a:p>
             <a:fld id="{6F6208B2-DA1B-4689-A3F7-4DE663932C7D}" type="datetimeFigureOut">
               <a:rPr kumimoji="1" lang="ja-JP" altLang="en-US" smtClean="0"/>
-              <a:t>2021/5/5</a:t>
+              <a:t>2021/7/19</a:t>
             </a:fld>
             <a:endParaRPr kumimoji="1" lang="ja-JP" altLang="en-US"/>
           </a:p>
@@ -729,7 +729,7 @@
           <a:p>
             <a:fld id="{6F6208B2-DA1B-4689-A3F7-4DE663932C7D}" type="datetimeFigureOut">
               <a:rPr kumimoji="1" lang="ja-JP" altLang="en-US" smtClean="0"/>
-              <a:t>2021/5/5</a:t>
+              <a:t>2021/7/19</a:t>
             </a:fld>
             <a:endParaRPr kumimoji="1" lang="ja-JP" altLang="en-US"/>
           </a:p>
@@ -959,7 +959,7 @@
           <a:p>
             <a:fld id="{6F6208B2-DA1B-4689-A3F7-4DE663932C7D}" type="datetimeFigureOut">
               <a:rPr kumimoji="1" lang="ja-JP" altLang="en-US" smtClean="0"/>
-              <a:t>2021/5/5</a:t>
+              <a:t>2021/7/19</a:t>
             </a:fld>
             <a:endParaRPr kumimoji="1" lang="ja-JP" altLang="en-US"/>
           </a:p>
@@ -1234,7 +1234,7 @@
           <a:p>
             <a:fld id="{6F6208B2-DA1B-4689-A3F7-4DE663932C7D}" type="datetimeFigureOut">
               <a:rPr kumimoji="1" lang="ja-JP" altLang="en-US" smtClean="0"/>
-              <a:t>2021/5/5</a:t>
+              <a:t>2021/7/19</a:t>
             </a:fld>
             <a:endParaRPr kumimoji="1" lang="ja-JP" altLang="en-US"/>
           </a:p>
@@ -1563,7 +1563,7 @@
           <a:p>
             <a:fld id="{6F6208B2-DA1B-4689-A3F7-4DE663932C7D}" type="datetimeFigureOut">
               <a:rPr kumimoji="1" lang="ja-JP" altLang="en-US" smtClean="0"/>
-              <a:t>2021/5/5</a:t>
+              <a:t>2021/7/19</a:t>
             </a:fld>
             <a:endParaRPr kumimoji="1" lang="ja-JP" altLang="en-US"/>
           </a:p>
@@ -2039,7 +2039,7 @@
           <a:p>
             <a:fld id="{6F6208B2-DA1B-4689-A3F7-4DE663932C7D}" type="datetimeFigureOut">
               <a:rPr kumimoji="1" lang="ja-JP" altLang="en-US" smtClean="0"/>
-              <a:t>2021/5/5</a:t>
+              <a:t>2021/7/19</a:t>
             </a:fld>
             <a:endParaRPr kumimoji="1" lang="ja-JP" altLang="en-US"/>
           </a:p>
@@ -2180,7 +2180,7 @@
           <a:p>
             <a:fld id="{6F6208B2-DA1B-4689-A3F7-4DE663932C7D}" type="datetimeFigureOut">
               <a:rPr kumimoji="1" lang="ja-JP" altLang="en-US" smtClean="0"/>
-              <a:t>2021/5/5</a:t>
+              <a:t>2021/7/19</a:t>
             </a:fld>
             <a:endParaRPr kumimoji="1" lang="ja-JP" altLang="en-US"/>
           </a:p>
@@ -2293,7 +2293,7 @@
           <a:p>
             <a:fld id="{6F6208B2-DA1B-4689-A3F7-4DE663932C7D}" type="datetimeFigureOut">
               <a:rPr kumimoji="1" lang="ja-JP" altLang="en-US" smtClean="0"/>
-              <a:t>2021/5/5</a:t>
+              <a:t>2021/7/19</a:t>
             </a:fld>
             <a:endParaRPr kumimoji="1" lang="ja-JP" altLang="en-US"/>
           </a:p>
@@ -2636,7 +2636,7 @@
           <a:p>
             <a:fld id="{6F6208B2-DA1B-4689-A3F7-4DE663932C7D}" type="datetimeFigureOut">
               <a:rPr kumimoji="1" lang="ja-JP" altLang="en-US" smtClean="0"/>
-              <a:t>2021/5/5</a:t>
+              <a:t>2021/7/19</a:t>
             </a:fld>
             <a:endParaRPr kumimoji="1" lang="ja-JP" altLang="en-US"/>
           </a:p>
@@ -2924,7 +2924,7 @@
           <a:p>
             <a:fld id="{6F6208B2-DA1B-4689-A3F7-4DE663932C7D}" type="datetimeFigureOut">
               <a:rPr kumimoji="1" lang="ja-JP" altLang="en-US" smtClean="0"/>
-              <a:t>2021/5/5</a:t>
+              <a:t>2021/7/19</a:t>
             </a:fld>
             <a:endParaRPr kumimoji="1" lang="ja-JP" altLang="en-US"/>
           </a:p>
@@ -3197,7 +3197,7 @@
           <a:p>
             <a:fld id="{6F6208B2-DA1B-4689-A3F7-4DE663932C7D}" type="datetimeFigureOut">
               <a:rPr kumimoji="1" lang="ja-JP" altLang="en-US" smtClean="0"/>
-              <a:t>2021/5/5</a:t>
+              <a:t>2021/7/19</a:t>
             </a:fld>
             <a:endParaRPr kumimoji="1" lang="ja-JP" altLang="en-US"/>
           </a:p>
@@ -3991,7 +3991,7 @@
           <a:lstStyle/>
           <a:p>
             <a:pPr algn="ctr"/>
-            <a:endParaRPr kumimoji="1" lang="ja-JP" altLang="en-US"/>
+            <a:endParaRPr kumimoji="1" lang="ja-JP" altLang="en-US" dirty="0"/>
           </a:p>
         </p:txBody>
       </p:sp>
@@ -13912,6 +13912,110 @@
           </p:style>
         </p:cxnSp>
       </p:grpSp>
+      <p:sp>
+        <p:nvSpPr>
+          <p:cNvPr id="274" name="正方形/長方形 273">
+            <a:extLst>
+              <a:ext uri="{FF2B5EF4-FFF2-40B4-BE49-F238E27FC236}">
+                <a16:creationId xmlns:a16="http://schemas.microsoft.com/office/drawing/2014/main" id="{9423FDFC-4AB7-4BF0-8EA2-0933A0F553FE}"/>
+              </a:ext>
+            </a:extLst>
+          </p:cNvPr>
+          <p:cNvSpPr/>
+          <p:nvPr/>
+        </p:nvSpPr>
+        <p:spPr>
+          <a:xfrm>
+            <a:off x="7405079" y="723677"/>
+            <a:ext cx="97859" cy="643625"/>
+          </a:xfrm>
+          <a:prstGeom prst="rect">
+            <a:avLst/>
+          </a:prstGeom>
+          <a:solidFill>
+            <a:srgbClr val="F2F2F2"/>
+          </a:solidFill>
+          <a:ln>
+            <a:noFill/>
+          </a:ln>
+        </p:spPr>
+        <p:style>
+          <a:lnRef idx="2">
+            <a:schemeClr val="accent1">
+              <a:shade val="50000"/>
+            </a:schemeClr>
+          </a:lnRef>
+          <a:fillRef idx="1">
+            <a:schemeClr val="accent1"/>
+          </a:fillRef>
+          <a:effectRef idx="0">
+            <a:schemeClr val="accent1"/>
+          </a:effectRef>
+          <a:fontRef idx="minor">
+            <a:schemeClr val="lt1"/>
+          </a:fontRef>
+        </p:style>
+        <p:txBody>
+          <a:bodyPr rtlCol="0" anchor="ctr"/>
+          <a:lstStyle/>
+          <a:p>
+            <a:pPr algn="ctr"/>
+            <a:endParaRPr kumimoji="1" lang="ja-JP" altLang="en-US"/>
+          </a:p>
+        </p:txBody>
+      </p:sp>
+      <p:sp>
+        <p:nvSpPr>
+          <p:cNvPr id="275" name="正方形/長方形 274">
+            <a:extLst>
+              <a:ext uri="{FF2B5EF4-FFF2-40B4-BE49-F238E27FC236}">
+                <a16:creationId xmlns:a16="http://schemas.microsoft.com/office/drawing/2014/main" id="{8C5A48EB-9E27-497B-8BB1-7A6F96E3FCEF}"/>
+              </a:ext>
+            </a:extLst>
+          </p:cNvPr>
+          <p:cNvSpPr/>
+          <p:nvPr/>
+        </p:nvSpPr>
+        <p:spPr>
+          <a:xfrm>
+            <a:off x="11028502" y="16619373"/>
+            <a:ext cx="97859" cy="643625"/>
+          </a:xfrm>
+          <a:prstGeom prst="rect">
+            <a:avLst/>
+          </a:prstGeom>
+          <a:solidFill>
+            <a:srgbClr val="F2F2F2"/>
+          </a:solidFill>
+          <a:ln>
+            <a:noFill/>
+          </a:ln>
+        </p:spPr>
+        <p:style>
+          <a:lnRef idx="2">
+            <a:schemeClr val="accent1">
+              <a:shade val="50000"/>
+            </a:schemeClr>
+          </a:lnRef>
+          <a:fillRef idx="1">
+            <a:schemeClr val="accent1"/>
+          </a:fillRef>
+          <a:effectRef idx="0">
+            <a:schemeClr val="accent1"/>
+          </a:effectRef>
+          <a:fontRef idx="minor">
+            <a:schemeClr val="lt1"/>
+          </a:fontRef>
+        </p:style>
+        <p:txBody>
+          <a:bodyPr rtlCol="0" anchor="ctr"/>
+          <a:lstStyle/>
+          <a:p>
+            <a:pPr algn="ctr"/>
+            <a:endParaRPr kumimoji="1" lang="ja-JP" altLang="en-US"/>
+          </a:p>
+        </p:txBody>
+      </p:sp>
     </p:spTree>
     <p:extLst>
       <p:ext uri="{BB962C8B-B14F-4D97-AF65-F5344CB8AC3E}">
